--- a/initial presentation.pptx
+++ b/initial presentation.pptx
@@ -110,7 +110,20 @@
       </a:defRPr>
     </a:lvl9pPr>
   </p:defaultTextStyle>
+  <p:extLst>
+    <p:ext uri="{EFAFB233-063F-42B5-8137-9DF3F51BA10A}">
+      <p15:sldGuideLst xmlns:p15="http://schemas.microsoft.com/office/powerpoint/2012/main"/>
+    </p:ext>
+  </p:extLst>
 </p:presentation>
+</file>
+
+<file path=ppt/revisionInfo.xml><?xml version="1.0" encoding="utf-8"?>
+<p1510:revInfo xmlns:a="http://schemas.openxmlformats.org/drawingml/2006/main" xmlns:r="http://schemas.openxmlformats.org/officeDocument/2006/relationships" xmlns:p1510="http://schemas.microsoft.com/office/powerpoint/2015/10/main">
+  <p1510:revLst>
+    <p1510:client id="{1A8A06F0-CE28-4BC5-99E4-9985947D6077}" v="206" dt="2023-03-08T21:37:15.123"/>
+  </p1510:revLst>
+</p1510:revInfo>
 </file>
 
 <file path=ppt/changesInfos/changesInfo1.xml><?xml version="1.0" encoding="utf-8"?>
@@ -184,7 +197,4157 @@
       </pc:sldChg>
     </pc:docChg>
   </pc:docChgLst>
+  <pc:docChgLst>
+    <pc:chgData name="Désirée Kitala" userId="7d51a9d522edd448" providerId="LiveId" clId="{1A8A06F0-CE28-4BC5-99E4-9985947D6077}"/>
+    <pc:docChg chg="undo custSel modSld">
+      <pc:chgData name="Désirée Kitala" userId="7d51a9d522edd448" providerId="LiveId" clId="{1A8A06F0-CE28-4BC5-99E4-9985947D6077}" dt="2023-03-08T21:37:21.639" v="698" actId="1076"/>
+      <pc:docMkLst>
+        <pc:docMk/>
+      </pc:docMkLst>
+      <pc:sldChg chg="modSp mod">
+        <pc:chgData name="Désirée Kitala" userId="7d51a9d522edd448" providerId="LiveId" clId="{1A8A06F0-CE28-4BC5-99E4-9985947D6077}" dt="2023-03-08T20:29:14.614" v="491" actId="20577"/>
+        <pc:sldMkLst>
+          <pc:docMk/>
+          <pc:sldMk cId="3113176476" sldId="259"/>
+        </pc:sldMkLst>
+        <pc:spChg chg="mod">
+          <ac:chgData name="Désirée Kitala" userId="7d51a9d522edd448" providerId="LiveId" clId="{1A8A06F0-CE28-4BC5-99E4-9985947D6077}" dt="2023-03-08T20:10:59.173" v="76" actId="20577"/>
+          <ac:spMkLst>
+            <pc:docMk/>
+            <pc:sldMk cId="3113176476" sldId="259"/>
+            <ac:spMk id="2" creationId="{919DA1FA-AF87-62C0-83AE-12D99C42D04B}"/>
+          </ac:spMkLst>
+        </pc:spChg>
+        <pc:spChg chg="mod">
+          <ac:chgData name="Désirée Kitala" userId="7d51a9d522edd448" providerId="LiveId" clId="{1A8A06F0-CE28-4BC5-99E4-9985947D6077}" dt="2023-03-08T20:10:45.498" v="75" actId="20577"/>
+          <ac:spMkLst>
+            <pc:docMk/>
+            <pc:sldMk cId="3113176476" sldId="259"/>
+            <ac:spMk id="6" creationId="{8E085209-774E-7AC7-E49C-BB31DA2DDFC0}"/>
+          </ac:spMkLst>
+        </pc:spChg>
+        <pc:graphicFrameChg chg="modGraphic">
+          <ac:chgData name="Désirée Kitala" userId="7d51a9d522edd448" providerId="LiveId" clId="{1A8A06F0-CE28-4BC5-99E4-9985947D6077}" dt="2023-03-08T20:29:14.614" v="491" actId="20577"/>
+          <ac:graphicFrameMkLst>
+            <pc:docMk/>
+            <pc:sldMk cId="3113176476" sldId="259"/>
+            <ac:graphicFrameMk id="4" creationId="{2E19DE11-221C-2247-1109-60675F306382}"/>
+          </ac:graphicFrameMkLst>
+        </pc:graphicFrameChg>
+      </pc:sldChg>
+      <pc:sldChg chg="addSp delSp modSp mod">
+        <pc:chgData name="Désirée Kitala" userId="7d51a9d522edd448" providerId="LiveId" clId="{1A8A06F0-CE28-4BC5-99E4-9985947D6077}" dt="2023-03-08T20:25:31.617" v="483" actId="1076"/>
+        <pc:sldMkLst>
+          <pc:docMk/>
+          <pc:sldMk cId="3021321133" sldId="260"/>
+        </pc:sldMkLst>
+        <pc:spChg chg="mod">
+          <ac:chgData name="Désirée Kitala" userId="7d51a9d522edd448" providerId="LiveId" clId="{1A8A06F0-CE28-4BC5-99E4-9985947D6077}" dt="2023-03-08T20:24:06.831" v="475" actId="20577"/>
+          <ac:spMkLst>
+            <pc:docMk/>
+            <pc:sldMk cId="3021321133" sldId="260"/>
+            <ac:spMk id="3" creationId="{0150AF22-32A2-9D67-360C-A3895A749074}"/>
+          </ac:spMkLst>
+        </pc:spChg>
+        <pc:graphicFrameChg chg="add del modGraphic">
+          <ac:chgData name="Désirée Kitala" userId="7d51a9d522edd448" providerId="LiveId" clId="{1A8A06F0-CE28-4BC5-99E4-9985947D6077}" dt="2023-03-08T20:13:30.804" v="78" actId="1032"/>
+          <ac:graphicFrameMkLst>
+            <pc:docMk/>
+            <pc:sldMk cId="3021321133" sldId="260"/>
+            <ac:graphicFrameMk id="4" creationId="{F55D5DEB-A0D2-4018-1A51-92F7FCEEC6A7}"/>
+          </ac:graphicFrameMkLst>
+        </pc:graphicFrameChg>
+        <pc:graphicFrameChg chg="add del mod modGraphic">
+          <ac:chgData name="Désirée Kitala" userId="7d51a9d522edd448" providerId="LiveId" clId="{1A8A06F0-CE28-4BC5-99E4-9985947D6077}" dt="2023-03-08T20:15:09.201" v="129" actId="478"/>
+          <ac:graphicFrameMkLst>
+            <pc:docMk/>
+            <pc:sldMk cId="3021321133" sldId="260"/>
+            <ac:graphicFrameMk id="5" creationId="{1774085F-3DB6-3C22-D5D9-A2D496C8B7A5}"/>
+          </ac:graphicFrameMkLst>
+        </pc:graphicFrameChg>
+        <pc:graphicFrameChg chg="add mod modGraphic">
+          <ac:chgData name="Désirée Kitala" userId="7d51a9d522edd448" providerId="LiveId" clId="{1A8A06F0-CE28-4BC5-99E4-9985947D6077}" dt="2023-03-08T20:25:31.617" v="483" actId="1076"/>
+          <ac:graphicFrameMkLst>
+            <pc:docMk/>
+            <pc:sldMk cId="3021321133" sldId="260"/>
+            <ac:graphicFrameMk id="6" creationId="{03326C3A-87C0-788D-12CE-DA93F9123F2E}"/>
+          </ac:graphicFrameMkLst>
+        </pc:graphicFrameChg>
+      </pc:sldChg>
+      <pc:sldChg chg="modSp mod">
+        <pc:chgData name="Désirée Kitala" userId="7d51a9d522edd448" providerId="LiveId" clId="{1A8A06F0-CE28-4BC5-99E4-9985947D6077}" dt="2023-03-08T21:31:32.170" v="695" actId="20577"/>
+        <pc:sldMkLst>
+          <pc:docMk/>
+          <pc:sldMk cId="64269373" sldId="261"/>
+        </pc:sldMkLst>
+        <pc:spChg chg="mod">
+          <ac:chgData name="Désirée Kitala" userId="7d51a9d522edd448" providerId="LiveId" clId="{1A8A06F0-CE28-4BC5-99E4-9985947D6077}" dt="2023-03-08T21:31:32.170" v="695" actId="20577"/>
+          <ac:spMkLst>
+            <pc:docMk/>
+            <pc:sldMk cId="64269373" sldId="261"/>
+            <ac:spMk id="2" creationId="{B27D1E19-6E01-146F-DB7C-3CA795E48387}"/>
+          </ac:spMkLst>
+        </pc:spChg>
+      </pc:sldChg>
+      <pc:sldChg chg="addSp delSp modSp mod">
+        <pc:chgData name="Désirée Kitala" userId="7d51a9d522edd448" providerId="LiveId" clId="{1A8A06F0-CE28-4BC5-99E4-9985947D6077}" dt="2023-03-08T21:37:21.639" v="698" actId="1076"/>
+        <pc:sldMkLst>
+          <pc:docMk/>
+          <pc:sldMk cId="3003115470" sldId="262"/>
+        </pc:sldMkLst>
+        <pc:spChg chg="mod">
+          <ac:chgData name="Désirée Kitala" userId="7d51a9d522edd448" providerId="LiveId" clId="{1A8A06F0-CE28-4BC5-99E4-9985947D6077}" dt="2023-03-08T21:27:02.793" v="584" actId="20577"/>
+          <ac:spMkLst>
+            <pc:docMk/>
+            <pc:sldMk cId="3003115470" sldId="262"/>
+            <ac:spMk id="2" creationId="{545C04A8-A840-EEFF-9EB9-7FFB990EBA62}"/>
+          </ac:spMkLst>
+        </pc:spChg>
+        <pc:spChg chg="del mod">
+          <ac:chgData name="Désirée Kitala" userId="7d51a9d522edd448" providerId="LiveId" clId="{1A8A06F0-CE28-4BC5-99E4-9985947D6077}" dt="2023-03-08T20:24:51.300" v="481" actId="478"/>
+          <ac:spMkLst>
+            <pc:docMk/>
+            <pc:sldMk cId="3003115470" sldId="262"/>
+            <ac:spMk id="3" creationId="{03F279F1-52D7-96D9-23AA-9F719AA73A99}"/>
+          </ac:spMkLst>
+        </pc:spChg>
+        <pc:graphicFrameChg chg="add mod modGraphic">
+          <ac:chgData name="Désirée Kitala" userId="7d51a9d522edd448" providerId="LiveId" clId="{1A8A06F0-CE28-4BC5-99E4-9985947D6077}" dt="2023-03-08T21:30:55.490" v="660" actId="20577"/>
+          <ac:graphicFrameMkLst>
+            <pc:docMk/>
+            <pc:sldMk cId="3003115470" sldId="262"/>
+            <ac:graphicFrameMk id="6" creationId="{324AFEAB-9EC1-9013-6AB3-73D6F9D2DD38}"/>
+          </ac:graphicFrameMkLst>
+        </pc:graphicFrameChg>
+        <pc:graphicFrameChg chg="add del mod modGraphic">
+          <ac:chgData name="Désirée Kitala" userId="7d51a9d522edd448" providerId="LiveId" clId="{1A8A06F0-CE28-4BC5-99E4-9985947D6077}" dt="2023-03-08T21:27:21.964" v="587" actId="478"/>
+          <ac:graphicFrameMkLst>
+            <pc:docMk/>
+            <pc:sldMk cId="3003115470" sldId="262"/>
+            <ac:graphicFrameMk id="7" creationId="{0EB54F09-9E47-058E-E0E9-3119DEC607E7}"/>
+          </ac:graphicFrameMkLst>
+        </pc:graphicFrameChg>
+        <pc:picChg chg="add mod">
+          <ac:chgData name="Désirée Kitala" userId="7d51a9d522edd448" providerId="LiveId" clId="{1A8A06F0-CE28-4BC5-99E4-9985947D6077}" dt="2023-03-08T21:37:21.639" v="698" actId="1076"/>
+          <ac:picMkLst>
+            <pc:docMk/>
+            <pc:sldMk cId="3003115470" sldId="262"/>
+            <ac:picMk id="4" creationId="{B1BFC0CE-B1BC-5A36-4B63-883B29AB1DD3}"/>
+          </ac:picMkLst>
+        </pc:picChg>
+        <pc:picChg chg="add del mod">
+          <ac:chgData name="Désirée Kitala" userId="7d51a9d522edd448" providerId="LiveId" clId="{1A8A06F0-CE28-4BC5-99E4-9985947D6077}" dt="2023-03-08T21:37:14.716" v="696" actId="478"/>
+          <ac:picMkLst>
+            <pc:docMk/>
+            <pc:sldMk cId="3003115470" sldId="262"/>
+            <ac:picMk id="5" creationId="{1924CA28-87F8-DF61-33F2-D07234CCAA87}"/>
+          </ac:picMkLst>
+        </pc:picChg>
+      </pc:sldChg>
+    </pc:docChg>
+  </pc:docChgLst>
 </pc:chgInfo>
+</file>
+
+<file path=ppt/diagrams/colors1.xml><?xml version="1.0" encoding="utf-8"?>
+<dgm:colorsDef xmlns:dgm="http://schemas.openxmlformats.org/drawingml/2006/diagram" xmlns:a="http://schemas.openxmlformats.org/drawingml/2006/main" uniqueId="urn:microsoft.com/office/officeart/2005/8/colors/accent1_2">
+  <dgm:title val=""/>
+  <dgm:desc val=""/>
+  <dgm:catLst>
+    <dgm:cat type="accent1" pri="11200"/>
+  </dgm:catLst>
+  <dgm:styleLbl name="node0">
+    <dgm:fillClrLst meth="repeat">
+      <a:schemeClr val="accent1"/>
+    </dgm:fillClrLst>
+    <dgm:linClrLst meth="repeat">
+      <a:schemeClr val="lt1"/>
+    </dgm:linClrLst>
+    <dgm:effectClrLst/>
+    <dgm:txLinClrLst/>
+    <dgm:txFillClrLst/>
+    <dgm:txEffectClrLst/>
+  </dgm:styleLbl>
+  <dgm:styleLbl name="alignNode1">
+    <dgm:fillClrLst meth="repeat">
+      <a:schemeClr val="accent1"/>
+    </dgm:fillClrLst>
+    <dgm:linClrLst meth="repeat">
+      <a:schemeClr val="accent1"/>
+    </dgm:linClrLst>
+    <dgm:effectClrLst/>
+    <dgm:txLinClrLst/>
+    <dgm:txFillClrLst/>
+    <dgm:txEffectClrLst/>
+  </dgm:styleLbl>
+  <dgm:styleLbl name="node1">
+    <dgm:fillClrLst meth="repeat">
+      <a:schemeClr val="accent1"/>
+    </dgm:fillClrLst>
+    <dgm:linClrLst meth="repeat">
+      <a:schemeClr val="lt1"/>
+    </dgm:linClrLst>
+    <dgm:effectClrLst/>
+    <dgm:txLinClrLst/>
+    <dgm:txFillClrLst/>
+    <dgm:txEffectClrLst/>
+  </dgm:styleLbl>
+  <dgm:styleLbl name="lnNode1">
+    <dgm:fillClrLst meth="repeat">
+      <a:schemeClr val="accent1"/>
+    </dgm:fillClrLst>
+    <dgm:linClrLst meth="repeat">
+      <a:schemeClr val="lt1"/>
+    </dgm:linClrLst>
+    <dgm:effectClrLst/>
+    <dgm:txLinClrLst/>
+    <dgm:txFillClrLst/>
+    <dgm:txEffectClrLst/>
+  </dgm:styleLbl>
+  <dgm:styleLbl name="vennNode1">
+    <dgm:fillClrLst meth="repeat">
+      <a:schemeClr val="accent1">
+        <a:alpha val="50000"/>
+      </a:schemeClr>
+    </dgm:fillClrLst>
+    <dgm:linClrLst meth="repeat">
+      <a:schemeClr val="lt1"/>
+    </dgm:linClrLst>
+    <dgm:effectClrLst/>
+    <dgm:txLinClrLst/>
+    <dgm:txFillClrLst/>
+    <dgm:txEffectClrLst/>
+  </dgm:styleLbl>
+  <dgm:styleLbl name="node2">
+    <dgm:fillClrLst meth="repeat">
+      <a:schemeClr val="accent1"/>
+    </dgm:fillClrLst>
+    <dgm:linClrLst meth="repeat">
+      <a:schemeClr val="lt1"/>
+    </dgm:linClrLst>
+    <dgm:effectClrLst/>
+    <dgm:txLinClrLst/>
+    <dgm:txFillClrLst/>
+    <dgm:txEffectClrLst/>
+  </dgm:styleLbl>
+  <dgm:styleLbl name="node3">
+    <dgm:fillClrLst meth="repeat">
+      <a:schemeClr val="accent1"/>
+    </dgm:fillClrLst>
+    <dgm:linClrLst meth="repeat">
+      <a:schemeClr val="lt1"/>
+    </dgm:linClrLst>
+    <dgm:effectClrLst/>
+    <dgm:txLinClrLst/>
+    <dgm:txFillClrLst/>
+    <dgm:txEffectClrLst/>
+  </dgm:styleLbl>
+  <dgm:styleLbl name="node4">
+    <dgm:fillClrLst meth="repeat">
+      <a:schemeClr val="accent1"/>
+    </dgm:fillClrLst>
+    <dgm:linClrLst meth="repeat">
+      <a:schemeClr val="lt1"/>
+    </dgm:linClrLst>
+    <dgm:effectClrLst/>
+    <dgm:txLinClrLst/>
+    <dgm:txFillClrLst/>
+    <dgm:txEffectClrLst/>
+  </dgm:styleLbl>
+  <dgm:styleLbl name="fgImgPlace1">
+    <dgm:fillClrLst meth="repeat">
+      <a:schemeClr val="accent1">
+        <a:tint val="50000"/>
+      </a:schemeClr>
+    </dgm:fillClrLst>
+    <dgm:linClrLst meth="repeat">
+      <a:schemeClr val="lt1"/>
+    </dgm:linClrLst>
+    <dgm:effectClrLst/>
+    <dgm:txLinClrLst/>
+    <dgm:txFillClrLst meth="repeat">
+      <a:schemeClr val="lt1"/>
+    </dgm:txFillClrLst>
+    <dgm:txEffectClrLst/>
+  </dgm:styleLbl>
+  <dgm:styleLbl name="alignImgPlace1">
+    <dgm:fillClrLst meth="repeat">
+      <a:schemeClr val="accent1">
+        <a:tint val="50000"/>
+      </a:schemeClr>
+    </dgm:fillClrLst>
+    <dgm:linClrLst meth="repeat">
+      <a:schemeClr val="lt1"/>
+    </dgm:linClrLst>
+    <dgm:effectClrLst/>
+    <dgm:txLinClrLst/>
+    <dgm:txFillClrLst meth="repeat">
+      <a:schemeClr val="lt1"/>
+    </dgm:txFillClrLst>
+    <dgm:txEffectClrLst/>
+  </dgm:styleLbl>
+  <dgm:styleLbl name="bgImgPlace1">
+    <dgm:fillClrLst meth="repeat">
+      <a:schemeClr val="accent1">
+        <a:tint val="50000"/>
+      </a:schemeClr>
+    </dgm:fillClrLst>
+    <dgm:linClrLst meth="repeat">
+      <a:schemeClr val="lt1"/>
+    </dgm:linClrLst>
+    <dgm:effectClrLst/>
+    <dgm:txLinClrLst/>
+    <dgm:txFillClrLst meth="repeat">
+      <a:schemeClr val="lt1"/>
+    </dgm:txFillClrLst>
+    <dgm:txEffectClrLst/>
+  </dgm:styleLbl>
+  <dgm:styleLbl name="sibTrans2D1">
+    <dgm:fillClrLst meth="repeat">
+      <a:schemeClr val="accent1">
+        <a:tint val="60000"/>
+      </a:schemeClr>
+    </dgm:fillClrLst>
+    <dgm:linClrLst meth="repeat">
+      <a:schemeClr val="accent1">
+        <a:tint val="60000"/>
+      </a:schemeClr>
+    </dgm:linClrLst>
+    <dgm:effectClrLst/>
+    <dgm:txLinClrLst/>
+    <dgm:txFillClrLst/>
+    <dgm:txEffectClrLst/>
+  </dgm:styleLbl>
+  <dgm:styleLbl name="fgSibTrans2D1">
+    <dgm:fillClrLst meth="repeat">
+      <a:schemeClr val="accent1">
+        <a:tint val="60000"/>
+      </a:schemeClr>
+    </dgm:fillClrLst>
+    <dgm:linClrLst meth="repeat">
+      <a:schemeClr val="accent1">
+        <a:tint val="60000"/>
+      </a:schemeClr>
+    </dgm:linClrLst>
+    <dgm:effectClrLst/>
+    <dgm:txLinClrLst/>
+    <dgm:txFillClrLst/>
+    <dgm:txEffectClrLst/>
+  </dgm:styleLbl>
+  <dgm:styleLbl name="bgSibTrans2D1">
+    <dgm:fillClrLst meth="repeat">
+      <a:schemeClr val="accent1">
+        <a:tint val="60000"/>
+      </a:schemeClr>
+    </dgm:fillClrLst>
+    <dgm:linClrLst meth="repeat">
+      <a:schemeClr val="accent1">
+        <a:tint val="60000"/>
+      </a:schemeClr>
+    </dgm:linClrLst>
+    <dgm:effectClrLst/>
+    <dgm:txLinClrLst/>
+    <dgm:txFillClrLst/>
+    <dgm:txEffectClrLst/>
+  </dgm:styleLbl>
+  <dgm:styleLbl name="sibTrans1D1">
+    <dgm:fillClrLst meth="repeat">
+      <a:schemeClr val="accent1"/>
+    </dgm:fillClrLst>
+    <dgm:linClrLst meth="repeat">
+      <a:schemeClr val="accent1"/>
+    </dgm:linClrLst>
+    <dgm:effectClrLst/>
+    <dgm:txLinClrLst/>
+    <dgm:txFillClrLst meth="repeat">
+      <a:schemeClr val="tx1"/>
+    </dgm:txFillClrLst>
+    <dgm:txEffectClrLst/>
+  </dgm:styleLbl>
+  <dgm:styleLbl name="callout">
+    <dgm:fillClrLst meth="repeat">
+      <a:schemeClr val="accent1"/>
+    </dgm:fillClrLst>
+    <dgm:linClrLst meth="repeat">
+      <a:schemeClr val="accent1">
+        <a:tint val="50000"/>
+      </a:schemeClr>
+    </dgm:linClrLst>
+    <dgm:effectClrLst/>
+    <dgm:txLinClrLst/>
+    <dgm:txFillClrLst meth="repeat">
+      <a:schemeClr val="tx1"/>
+    </dgm:txFillClrLst>
+    <dgm:txEffectClrLst/>
+  </dgm:styleLbl>
+  <dgm:styleLbl name="asst0">
+    <dgm:fillClrLst meth="repeat">
+      <a:schemeClr val="accent1"/>
+    </dgm:fillClrLst>
+    <dgm:linClrLst meth="repeat">
+      <a:schemeClr val="lt1"/>
+    </dgm:linClrLst>
+    <dgm:effectClrLst/>
+    <dgm:txLinClrLst/>
+    <dgm:txFillClrLst/>
+    <dgm:txEffectClrLst/>
+  </dgm:styleLbl>
+  <dgm:styleLbl name="asst1">
+    <dgm:fillClrLst meth="repeat">
+      <a:schemeClr val="accent1"/>
+    </dgm:fillClrLst>
+    <dgm:linClrLst meth="repeat">
+      <a:schemeClr val="lt1"/>
+    </dgm:linClrLst>
+    <dgm:effectClrLst/>
+    <dgm:txLinClrLst/>
+    <dgm:txFillClrLst/>
+    <dgm:txEffectClrLst/>
+  </dgm:styleLbl>
+  <dgm:styleLbl name="asst2">
+    <dgm:fillClrLst meth="repeat">
+      <a:schemeClr val="accent1"/>
+    </dgm:fillClrLst>
+    <dgm:linClrLst meth="repeat">
+      <a:schemeClr val="lt1"/>
+    </dgm:linClrLst>
+    <dgm:effectClrLst/>
+    <dgm:txLinClrLst/>
+    <dgm:txFillClrLst/>
+    <dgm:txEffectClrLst/>
+  </dgm:styleLbl>
+  <dgm:styleLbl name="asst3">
+    <dgm:fillClrLst meth="repeat">
+      <a:schemeClr val="accent1"/>
+    </dgm:fillClrLst>
+    <dgm:linClrLst meth="repeat">
+      <a:schemeClr val="lt1"/>
+    </dgm:linClrLst>
+    <dgm:effectClrLst/>
+    <dgm:txLinClrLst/>
+    <dgm:txFillClrLst/>
+    <dgm:txEffectClrLst/>
+  </dgm:styleLbl>
+  <dgm:styleLbl name="asst4">
+    <dgm:fillClrLst meth="repeat">
+      <a:schemeClr val="accent1"/>
+    </dgm:fillClrLst>
+    <dgm:linClrLst meth="repeat">
+      <a:schemeClr val="lt1"/>
+    </dgm:linClrLst>
+    <dgm:effectClrLst/>
+    <dgm:txLinClrLst/>
+    <dgm:txFillClrLst/>
+    <dgm:txEffectClrLst/>
+  </dgm:styleLbl>
+  <dgm:styleLbl name="parChTrans2D1">
+    <dgm:fillClrLst meth="repeat">
+      <a:schemeClr val="accent1">
+        <a:tint val="60000"/>
+      </a:schemeClr>
+    </dgm:fillClrLst>
+    <dgm:linClrLst meth="repeat">
+      <a:schemeClr val="accent1">
+        <a:tint val="60000"/>
+      </a:schemeClr>
+    </dgm:linClrLst>
+    <dgm:effectClrLst/>
+    <dgm:txLinClrLst/>
+    <dgm:txFillClrLst meth="repeat">
+      <a:schemeClr val="lt1"/>
+    </dgm:txFillClrLst>
+    <dgm:txEffectClrLst/>
+  </dgm:styleLbl>
+  <dgm:styleLbl name="parChTrans2D2">
+    <dgm:fillClrLst meth="repeat">
+      <a:schemeClr val="accent1"/>
+    </dgm:fillClrLst>
+    <dgm:linClrLst meth="repeat">
+      <a:schemeClr val="accent1"/>
+    </dgm:linClrLst>
+    <dgm:effectClrLst/>
+    <dgm:txLinClrLst/>
+    <dgm:txFillClrLst meth="repeat">
+      <a:schemeClr val="lt1"/>
+    </dgm:txFillClrLst>
+    <dgm:txEffectClrLst/>
+  </dgm:styleLbl>
+  <dgm:styleLbl name="parChTrans2D3">
+    <dgm:fillClrLst meth="repeat">
+      <a:schemeClr val="accent1"/>
+    </dgm:fillClrLst>
+    <dgm:linClrLst meth="repeat">
+      <a:schemeClr val="accent1"/>
+    </dgm:linClrLst>
+    <dgm:effectClrLst/>
+    <dgm:txLinClrLst/>
+    <dgm:txFillClrLst meth="repeat">
+      <a:schemeClr val="lt1"/>
+    </dgm:txFillClrLst>
+    <dgm:txEffectClrLst/>
+  </dgm:styleLbl>
+  <dgm:styleLbl name="parChTrans2D4">
+    <dgm:fillClrLst meth="repeat">
+      <a:schemeClr val="accent1"/>
+    </dgm:fillClrLst>
+    <dgm:linClrLst meth="repeat">
+      <a:schemeClr val="accent1"/>
+    </dgm:linClrLst>
+    <dgm:effectClrLst/>
+    <dgm:txLinClrLst/>
+    <dgm:txFillClrLst meth="repeat">
+      <a:schemeClr val="lt1"/>
+    </dgm:txFillClrLst>
+    <dgm:txEffectClrLst/>
+  </dgm:styleLbl>
+  <dgm:styleLbl name="parChTrans1D1">
+    <dgm:fillClrLst meth="repeat">
+      <a:schemeClr val="accent1"/>
+    </dgm:fillClrLst>
+    <dgm:linClrLst meth="repeat">
+      <a:schemeClr val="accent1">
+        <a:shade val="60000"/>
+      </a:schemeClr>
+    </dgm:linClrLst>
+    <dgm:effectClrLst/>
+    <dgm:txLinClrLst/>
+    <dgm:txFillClrLst meth="repeat">
+      <a:schemeClr val="tx1"/>
+    </dgm:txFillClrLst>
+    <dgm:txEffectClrLst/>
+  </dgm:styleLbl>
+  <dgm:styleLbl name="parChTrans1D2">
+    <dgm:fillClrLst meth="repeat">
+      <a:schemeClr val="accent1"/>
+    </dgm:fillClrLst>
+    <dgm:linClrLst meth="repeat">
+      <a:schemeClr val="accent1">
+        <a:shade val="60000"/>
+      </a:schemeClr>
+    </dgm:linClrLst>
+    <dgm:effectClrLst/>
+    <dgm:txLinClrLst/>
+    <dgm:txFillClrLst meth="repeat">
+      <a:schemeClr val="tx1"/>
+    </dgm:txFillClrLst>
+    <dgm:txEffectClrLst/>
+  </dgm:styleLbl>
+  <dgm:styleLbl name="parChTrans1D3">
+    <dgm:fillClrLst meth="repeat">
+      <a:schemeClr val="accent1"/>
+    </dgm:fillClrLst>
+    <dgm:linClrLst meth="repeat">
+      <a:schemeClr val="accent1">
+        <a:shade val="80000"/>
+      </a:schemeClr>
+    </dgm:linClrLst>
+    <dgm:effectClrLst/>
+    <dgm:txLinClrLst/>
+    <dgm:txFillClrLst meth="repeat">
+      <a:schemeClr val="tx1"/>
+    </dgm:txFillClrLst>
+    <dgm:txEffectClrLst/>
+  </dgm:styleLbl>
+  <dgm:styleLbl name="parChTrans1D4">
+    <dgm:fillClrLst meth="repeat">
+      <a:schemeClr val="accent1"/>
+    </dgm:fillClrLst>
+    <dgm:linClrLst meth="repeat">
+      <a:schemeClr val="accent1">
+        <a:shade val="80000"/>
+      </a:schemeClr>
+    </dgm:linClrLst>
+    <dgm:effectClrLst/>
+    <dgm:txLinClrLst/>
+    <dgm:txFillClrLst meth="repeat">
+      <a:schemeClr val="tx1"/>
+    </dgm:txFillClrLst>
+    <dgm:txEffectClrLst/>
+  </dgm:styleLbl>
+  <dgm:styleLbl name="fgAcc1">
+    <dgm:fillClrLst meth="repeat">
+      <a:schemeClr val="lt1">
+        <a:alpha val="90000"/>
+      </a:schemeClr>
+    </dgm:fillClrLst>
+    <dgm:linClrLst meth="repeat">
+      <a:schemeClr val="accent1"/>
+    </dgm:linClrLst>
+    <dgm:effectClrLst/>
+    <dgm:txLinClrLst/>
+    <dgm:txFillClrLst meth="repeat">
+      <a:schemeClr val="dk1"/>
+    </dgm:txFillClrLst>
+    <dgm:txEffectClrLst/>
+  </dgm:styleLbl>
+  <dgm:styleLbl name="conFgAcc1">
+    <dgm:fillClrLst meth="repeat">
+      <a:schemeClr val="lt1">
+        <a:alpha val="90000"/>
+      </a:schemeClr>
+    </dgm:fillClrLst>
+    <dgm:linClrLst meth="repeat">
+      <a:schemeClr val="accent1"/>
+    </dgm:linClrLst>
+    <dgm:effectClrLst/>
+    <dgm:txLinClrLst/>
+    <dgm:txFillClrLst meth="repeat">
+      <a:schemeClr val="dk1"/>
+    </dgm:txFillClrLst>
+    <dgm:txEffectClrLst/>
+  </dgm:styleLbl>
+  <dgm:styleLbl name="alignAcc1">
+    <dgm:fillClrLst meth="repeat">
+      <a:schemeClr val="lt1">
+        <a:alpha val="90000"/>
+      </a:schemeClr>
+    </dgm:fillClrLst>
+    <dgm:linClrLst meth="repeat">
+      <a:schemeClr val="accent1"/>
+    </dgm:linClrLst>
+    <dgm:effectClrLst/>
+    <dgm:txLinClrLst/>
+    <dgm:txFillClrLst meth="repeat">
+      <a:schemeClr val="dk1"/>
+    </dgm:txFillClrLst>
+    <dgm:txEffectClrLst/>
+  </dgm:styleLbl>
+  <dgm:styleLbl name="trAlignAcc1">
+    <dgm:fillClrLst meth="repeat">
+      <a:schemeClr val="lt1">
+        <a:alpha val="40000"/>
+      </a:schemeClr>
+    </dgm:fillClrLst>
+    <dgm:linClrLst meth="repeat">
+      <a:schemeClr val="accent1"/>
+    </dgm:linClrLst>
+    <dgm:effectClrLst/>
+    <dgm:txLinClrLst/>
+    <dgm:txFillClrLst meth="repeat">
+      <a:schemeClr val="dk1"/>
+    </dgm:txFillClrLst>
+    <dgm:txEffectClrLst/>
+  </dgm:styleLbl>
+  <dgm:styleLbl name="bgAcc1">
+    <dgm:fillClrLst meth="repeat">
+      <a:schemeClr val="lt1">
+        <a:alpha val="90000"/>
+      </a:schemeClr>
+    </dgm:fillClrLst>
+    <dgm:linClrLst meth="repeat">
+      <a:schemeClr val="accent1"/>
+    </dgm:linClrLst>
+    <dgm:effectClrLst/>
+    <dgm:txLinClrLst/>
+    <dgm:txFillClrLst meth="repeat">
+      <a:schemeClr val="dk1"/>
+    </dgm:txFillClrLst>
+    <dgm:txEffectClrLst/>
+  </dgm:styleLbl>
+  <dgm:styleLbl name="solidFgAcc1">
+    <dgm:fillClrLst meth="repeat">
+      <a:schemeClr val="lt1"/>
+    </dgm:fillClrLst>
+    <dgm:linClrLst meth="repeat">
+      <a:schemeClr val="accent1"/>
+    </dgm:linClrLst>
+    <dgm:effectClrLst/>
+    <dgm:txLinClrLst/>
+    <dgm:txFillClrLst meth="repeat">
+      <a:schemeClr val="dk1"/>
+    </dgm:txFillClrLst>
+    <dgm:txEffectClrLst/>
+  </dgm:styleLbl>
+  <dgm:styleLbl name="solidAlignAcc1">
+    <dgm:fillClrLst meth="repeat">
+      <a:schemeClr val="lt1"/>
+    </dgm:fillClrLst>
+    <dgm:linClrLst meth="repeat">
+      <a:schemeClr val="accent1"/>
+    </dgm:linClrLst>
+    <dgm:effectClrLst/>
+    <dgm:txLinClrLst/>
+    <dgm:txFillClrLst meth="repeat">
+      <a:schemeClr val="dk1"/>
+    </dgm:txFillClrLst>
+    <dgm:txEffectClrLst/>
+  </dgm:styleLbl>
+  <dgm:styleLbl name="solidBgAcc1">
+    <dgm:fillClrLst meth="repeat">
+      <a:schemeClr val="lt1"/>
+    </dgm:fillClrLst>
+    <dgm:linClrLst meth="repeat">
+      <a:schemeClr val="accent1"/>
+    </dgm:linClrLst>
+    <dgm:effectClrLst/>
+    <dgm:txLinClrLst/>
+    <dgm:txFillClrLst meth="repeat">
+      <a:schemeClr val="dk1"/>
+    </dgm:txFillClrLst>
+    <dgm:txEffectClrLst/>
+  </dgm:styleLbl>
+  <dgm:styleLbl name="fgAccFollowNode1">
+    <dgm:fillClrLst meth="repeat">
+      <a:schemeClr val="accent1">
+        <a:alpha val="90000"/>
+        <a:tint val="40000"/>
+      </a:schemeClr>
+    </dgm:fillClrLst>
+    <dgm:linClrLst meth="repeat">
+      <a:schemeClr val="accent1">
+        <a:alpha val="90000"/>
+        <a:tint val="40000"/>
+      </a:schemeClr>
+    </dgm:linClrLst>
+    <dgm:effectClrLst/>
+    <dgm:txLinClrLst/>
+    <dgm:txFillClrLst meth="repeat">
+      <a:schemeClr val="dk1"/>
+    </dgm:txFillClrLst>
+    <dgm:txEffectClrLst/>
+  </dgm:styleLbl>
+  <dgm:styleLbl name="alignAccFollowNode1">
+    <dgm:fillClrLst meth="repeat">
+      <a:schemeClr val="accent1">
+        <a:alpha val="90000"/>
+        <a:tint val="40000"/>
+      </a:schemeClr>
+    </dgm:fillClrLst>
+    <dgm:linClrLst meth="repeat">
+      <a:schemeClr val="accent1">
+        <a:alpha val="90000"/>
+        <a:tint val="40000"/>
+      </a:schemeClr>
+    </dgm:linClrLst>
+    <dgm:effectClrLst/>
+    <dgm:txLinClrLst/>
+    <dgm:txFillClrLst meth="repeat">
+      <a:schemeClr val="dk1"/>
+    </dgm:txFillClrLst>
+    <dgm:txEffectClrLst/>
+  </dgm:styleLbl>
+  <dgm:styleLbl name="bgAccFollowNode1">
+    <dgm:fillClrLst meth="repeat">
+      <a:schemeClr val="accent1">
+        <a:alpha val="90000"/>
+        <a:tint val="40000"/>
+      </a:schemeClr>
+    </dgm:fillClrLst>
+    <dgm:linClrLst meth="repeat">
+      <a:schemeClr val="accent1">
+        <a:alpha val="90000"/>
+        <a:tint val="40000"/>
+      </a:schemeClr>
+    </dgm:linClrLst>
+    <dgm:effectClrLst/>
+    <dgm:txLinClrLst/>
+    <dgm:txFillClrLst meth="repeat">
+      <a:schemeClr val="dk1"/>
+    </dgm:txFillClrLst>
+    <dgm:txEffectClrLst/>
+  </dgm:styleLbl>
+  <dgm:styleLbl name="fgAcc0">
+    <dgm:fillClrLst meth="repeat">
+      <a:schemeClr val="lt1">
+        <a:alpha val="90000"/>
+      </a:schemeClr>
+    </dgm:fillClrLst>
+    <dgm:linClrLst meth="repeat">
+      <a:schemeClr val="accent1"/>
+    </dgm:linClrLst>
+    <dgm:effectClrLst/>
+    <dgm:txLinClrLst/>
+    <dgm:txFillClrLst meth="repeat">
+      <a:schemeClr val="dk1"/>
+    </dgm:txFillClrLst>
+    <dgm:txEffectClrLst/>
+  </dgm:styleLbl>
+  <dgm:styleLbl name="fgAcc2">
+    <dgm:fillClrLst meth="repeat">
+      <a:schemeClr val="lt1">
+        <a:alpha val="90000"/>
+      </a:schemeClr>
+    </dgm:fillClrLst>
+    <dgm:linClrLst meth="repeat">
+      <a:schemeClr val="accent1"/>
+    </dgm:linClrLst>
+    <dgm:effectClrLst/>
+    <dgm:txLinClrLst/>
+    <dgm:txFillClrLst meth="repeat">
+      <a:schemeClr val="dk1"/>
+    </dgm:txFillClrLst>
+    <dgm:txEffectClrLst/>
+  </dgm:styleLbl>
+  <dgm:styleLbl name="fgAcc3">
+    <dgm:fillClrLst meth="repeat">
+      <a:schemeClr val="lt1">
+        <a:alpha val="90000"/>
+      </a:schemeClr>
+    </dgm:fillClrLst>
+    <dgm:linClrLst meth="repeat">
+      <a:schemeClr val="accent1"/>
+    </dgm:linClrLst>
+    <dgm:effectClrLst/>
+    <dgm:txLinClrLst/>
+    <dgm:txFillClrLst meth="repeat">
+      <a:schemeClr val="dk1"/>
+    </dgm:txFillClrLst>
+    <dgm:txEffectClrLst/>
+  </dgm:styleLbl>
+  <dgm:styleLbl name="fgAcc4">
+    <dgm:fillClrLst meth="repeat">
+      <a:schemeClr val="lt1">
+        <a:alpha val="90000"/>
+      </a:schemeClr>
+    </dgm:fillClrLst>
+    <dgm:linClrLst meth="repeat">
+      <a:schemeClr val="accent1"/>
+    </dgm:linClrLst>
+    <dgm:effectClrLst/>
+    <dgm:txLinClrLst/>
+    <dgm:txFillClrLst meth="repeat">
+      <a:schemeClr val="dk1"/>
+    </dgm:txFillClrLst>
+    <dgm:txEffectClrLst/>
+  </dgm:styleLbl>
+  <dgm:styleLbl name="bgShp">
+    <dgm:fillClrLst meth="repeat">
+      <a:schemeClr val="accent1">
+        <a:tint val="40000"/>
+      </a:schemeClr>
+    </dgm:fillClrLst>
+    <dgm:linClrLst meth="repeat">
+      <a:schemeClr val="accent1"/>
+    </dgm:linClrLst>
+    <dgm:effectClrLst/>
+    <dgm:txLinClrLst/>
+    <dgm:txFillClrLst meth="repeat">
+      <a:schemeClr val="dk1"/>
+    </dgm:txFillClrLst>
+    <dgm:txEffectClrLst/>
+  </dgm:styleLbl>
+  <dgm:styleLbl name="dkBgShp">
+    <dgm:fillClrLst meth="repeat">
+      <a:schemeClr val="accent1">
+        <a:shade val="80000"/>
+      </a:schemeClr>
+    </dgm:fillClrLst>
+    <dgm:linClrLst meth="repeat">
+      <a:schemeClr val="accent1"/>
+    </dgm:linClrLst>
+    <dgm:effectClrLst/>
+    <dgm:txLinClrLst/>
+    <dgm:txFillClrLst meth="repeat">
+      <a:schemeClr val="lt1"/>
+    </dgm:txFillClrLst>
+    <dgm:txEffectClrLst/>
+  </dgm:styleLbl>
+  <dgm:styleLbl name="trBgShp">
+    <dgm:fillClrLst meth="repeat">
+      <a:schemeClr val="accent1">
+        <a:tint val="50000"/>
+        <a:alpha val="40000"/>
+      </a:schemeClr>
+    </dgm:fillClrLst>
+    <dgm:linClrLst meth="repeat">
+      <a:schemeClr val="accent1"/>
+    </dgm:linClrLst>
+    <dgm:effectClrLst/>
+    <dgm:txLinClrLst/>
+    <dgm:txFillClrLst meth="repeat">
+      <a:schemeClr val="lt1"/>
+    </dgm:txFillClrLst>
+    <dgm:txEffectClrLst/>
+  </dgm:styleLbl>
+  <dgm:styleLbl name="fgShp">
+    <dgm:fillClrLst meth="repeat">
+      <a:schemeClr val="accent1">
+        <a:tint val="60000"/>
+      </a:schemeClr>
+    </dgm:fillClrLst>
+    <dgm:linClrLst meth="repeat">
+      <a:schemeClr val="lt1"/>
+    </dgm:linClrLst>
+    <dgm:effectClrLst/>
+    <dgm:txLinClrLst/>
+    <dgm:txFillClrLst meth="repeat">
+      <a:schemeClr val="dk1"/>
+    </dgm:txFillClrLst>
+    <dgm:txEffectClrLst/>
+  </dgm:styleLbl>
+  <dgm:styleLbl name="revTx">
+    <dgm:fillClrLst meth="repeat">
+      <a:schemeClr val="lt1">
+        <a:alpha val="0"/>
+      </a:schemeClr>
+    </dgm:fillClrLst>
+    <dgm:linClrLst meth="repeat">
+      <a:schemeClr val="dk1">
+        <a:alpha val="0"/>
+      </a:schemeClr>
+    </dgm:linClrLst>
+    <dgm:effectClrLst/>
+    <dgm:txLinClrLst/>
+    <dgm:txFillClrLst meth="repeat">
+      <a:schemeClr val="tx1"/>
+    </dgm:txFillClrLst>
+    <dgm:txEffectClrLst/>
+  </dgm:styleLbl>
+</dgm:colorsDef>
+</file>
+
+<file path=ppt/diagrams/data1.xml><?xml version="1.0" encoding="utf-8"?>
+<dgm:dataModel xmlns:dgm="http://schemas.openxmlformats.org/drawingml/2006/diagram" xmlns:a="http://schemas.openxmlformats.org/drawingml/2006/main">
+  <dgm:ptLst>
+    <dgm:pt modelId="{E5D8DBD5-62B6-4D34-903B-FFEF3E7F69E3}" type="doc">
+      <dgm:prSet loTypeId="urn:microsoft.com/office/officeart/2008/layout/HalfCircleOrganizationChart" loCatId="hierarchy" qsTypeId="urn:microsoft.com/office/officeart/2005/8/quickstyle/simple1" qsCatId="simple" csTypeId="urn:microsoft.com/office/officeart/2005/8/colors/accent1_2" csCatId="accent1" phldr="1"/>
+      <dgm:spPr/>
+      <dgm:t>
+        <a:bodyPr/>
+        <a:lstStyle/>
+        <a:p>
+          <a:endParaRPr lang="de-CH"/>
+        </a:p>
+      </dgm:t>
+    </dgm:pt>
+    <dgm:pt modelId="{A34327C1-5595-4627-A626-CA8410340F9F}">
+      <dgm:prSet phldrT="[Text]" custT="1"/>
+      <dgm:spPr/>
+      <dgm:t>
+        <a:bodyPr/>
+        <a:lstStyle/>
+        <a:p>
+          <a:r>
+            <a:rPr lang="de-CH" sz="2400" dirty="0"/>
+            <a:t>Classification</a:t>
+          </a:r>
+        </a:p>
+      </dgm:t>
+    </dgm:pt>
+    <dgm:pt modelId="{EBB881E7-A7A2-42A8-A2AF-051CAFEEC92B}" type="parTrans" cxnId="{9AF55C53-9418-44C0-ABC7-13C7A14EE6CD}">
+      <dgm:prSet/>
+      <dgm:spPr/>
+      <dgm:t>
+        <a:bodyPr/>
+        <a:lstStyle/>
+        <a:p>
+          <a:endParaRPr lang="de-CH"/>
+        </a:p>
+      </dgm:t>
+    </dgm:pt>
+    <dgm:pt modelId="{64B93E24-F465-413D-8EED-97BB96CE29EB}" type="sibTrans" cxnId="{9AF55C53-9418-44C0-ABC7-13C7A14EE6CD}">
+      <dgm:prSet/>
+      <dgm:spPr/>
+      <dgm:t>
+        <a:bodyPr/>
+        <a:lstStyle/>
+        <a:p>
+          <a:endParaRPr lang="de-CH"/>
+        </a:p>
+      </dgm:t>
+    </dgm:pt>
+    <dgm:pt modelId="{E03078DF-B71C-4A73-BAFC-82D879FA13E0}">
+      <dgm:prSet phldrT="[Text]" custT="1"/>
+      <dgm:spPr/>
+      <dgm:t>
+        <a:bodyPr/>
+        <a:lstStyle/>
+        <a:p>
+          <a:r>
+            <a:rPr lang="de-CH" sz="2400" dirty="0" err="1"/>
+            <a:t>Logistic</a:t>
+          </a:r>
+          <a:r>
+            <a:rPr lang="de-CH" sz="2400" dirty="0"/>
+            <a:t> Regression</a:t>
+          </a:r>
+        </a:p>
+      </dgm:t>
+    </dgm:pt>
+    <dgm:pt modelId="{40D9C296-8EB6-41EE-BA8B-FEC6226857A7}" type="parTrans" cxnId="{6FDAC8B0-46AC-4E59-8D0A-16CDC15BE6EA}">
+      <dgm:prSet/>
+      <dgm:spPr/>
+      <dgm:t>
+        <a:bodyPr/>
+        <a:lstStyle/>
+        <a:p>
+          <a:endParaRPr lang="de-CH"/>
+        </a:p>
+      </dgm:t>
+    </dgm:pt>
+    <dgm:pt modelId="{EFBC3EAB-DF18-42B9-89D0-8A4AE78AF35F}" type="sibTrans" cxnId="{6FDAC8B0-46AC-4E59-8D0A-16CDC15BE6EA}">
+      <dgm:prSet/>
+      <dgm:spPr/>
+      <dgm:t>
+        <a:bodyPr/>
+        <a:lstStyle/>
+        <a:p>
+          <a:endParaRPr lang="de-CH"/>
+        </a:p>
+      </dgm:t>
+    </dgm:pt>
+    <dgm:pt modelId="{CCE5DF39-4063-43CB-8E2D-2F333B00F099}">
+      <dgm:prSet phldrT="[Text]" custT="1"/>
+      <dgm:spPr/>
+      <dgm:t>
+        <a:bodyPr/>
+        <a:lstStyle/>
+        <a:p>
+          <a:r>
+            <a:rPr lang="de-CH" sz="2400" dirty="0" err="1"/>
+            <a:t>Trees</a:t>
+          </a:r>
+          <a:r>
+            <a:rPr lang="de-CH" sz="2400" dirty="0"/>
+            <a:t> &amp; Random Forest</a:t>
+          </a:r>
+        </a:p>
+      </dgm:t>
+    </dgm:pt>
+    <dgm:pt modelId="{1FED6740-F390-408F-8525-929E795B4CD4}" type="parTrans" cxnId="{8935CAA7-7728-48F8-83C6-807F2DBF3AED}">
+      <dgm:prSet/>
+      <dgm:spPr/>
+      <dgm:t>
+        <a:bodyPr/>
+        <a:lstStyle/>
+        <a:p>
+          <a:endParaRPr lang="de-CH"/>
+        </a:p>
+      </dgm:t>
+    </dgm:pt>
+    <dgm:pt modelId="{3ECBAEA7-B237-41F5-83B6-FA8FC33F73BA}" type="sibTrans" cxnId="{8935CAA7-7728-48F8-83C6-807F2DBF3AED}">
+      <dgm:prSet/>
+      <dgm:spPr/>
+      <dgm:t>
+        <a:bodyPr/>
+        <a:lstStyle/>
+        <a:p>
+          <a:endParaRPr lang="de-CH"/>
+        </a:p>
+      </dgm:t>
+    </dgm:pt>
+    <dgm:pt modelId="{2058616E-6A17-4B56-B540-151CDFA3A409}" type="pres">
+      <dgm:prSet presAssocID="{E5D8DBD5-62B6-4D34-903B-FFEF3E7F69E3}" presName="Name0" presStyleCnt="0">
+        <dgm:presLayoutVars>
+          <dgm:orgChart val="1"/>
+          <dgm:chPref val="1"/>
+          <dgm:dir/>
+          <dgm:animOne val="branch"/>
+          <dgm:animLvl val="lvl"/>
+          <dgm:resizeHandles/>
+        </dgm:presLayoutVars>
+      </dgm:prSet>
+      <dgm:spPr/>
+    </dgm:pt>
+    <dgm:pt modelId="{3A3B99FC-924B-4970-8835-03EE4EC38344}" type="pres">
+      <dgm:prSet presAssocID="{A34327C1-5595-4627-A626-CA8410340F9F}" presName="hierRoot1" presStyleCnt="0">
+        <dgm:presLayoutVars>
+          <dgm:hierBranch val="init"/>
+        </dgm:presLayoutVars>
+      </dgm:prSet>
+      <dgm:spPr/>
+    </dgm:pt>
+    <dgm:pt modelId="{E12A96A4-75E9-4265-81F6-876D48A762C7}" type="pres">
+      <dgm:prSet presAssocID="{A34327C1-5595-4627-A626-CA8410340F9F}" presName="rootComposite1" presStyleCnt="0"/>
+      <dgm:spPr/>
+    </dgm:pt>
+    <dgm:pt modelId="{E1657849-07A5-4DD7-AE47-2B554042E2C4}" type="pres">
+      <dgm:prSet presAssocID="{A34327C1-5595-4627-A626-CA8410340F9F}" presName="rootText1" presStyleLbl="alignAcc1" presStyleIdx="0" presStyleCnt="0">
+        <dgm:presLayoutVars>
+          <dgm:chPref val="3"/>
+        </dgm:presLayoutVars>
+      </dgm:prSet>
+      <dgm:spPr/>
+    </dgm:pt>
+    <dgm:pt modelId="{B4590F5F-AEAF-4241-8AA5-EEA5B454F1EA}" type="pres">
+      <dgm:prSet presAssocID="{A34327C1-5595-4627-A626-CA8410340F9F}" presName="topArc1" presStyleLbl="parChTrans1D1" presStyleIdx="0" presStyleCnt="6"/>
+      <dgm:spPr/>
+    </dgm:pt>
+    <dgm:pt modelId="{21EEBFFD-9DC1-4A77-BE91-0EB28F4558A8}" type="pres">
+      <dgm:prSet presAssocID="{A34327C1-5595-4627-A626-CA8410340F9F}" presName="bottomArc1" presStyleLbl="parChTrans1D1" presStyleIdx="1" presStyleCnt="6"/>
+      <dgm:spPr/>
+    </dgm:pt>
+    <dgm:pt modelId="{14CE5719-4A50-49C4-825D-2045FCE6E8AA}" type="pres">
+      <dgm:prSet presAssocID="{A34327C1-5595-4627-A626-CA8410340F9F}" presName="topConnNode1" presStyleLbl="node1" presStyleIdx="0" presStyleCnt="0"/>
+      <dgm:spPr/>
+    </dgm:pt>
+    <dgm:pt modelId="{B601257B-95F3-4217-8EE9-097FEA196691}" type="pres">
+      <dgm:prSet presAssocID="{A34327C1-5595-4627-A626-CA8410340F9F}" presName="hierChild2" presStyleCnt="0"/>
+      <dgm:spPr/>
+    </dgm:pt>
+    <dgm:pt modelId="{15D7F585-2F4E-4FE0-A390-A8E87AAE6329}" type="pres">
+      <dgm:prSet presAssocID="{40D9C296-8EB6-41EE-BA8B-FEC6226857A7}" presName="Name28" presStyleLbl="parChTrans1D2" presStyleIdx="0" presStyleCnt="2"/>
+      <dgm:spPr/>
+    </dgm:pt>
+    <dgm:pt modelId="{074692A4-B869-4A0E-B1A7-043DD8699F46}" type="pres">
+      <dgm:prSet presAssocID="{E03078DF-B71C-4A73-BAFC-82D879FA13E0}" presName="hierRoot2" presStyleCnt="0">
+        <dgm:presLayoutVars>
+          <dgm:hierBranch val="init"/>
+        </dgm:presLayoutVars>
+      </dgm:prSet>
+      <dgm:spPr/>
+    </dgm:pt>
+    <dgm:pt modelId="{CF4DD7C4-E3F4-4111-BE90-AAF636152DA4}" type="pres">
+      <dgm:prSet presAssocID="{E03078DF-B71C-4A73-BAFC-82D879FA13E0}" presName="rootComposite2" presStyleCnt="0"/>
+      <dgm:spPr/>
+    </dgm:pt>
+    <dgm:pt modelId="{58EB169A-8AC7-4C8F-B7F9-8A1781E6F427}" type="pres">
+      <dgm:prSet presAssocID="{E03078DF-B71C-4A73-BAFC-82D879FA13E0}" presName="rootText2" presStyleLbl="alignAcc1" presStyleIdx="0" presStyleCnt="0">
+        <dgm:presLayoutVars>
+          <dgm:chPref val="3"/>
+        </dgm:presLayoutVars>
+      </dgm:prSet>
+      <dgm:spPr/>
+    </dgm:pt>
+    <dgm:pt modelId="{AD689C84-6C79-4D26-83F4-D715E085466C}" type="pres">
+      <dgm:prSet presAssocID="{E03078DF-B71C-4A73-BAFC-82D879FA13E0}" presName="topArc2" presStyleLbl="parChTrans1D1" presStyleIdx="2" presStyleCnt="6"/>
+      <dgm:spPr/>
+    </dgm:pt>
+    <dgm:pt modelId="{3C8B4EF1-4B5F-4C98-9625-B786E15AC930}" type="pres">
+      <dgm:prSet presAssocID="{E03078DF-B71C-4A73-BAFC-82D879FA13E0}" presName="bottomArc2" presStyleLbl="parChTrans1D1" presStyleIdx="3" presStyleCnt="6"/>
+      <dgm:spPr/>
+    </dgm:pt>
+    <dgm:pt modelId="{7C7C0320-B768-45B0-9BCD-9F9B7C4A8FEE}" type="pres">
+      <dgm:prSet presAssocID="{E03078DF-B71C-4A73-BAFC-82D879FA13E0}" presName="topConnNode2" presStyleLbl="node2" presStyleIdx="0" presStyleCnt="0"/>
+      <dgm:spPr/>
+    </dgm:pt>
+    <dgm:pt modelId="{00B8CB78-CAA6-499C-ACDA-179ED67FAF85}" type="pres">
+      <dgm:prSet presAssocID="{E03078DF-B71C-4A73-BAFC-82D879FA13E0}" presName="hierChild4" presStyleCnt="0"/>
+      <dgm:spPr/>
+    </dgm:pt>
+    <dgm:pt modelId="{D48685BB-C2A5-4BA9-819B-6E3B8C778ED6}" type="pres">
+      <dgm:prSet presAssocID="{E03078DF-B71C-4A73-BAFC-82D879FA13E0}" presName="hierChild5" presStyleCnt="0"/>
+      <dgm:spPr/>
+    </dgm:pt>
+    <dgm:pt modelId="{AF12C4EA-B71F-4D95-A24A-B4357028C4F8}" type="pres">
+      <dgm:prSet presAssocID="{1FED6740-F390-408F-8525-929E795B4CD4}" presName="Name28" presStyleLbl="parChTrans1D2" presStyleIdx="1" presStyleCnt="2"/>
+      <dgm:spPr/>
+    </dgm:pt>
+    <dgm:pt modelId="{DABCCF3A-1E5A-4FAF-89AC-80F3D611A2E0}" type="pres">
+      <dgm:prSet presAssocID="{CCE5DF39-4063-43CB-8E2D-2F333B00F099}" presName="hierRoot2" presStyleCnt="0">
+        <dgm:presLayoutVars>
+          <dgm:hierBranch val="init"/>
+        </dgm:presLayoutVars>
+      </dgm:prSet>
+      <dgm:spPr/>
+    </dgm:pt>
+    <dgm:pt modelId="{C026D9D7-067A-4338-B99F-39AC1E942B41}" type="pres">
+      <dgm:prSet presAssocID="{CCE5DF39-4063-43CB-8E2D-2F333B00F099}" presName="rootComposite2" presStyleCnt="0"/>
+      <dgm:spPr/>
+    </dgm:pt>
+    <dgm:pt modelId="{D3625FBB-95B3-487E-9A1E-BE68D5990220}" type="pres">
+      <dgm:prSet presAssocID="{CCE5DF39-4063-43CB-8E2D-2F333B00F099}" presName="rootText2" presStyleLbl="alignAcc1" presStyleIdx="0" presStyleCnt="0">
+        <dgm:presLayoutVars>
+          <dgm:chPref val="3"/>
+        </dgm:presLayoutVars>
+      </dgm:prSet>
+      <dgm:spPr/>
+    </dgm:pt>
+    <dgm:pt modelId="{D77B7E4B-6C7C-4E40-8256-9A4C5AFB489E}" type="pres">
+      <dgm:prSet presAssocID="{CCE5DF39-4063-43CB-8E2D-2F333B00F099}" presName="topArc2" presStyleLbl="parChTrans1D1" presStyleIdx="4" presStyleCnt="6"/>
+      <dgm:spPr/>
+    </dgm:pt>
+    <dgm:pt modelId="{F6AC0818-E7D4-4078-8D26-70DD4DC01274}" type="pres">
+      <dgm:prSet presAssocID="{CCE5DF39-4063-43CB-8E2D-2F333B00F099}" presName="bottomArc2" presStyleLbl="parChTrans1D1" presStyleIdx="5" presStyleCnt="6"/>
+      <dgm:spPr/>
+    </dgm:pt>
+    <dgm:pt modelId="{1AB1BC78-5C2F-422C-BE43-440FE7B5E469}" type="pres">
+      <dgm:prSet presAssocID="{CCE5DF39-4063-43CB-8E2D-2F333B00F099}" presName="topConnNode2" presStyleLbl="node2" presStyleIdx="0" presStyleCnt="0"/>
+      <dgm:spPr/>
+    </dgm:pt>
+    <dgm:pt modelId="{599765DA-F7A4-46D1-82B0-F590F68359E8}" type="pres">
+      <dgm:prSet presAssocID="{CCE5DF39-4063-43CB-8E2D-2F333B00F099}" presName="hierChild4" presStyleCnt="0"/>
+      <dgm:spPr/>
+    </dgm:pt>
+    <dgm:pt modelId="{65EB0DE1-CD9B-482D-8D4C-05B8E325E2CC}" type="pres">
+      <dgm:prSet presAssocID="{CCE5DF39-4063-43CB-8E2D-2F333B00F099}" presName="hierChild5" presStyleCnt="0"/>
+      <dgm:spPr/>
+    </dgm:pt>
+    <dgm:pt modelId="{6181765A-7813-428D-B85B-091D1BE985D7}" type="pres">
+      <dgm:prSet presAssocID="{A34327C1-5595-4627-A626-CA8410340F9F}" presName="hierChild3" presStyleCnt="0"/>
+      <dgm:spPr/>
+    </dgm:pt>
+  </dgm:ptLst>
+  <dgm:cxnLst>
+    <dgm:cxn modelId="{4D461D0F-352A-4D7F-A56B-DE1177055427}" type="presOf" srcId="{A34327C1-5595-4627-A626-CA8410340F9F}" destId="{14CE5719-4A50-49C4-825D-2045FCE6E8AA}" srcOrd="1" destOrd="0" presId="urn:microsoft.com/office/officeart/2008/layout/HalfCircleOrganizationChart"/>
+    <dgm:cxn modelId="{262FA067-77EA-4D9C-A4CD-D6051B5C8EFA}" type="presOf" srcId="{CCE5DF39-4063-43CB-8E2D-2F333B00F099}" destId="{D3625FBB-95B3-487E-9A1E-BE68D5990220}" srcOrd="0" destOrd="0" presId="urn:microsoft.com/office/officeart/2008/layout/HalfCircleOrganizationChart"/>
+    <dgm:cxn modelId="{9AF55C53-9418-44C0-ABC7-13C7A14EE6CD}" srcId="{E5D8DBD5-62B6-4D34-903B-FFEF3E7F69E3}" destId="{A34327C1-5595-4627-A626-CA8410340F9F}" srcOrd="0" destOrd="0" parTransId="{EBB881E7-A7A2-42A8-A2AF-051CAFEEC92B}" sibTransId="{64B93E24-F465-413D-8EED-97BB96CE29EB}"/>
+    <dgm:cxn modelId="{41C76C76-E14C-4898-A945-5CEEE4092D5C}" type="presOf" srcId="{CCE5DF39-4063-43CB-8E2D-2F333B00F099}" destId="{1AB1BC78-5C2F-422C-BE43-440FE7B5E469}" srcOrd="1" destOrd="0" presId="urn:microsoft.com/office/officeart/2008/layout/HalfCircleOrganizationChart"/>
+    <dgm:cxn modelId="{4C424B8C-23C9-420D-939C-86ADA682D785}" type="presOf" srcId="{E5D8DBD5-62B6-4D34-903B-FFEF3E7F69E3}" destId="{2058616E-6A17-4B56-B540-151CDFA3A409}" srcOrd="0" destOrd="0" presId="urn:microsoft.com/office/officeart/2008/layout/HalfCircleOrganizationChart"/>
+    <dgm:cxn modelId="{8935CAA7-7728-48F8-83C6-807F2DBF3AED}" srcId="{A34327C1-5595-4627-A626-CA8410340F9F}" destId="{CCE5DF39-4063-43CB-8E2D-2F333B00F099}" srcOrd="1" destOrd="0" parTransId="{1FED6740-F390-408F-8525-929E795B4CD4}" sibTransId="{3ECBAEA7-B237-41F5-83B6-FA8FC33F73BA}"/>
+    <dgm:cxn modelId="{6FDAC8B0-46AC-4E59-8D0A-16CDC15BE6EA}" srcId="{A34327C1-5595-4627-A626-CA8410340F9F}" destId="{E03078DF-B71C-4A73-BAFC-82D879FA13E0}" srcOrd="0" destOrd="0" parTransId="{40D9C296-8EB6-41EE-BA8B-FEC6226857A7}" sibTransId="{EFBC3EAB-DF18-42B9-89D0-8A4AE78AF35F}"/>
+    <dgm:cxn modelId="{2FD63FDF-36AA-4BF2-B976-F1CCA2A636F3}" type="presOf" srcId="{E03078DF-B71C-4A73-BAFC-82D879FA13E0}" destId="{58EB169A-8AC7-4C8F-B7F9-8A1781E6F427}" srcOrd="0" destOrd="0" presId="urn:microsoft.com/office/officeart/2008/layout/HalfCircleOrganizationChart"/>
+    <dgm:cxn modelId="{D78E70E5-D4B5-456B-935F-B7DFD8053423}" type="presOf" srcId="{E03078DF-B71C-4A73-BAFC-82D879FA13E0}" destId="{7C7C0320-B768-45B0-9BCD-9F9B7C4A8FEE}" srcOrd="1" destOrd="0" presId="urn:microsoft.com/office/officeart/2008/layout/HalfCircleOrganizationChart"/>
+    <dgm:cxn modelId="{94AB6AED-2986-48C2-B8B8-2A16EE09A2D7}" type="presOf" srcId="{1FED6740-F390-408F-8525-929E795B4CD4}" destId="{AF12C4EA-B71F-4D95-A24A-B4357028C4F8}" srcOrd="0" destOrd="0" presId="urn:microsoft.com/office/officeart/2008/layout/HalfCircleOrganizationChart"/>
+    <dgm:cxn modelId="{1EE6AFF1-5F87-4652-B0D4-5AE6B05D4B6F}" type="presOf" srcId="{40D9C296-8EB6-41EE-BA8B-FEC6226857A7}" destId="{15D7F585-2F4E-4FE0-A390-A8E87AAE6329}" srcOrd="0" destOrd="0" presId="urn:microsoft.com/office/officeart/2008/layout/HalfCircleOrganizationChart"/>
+    <dgm:cxn modelId="{63A8EBF8-A87F-4636-AB03-529969BDA9EA}" type="presOf" srcId="{A34327C1-5595-4627-A626-CA8410340F9F}" destId="{E1657849-07A5-4DD7-AE47-2B554042E2C4}" srcOrd="0" destOrd="0" presId="urn:microsoft.com/office/officeart/2008/layout/HalfCircleOrganizationChart"/>
+    <dgm:cxn modelId="{6FE344E4-3104-49B2-8C5C-3FECE9141592}" type="presParOf" srcId="{2058616E-6A17-4B56-B540-151CDFA3A409}" destId="{3A3B99FC-924B-4970-8835-03EE4EC38344}" srcOrd="0" destOrd="0" presId="urn:microsoft.com/office/officeart/2008/layout/HalfCircleOrganizationChart"/>
+    <dgm:cxn modelId="{3C490AEC-7AD4-4F42-972D-1B6338C10DD6}" type="presParOf" srcId="{3A3B99FC-924B-4970-8835-03EE4EC38344}" destId="{E12A96A4-75E9-4265-81F6-876D48A762C7}" srcOrd="0" destOrd="0" presId="urn:microsoft.com/office/officeart/2008/layout/HalfCircleOrganizationChart"/>
+    <dgm:cxn modelId="{F76B4D9F-88EF-452E-BADC-BD9A4F305FAF}" type="presParOf" srcId="{E12A96A4-75E9-4265-81F6-876D48A762C7}" destId="{E1657849-07A5-4DD7-AE47-2B554042E2C4}" srcOrd="0" destOrd="0" presId="urn:microsoft.com/office/officeart/2008/layout/HalfCircleOrganizationChart"/>
+    <dgm:cxn modelId="{ABEFFF39-9A9F-4A55-A0C4-F5036B677D88}" type="presParOf" srcId="{E12A96A4-75E9-4265-81F6-876D48A762C7}" destId="{B4590F5F-AEAF-4241-8AA5-EEA5B454F1EA}" srcOrd="1" destOrd="0" presId="urn:microsoft.com/office/officeart/2008/layout/HalfCircleOrganizationChart"/>
+    <dgm:cxn modelId="{D1AAF709-0554-4CAA-9A7E-99DA4EB58559}" type="presParOf" srcId="{E12A96A4-75E9-4265-81F6-876D48A762C7}" destId="{21EEBFFD-9DC1-4A77-BE91-0EB28F4558A8}" srcOrd="2" destOrd="0" presId="urn:microsoft.com/office/officeart/2008/layout/HalfCircleOrganizationChart"/>
+    <dgm:cxn modelId="{5EDFA367-97D5-4EAD-BCF2-DC786AFBCAF3}" type="presParOf" srcId="{E12A96A4-75E9-4265-81F6-876D48A762C7}" destId="{14CE5719-4A50-49C4-825D-2045FCE6E8AA}" srcOrd="3" destOrd="0" presId="urn:microsoft.com/office/officeart/2008/layout/HalfCircleOrganizationChart"/>
+    <dgm:cxn modelId="{88CD42FB-487F-4A00-A662-EB6A007D8EF9}" type="presParOf" srcId="{3A3B99FC-924B-4970-8835-03EE4EC38344}" destId="{B601257B-95F3-4217-8EE9-097FEA196691}" srcOrd="1" destOrd="0" presId="urn:microsoft.com/office/officeart/2008/layout/HalfCircleOrganizationChart"/>
+    <dgm:cxn modelId="{6FE7E645-A23F-44F0-B309-4AD6E70E80E3}" type="presParOf" srcId="{B601257B-95F3-4217-8EE9-097FEA196691}" destId="{15D7F585-2F4E-4FE0-A390-A8E87AAE6329}" srcOrd="0" destOrd="0" presId="urn:microsoft.com/office/officeart/2008/layout/HalfCircleOrganizationChart"/>
+    <dgm:cxn modelId="{BD0E7A40-4CE9-4B25-953E-DE2AFF4C1659}" type="presParOf" srcId="{B601257B-95F3-4217-8EE9-097FEA196691}" destId="{074692A4-B869-4A0E-B1A7-043DD8699F46}" srcOrd="1" destOrd="0" presId="urn:microsoft.com/office/officeart/2008/layout/HalfCircleOrganizationChart"/>
+    <dgm:cxn modelId="{51D9424C-A06A-40A2-A1C2-4F5C0F06372D}" type="presParOf" srcId="{074692A4-B869-4A0E-B1A7-043DD8699F46}" destId="{CF4DD7C4-E3F4-4111-BE90-AAF636152DA4}" srcOrd="0" destOrd="0" presId="urn:microsoft.com/office/officeart/2008/layout/HalfCircleOrganizationChart"/>
+    <dgm:cxn modelId="{05D61069-46CB-4C51-B950-3E124D2DEE73}" type="presParOf" srcId="{CF4DD7C4-E3F4-4111-BE90-AAF636152DA4}" destId="{58EB169A-8AC7-4C8F-B7F9-8A1781E6F427}" srcOrd="0" destOrd="0" presId="urn:microsoft.com/office/officeart/2008/layout/HalfCircleOrganizationChart"/>
+    <dgm:cxn modelId="{2F7FF886-A384-482D-BF85-377B45D77C61}" type="presParOf" srcId="{CF4DD7C4-E3F4-4111-BE90-AAF636152DA4}" destId="{AD689C84-6C79-4D26-83F4-D715E085466C}" srcOrd="1" destOrd="0" presId="urn:microsoft.com/office/officeart/2008/layout/HalfCircleOrganizationChart"/>
+    <dgm:cxn modelId="{19C64D77-F0AE-4F51-9D16-309CBA5B33BE}" type="presParOf" srcId="{CF4DD7C4-E3F4-4111-BE90-AAF636152DA4}" destId="{3C8B4EF1-4B5F-4C98-9625-B786E15AC930}" srcOrd="2" destOrd="0" presId="urn:microsoft.com/office/officeart/2008/layout/HalfCircleOrganizationChart"/>
+    <dgm:cxn modelId="{5D07969F-D348-4CA6-B29F-8392E2CA8DAB}" type="presParOf" srcId="{CF4DD7C4-E3F4-4111-BE90-AAF636152DA4}" destId="{7C7C0320-B768-45B0-9BCD-9F9B7C4A8FEE}" srcOrd="3" destOrd="0" presId="urn:microsoft.com/office/officeart/2008/layout/HalfCircleOrganizationChart"/>
+    <dgm:cxn modelId="{20472F06-F570-44E0-BF00-6BA652637AC5}" type="presParOf" srcId="{074692A4-B869-4A0E-B1A7-043DD8699F46}" destId="{00B8CB78-CAA6-499C-ACDA-179ED67FAF85}" srcOrd="1" destOrd="0" presId="urn:microsoft.com/office/officeart/2008/layout/HalfCircleOrganizationChart"/>
+    <dgm:cxn modelId="{6CC9F4FD-6640-4261-B8C3-FD9A0F8F3392}" type="presParOf" srcId="{074692A4-B869-4A0E-B1A7-043DD8699F46}" destId="{D48685BB-C2A5-4BA9-819B-6E3B8C778ED6}" srcOrd="2" destOrd="0" presId="urn:microsoft.com/office/officeart/2008/layout/HalfCircleOrganizationChart"/>
+    <dgm:cxn modelId="{9E7875DB-B3DF-4DA0-B5C8-2A628AC89C9D}" type="presParOf" srcId="{B601257B-95F3-4217-8EE9-097FEA196691}" destId="{AF12C4EA-B71F-4D95-A24A-B4357028C4F8}" srcOrd="2" destOrd="0" presId="urn:microsoft.com/office/officeart/2008/layout/HalfCircleOrganizationChart"/>
+    <dgm:cxn modelId="{7E9A4B94-F6B3-458B-8CD2-641B970F08D4}" type="presParOf" srcId="{B601257B-95F3-4217-8EE9-097FEA196691}" destId="{DABCCF3A-1E5A-4FAF-89AC-80F3D611A2E0}" srcOrd="3" destOrd="0" presId="urn:microsoft.com/office/officeart/2008/layout/HalfCircleOrganizationChart"/>
+    <dgm:cxn modelId="{2FD4F7E9-827A-4092-B5DB-976F30981922}" type="presParOf" srcId="{DABCCF3A-1E5A-4FAF-89AC-80F3D611A2E0}" destId="{C026D9D7-067A-4338-B99F-39AC1E942B41}" srcOrd="0" destOrd="0" presId="urn:microsoft.com/office/officeart/2008/layout/HalfCircleOrganizationChart"/>
+    <dgm:cxn modelId="{7DB563E7-AA64-4715-93EF-B0764ACEB47C}" type="presParOf" srcId="{C026D9D7-067A-4338-B99F-39AC1E942B41}" destId="{D3625FBB-95B3-487E-9A1E-BE68D5990220}" srcOrd="0" destOrd="0" presId="urn:microsoft.com/office/officeart/2008/layout/HalfCircleOrganizationChart"/>
+    <dgm:cxn modelId="{0B1865C7-6CB2-481B-A146-1D521BF64B16}" type="presParOf" srcId="{C026D9D7-067A-4338-B99F-39AC1E942B41}" destId="{D77B7E4B-6C7C-4E40-8256-9A4C5AFB489E}" srcOrd="1" destOrd="0" presId="urn:microsoft.com/office/officeart/2008/layout/HalfCircleOrganizationChart"/>
+    <dgm:cxn modelId="{0B8746D1-D646-4AE2-9B24-FE23139303A1}" type="presParOf" srcId="{C026D9D7-067A-4338-B99F-39AC1E942B41}" destId="{F6AC0818-E7D4-4078-8D26-70DD4DC01274}" srcOrd="2" destOrd="0" presId="urn:microsoft.com/office/officeart/2008/layout/HalfCircleOrganizationChart"/>
+    <dgm:cxn modelId="{60F11BB5-E912-434A-A7A3-3B5A980ED94C}" type="presParOf" srcId="{C026D9D7-067A-4338-B99F-39AC1E942B41}" destId="{1AB1BC78-5C2F-422C-BE43-440FE7B5E469}" srcOrd="3" destOrd="0" presId="urn:microsoft.com/office/officeart/2008/layout/HalfCircleOrganizationChart"/>
+    <dgm:cxn modelId="{372C1587-C3BA-4B8E-94B7-9AA7555671FB}" type="presParOf" srcId="{DABCCF3A-1E5A-4FAF-89AC-80F3D611A2E0}" destId="{599765DA-F7A4-46D1-82B0-F590F68359E8}" srcOrd="1" destOrd="0" presId="urn:microsoft.com/office/officeart/2008/layout/HalfCircleOrganizationChart"/>
+    <dgm:cxn modelId="{3E45FBB3-19B1-4F9E-AB6D-523753BF4225}" type="presParOf" srcId="{DABCCF3A-1E5A-4FAF-89AC-80F3D611A2E0}" destId="{65EB0DE1-CD9B-482D-8D4C-05B8E325E2CC}" srcOrd="2" destOrd="0" presId="urn:microsoft.com/office/officeart/2008/layout/HalfCircleOrganizationChart"/>
+    <dgm:cxn modelId="{82A7C39A-21B7-45BA-8C89-A0A296478112}" type="presParOf" srcId="{3A3B99FC-924B-4970-8835-03EE4EC38344}" destId="{6181765A-7813-428D-B85B-091D1BE985D7}" srcOrd="2" destOrd="0" presId="urn:microsoft.com/office/officeart/2008/layout/HalfCircleOrganizationChart"/>
+  </dgm:cxnLst>
+  <dgm:bg/>
+  <dgm:whole/>
+  <dgm:extLst>
+    <a:ext uri="http://schemas.microsoft.com/office/drawing/2008/diagram">
+      <dsp:dataModelExt xmlns:dsp="http://schemas.microsoft.com/office/drawing/2008/diagram" relId="rId6" minVer="http://schemas.openxmlformats.org/drawingml/2006/diagram"/>
+    </a:ext>
+  </dgm:extLst>
+</dgm:dataModel>
+</file>
+
+<file path=ppt/diagrams/drawing1.xml><?xml version="1.0" encoding="utf-8"?>
+<dsp:drawing xmlns:dgm="http://schemas.openxmlformats.org/drawingml/2006/diagram" xmlns:dsp="http://schemas.microsoft.com/office/drawing/2008/diagram" xmlns:a="http://schemas.openxmlformats.org/drawingml/2006/main">
+  <dsp:spTree>
+    <dsp:nvGrpSpPr>
+      <dsp:cNvPr id="0" name=""/>
+      <dsp:cNvGrpSpPr/>
+    </dsp:nvGrpSpPr>
+    <dsp:grpSpPr/>
+    <dsp:sp modelId="{AF12C4EA-B71F-4D95-A24A-B4357028C4F8}">
+      <dsp:nvSpPr>
+        <dsp:cNvPr id="0" name=""/>
+        <dsp:cNvSpPr/>
+      </dsp:nvSpPr>
+      <dsp:spPr>
+        <a:xfrm>
+          <a:off x="2503995" y="1126506"/>
+          <a:ext cx="1361058" cy="472433"/>
+        </a:xfrm>
+        <a:custGeom>
+          <a:avLst/>
+          <a:gdLst/>
+          <a:ahLst/>
+          <a:cxnLst/>
+          <a:rect l="0" t="0" r="0" b="0"/>
+          <a:pathLst>
+            <a:path>
+              <a:moveTo>
+                <a:pt x="0" y="0"/>
+              </a:moveTo>
+              <a:lnTo>
+                <a:pt x="0" y="236216"/>
+              </a:lnTo>
+              <a:lnTo>
+                <a:pt x="1361058" y="236216"/>
+              </a:lnTo>
+              <a:lnTo>
+                <a:pt x="1361058" y="472433"/>
+              </a:lnTo>
+            </a:path>
+          </a:pathLst>
+        </a:custGeom>
+        <a:noFill/>
+        <a:ln w="12700" cap="flat" cmpd="sng" algn="ctr">
+          <a:solidFill>
+            <a:schemeClr val="accent1">
+              <a:shade val="60000"/>
+              <a:hueOff val="0"/>
+              <a:satOff val="0"/>
+              <a:lumOff val="0"/>
+              <a:alphaOff val="0"/>
+            </a:schemeClr>
+          </a:solidFill>
+          <a:prstDash val="solid"/>
+          <a:miter lim="800000"/>
+        </a:ln>
+        <a:effectLst/>
+      </dsp:spPr>
+      <dsp:style>
+        <a:lnRef idx="2">
+          <a:scrgbClr r="0" g="0" b="0"/>
+        </a:lnRef>
+        <a:fillRef idx="0">
+          <a:scrgbClr r="0" g="0" b="0"/>
+        </a:fillRef>
+        <a:effectRef idx="0">
+          <a:scrgbClr r="0" g="0" b="0"/>
+        </a:effectRef>
+        <a:fontRef idx="minor"/>
+      </dsp:style>
+    </dsp:sp>
+    <dsp:sp modelId="{15D7F585-2F4E-4FE0-A390-A8E87AAE6329}">
+      <dsp:nvSpPr>
+        <dsp:cNvPr id="0" name=""/>
+        <dsp:cNvSpPr/>
+      </dsp:nvSpPr>
+      <dsp:spPr>
+        <a:xfrm>
+          <a:off x="1142936" y="1126506"/>
+          <a:ext cx="1361058" cy="472433"/>
+        </a:xfrm>
+        <a:custGeom>
+          <a:avLst/>
+          <a:gdLst/>
+          <a:ahLst/>
+          <a:cxnLst/>
+          <a:rect l="0" t="0" r="0" b="0"/>
+          <a:pathLst>
+            <a:path>
+              <a:moveTo>
+                <a:pt x="1361058" y="0"/>
+              </a:moveTo>
+              <a:lnTo>
+                <a:pt x="1361058" y="236216"/>
+              </a:lnTo>
+              <a:lnTo>
+                <a:pt x="0" y="236216"/>
+              </a:lnTo>
+              <a:lnTo>
+                <a:pt x="0" y="472433"/>
+              </a:lnTo>
+            </a:path>
+          </a:pathLst>
+        </a:custGeom>
+        <a:noFill/>
+        <a:ln w="12700" cap="flat" cmpd="sng" algn="ctr">
+          <a:solidFill>
+            <a:schemeClr val="accent1">
+              <a:shade val="60000"/>
+              <a:hueOff val="0"/>
+              <a:satOff val="0"/>
+              <a:lumOff val="0"/>
+              <a:alphaOff val="0"/>
+            </a:schemeClr>
+          </a:solidFill>
+          <a:prstDash val="solid"/>
+          <a:miter lim="800000"/>
+        </a:ln>
+        <a:effectLst/>
+      </dsp:spPr>
+      <dsp:style>
+        <a:lnRef idx="2">
+          <a:scrgbClr r="0" g="0" b="0"/>
+        </a:lnRef>
+        <a:fillRef idx="0">
+          <a:scrgbClr r="0" g="0" b="0"/>
+        </a:fillRef>
+        <a:effectRef idx="0">
+          <a:scrgbClr r="0" g="0" b="0"/>
+        </a:effectRef>
+        <a:fontRef idx="minor"/>
+      </dsp:style>
+    </dsp:sp>
+    <dsp:sp modelId="{B4590F5F-AEAF-4241-8AA5-EEA5B454F1EA}">
+      <dsp:nvSpPr>
+        <dsp:cNvPr id="0" name=""/>
+        <dsp:cNvSpPr/>
+      </dsp:nvSpPr>
+      <dsp:spPr>
+        <a:xfrm>
+          <a:off x="1941574" y="1664"/>
+          <a:ext cx="1124841" cy="1124841"/>
+        </a:xfrm>
+        <a:prstGeom prst="arc">
+          <a:avLst>
+            <a:gd name="adj1" fmla="val 13200000"/>
+            <a:gd name="adj2" fmla="val 19200000"/>
+          </a:avLst>
+        </a:prstGeom>
+        <a:noFill/>
+        <a:ln w="12700" cap="flat" cmpd="sng" algn="ctr">
+          <a:solidFill>
+            <a:schemeClr val="accent1">
+              <a:shade val="60000"/>
+              <a:hueOff val="0"/>
+              <a:satOff val="0"/>
+              <a:lumOff val="0"/>
+              <a:alphaOff val="0"/>
+            </a:schemeClr>
+          </a:solidFill>
+          <a:prstDash val="solid"/>
+          <a:miter lim="800000"/>
+        </a:ln>
+        <a:effectLst/>
+      </dsp:spPr>
+      <dsp:style>
+        <a:lnRef idx="2">
+          <a:scrgbClr r="0" g="0" b="0"/>
+        </a:lnRef>
+        <a:fillRef idx="0">
+          <a:scrgbClr r="0" g="0" b="0"/>
+        </a:fillRef>
+        <a:effectRef idx="0">
+          <a:scrgbClr r="0" g="0" b="0"/>
+        </a:effectRef>
+        <a:fontRef idx="minor"/>
+      </dsp:style>
+    </dsp:sp>
+    <dsp:sp modelId="{21EEBFFD-9DC1-4A77-BE91-0EB28F4558A8}">
+      <dsp:nvSpPr>
+        <dsp:cNvPr id="0" name=""/>
+        <dsp:cNvSpPr/>
+      </dsp:nvSpPr>
+      <dsp:spPr>
+        <a:xfrm>
+          <a:off x="1941574" y="1664"/>
+          <a:ext cx="1124841" cy="1124841"/>
+        </a:xfrm>
+        <a:prstGeom prst="arc">
+          <a:avLst>
+            <a:gd name="adj1" fmla="val 2400000"/>
+            <a:gd name="adj2" fmla="val 8400000"/>
+          </a:avLst>
+        </a:prstGeom>
+        <a:noFill/>
+        <a:ln w="12700" cap="flat" cmpd="sng" algn="ctr">
+          <a:solidFill>
+            <a:schemeClr val="accent1">
+              <a:shade val="60000"/>
+              <a:hueOff val="0"/>
+              <a:satOff val="0"/>
+              <a:lumOff val="0"/>
+              <a:alphaOff val="0"/>
+            </a:schemeClr>
+          </a:solidFill>
+          <a:prstDash val="solid"/>
+          <a:miter lim="800000"/>
+        </a:ln>
+        <a:effectLst/>
+      </dsp:spPr>
+      <dsp:style>
+        <a:lnRef idx="2">
+          <a:scrgbClr r="0" g="0" b="0"/>
+        </a:lnRef>
+        <a:fillRef idx="0">
+          <a:scrgbClr r="0" g="0" b="0"/>
+        </a:fillRef>
+        <a:effectRef idx="0">
+          <a:scrgbClr r="0" g="0" b="0"/>
+        </a:effectRef>
+        <a:fontRef idx="minor"/>
+      </dsp:style>
+    </dsp:sp>
+    <dsp:sp modelId="{E1657849-07A5-4DD7-AE47-2B554042E2C4}">
+      <dsp:nvSpPr>
+        <dsp:cNvPr id="0" name=""/>
+        <dsp:cNvSpPr/>
+      </dsp:nvSpPr>
+      <dsp:spPr>
+        <a:xfrm>
+          <a:off x="1379153" y="204136"/>
+          <a:ext cx="2249683" cy="719898"/>
+        </a:xfrm>
+        <a:prstGeom prst="rect">
+          <a:avLst/>
+        </a:prstGeom>
+        <a:noFill/>
+        <a:ln w="12700" cap="flat" cmpd="sng" algn="ctr">
+          <a:noFill/>
+          <a:prstDash val="solid"/>
+          <a:miter lim="800000"/>
+        </a:ln>
+        <a:effectLst/>
+        <a:sp3d/>
+      </dsp:spPr>
+      <dsp:style>
+        <a:lnRef idx="2">
+          <a:scrgbClr r="0" g="0" b="0"/>
+        </a:lnRef>
+        <a:fillRef idx="1">
+          <a:scrgbClr r="0" g="0" b="0"/>
+        </a:fillRef>
+        <a:effectRef idx="0">
+          <a:scrgbClr r="0" g="0" b="0"/>
+        </a:effectRef>
+        <a:fontRef idx="minor"/>
+      </dsp:style>
+      <dsp:txBody>
+        <a:bodyPr spcFirstLastPara="0" vert="horz" wrap="square" lIns="15240" tIns="15240" rIns="15240" bIns="15240" numCol="1" spcCol="1270" anchor="ctr" anchorCtr="0">
+          <a:noAutofit/>
+        </a:bodyPr>
+        <a:lstStyle/>
+        <a:p>
+          <a:pPr marL="0" lvl="0" indent="0" algn="ctr" defTabSz="1066800">
+            <a:lnSpc>
+              <a:spcPct val="90000"/>
+            </a:lnSpc>
+            <a:spcBef>
+              <a:spcPct val="0"/>
+            </a:spcBef>
+            <a:spcAft>
+              <a:spcPct val="35000"/>
+            </a:spcAft>
+            <a:buNone/>
+          </a:pPr>
+          <a:r>
+            <a:rPr lang="de-CH" sz="2400" kern="1200" dirty="0"/>
+            <a:t>Classification</a:t>
+          </a:r>
+        </a:p>
+      </dsp:txBody>
+      <dsp:txXfrm>
+        <a:off x="1379153" y="204136"/>
+        <a:ext cx="2249683" cy="719898"/>
+      </dsp:txXfrm>
+    </dsp:sp>
+    <dsp:sp modelId="{AD689C84-6C79-4D26-83F4-D715E085466C}">
+      <dsp:nvSpPr>
+        <dsp:cNvPr id="0" name=""/>
+        <dsp:cNvSpPr/>
+      </dsp:nvSpPr>
+      <dsp:spPr>
+        <a:xfrm>
+          <a:off x="580516" y="1598939"/>
+          <a:ext cx="1124841" cy="1124841"/>
+        </a:xfrm>
+        <a:prstGeom prst="arc">
+          <a:avLst>
+            <a:gd name="adj1" fmla="val 13200000"/>
+            <a:gd name="adj2" fmla="val 19200000"/>
+          </a:avLst>
+        </a:prstGeom>
+        <a:noFill/>
+        <a:ln w="12700" cap="flat" cmpd="sng" algn="ctr">
+          <a:solidFill>
+            <a:schemeClr val="accent1">
+              <a:shade val="60000"/>
+              <a:hueOff val="0"/>
+              <a:satOff val="0"/>
+              <a:lumOff val="0"/>
+              <a:alphaOff val="0"/>
+            </a:schemeClr>
+          </a:solidFill>
+          <a:prstDash val="solid"/>
+          <a:miter lim="800000"/>
+        </a:ln>
+        <a:effectLst/>
+      </dsp:spPr>
+      <dsp:style>
+        <a:lnRef idx="2">
+          <a:scrgbClr r="0" g="0" b="0"/>
+        </a:lnRef>
+        <a:fillRef idx="0">
+          <a:scrgbClr r="0" g="0" b="0"/>
+        </a:fillRef>
+        <a:effectRef idx="0">
+          <a:scrgbClr r="0" g="0" b="0"/>
+        </a:effectRef>
+        <a:fontRef idx="minor"/>
+      </dsp:style>
+    </dsp:sp>
+    <dsp:sp modelId="{3C8B4EF1-4B5F-4C98-9625-B786E15AC930}">
+      <dsp:nvSpPr>
+        <dsp:cNvPr id="0" name=""/>
+        <dsp:cNvSpPr/>
+      </dsp:nvSpPr>
+      <dsp:spPr>
+        <a:xfrm>
+          <a:off x="580516" y="1598939"/>
+          <a:ext cx="1124841" cy="1124841"/>
+        </a:xfrm>
+        <a:prstGeom prst="arc">
+          <a:avLst>
+            <a:gd name="adj1" fmla="val 2400000"/>
+            <a:gd name="adj2" fmla="val 8400000"/>
+          </a:avLst>
+        </a:prstGeom>
+        <a:noFill/>
+        <a:ln w="12700" cap="flat" cmpd="sng" algn="ctr">
+          <a:solidFill>
+            <a:schemeClr val="accent1">
+              <a:shade val="60000"/>
+              <a:hueOff val="0"/>
+              <a:satOff val="0"/>
+              <a:lumOff val="0"/>
+              <a:alphaOff val="0"/>
+            </a:schemeClr>
+          </a:solidFill>
+          <a:prstDash val="solid"/>
+          <a:miter lim="800000"/>
+        </a:ln>
+        <a:effectLst/>
+      </dsp:spPr>
+      <dsp:style>
+        <a:lnRef idx="2">
+          <a:scrgbClr r="0" g="0" b="0"/>
+        </a:lnRef>
+        <a:fillRef idx="0">
+          <a:scrgbClr r="0" g="0" b="0"/>
+        </a:fillRef>
+        <a:effectRef idx="0">
+          <a:scrgbClr r="0" g="0" b="0"/>
+        </a:effectRef>
+        <a:fontRef idx="minor"/>
+      </dsp:style>
+    </dsp:sp>
+    <dsp:sp modelId="{58EB169A-8AC7-4C8F-B7F9-8A1781E6F427}">
+      <dsp:nvSpPr>
+        <dsp:cNvPr id="0" name=""/>
+        <dsp:cNvSpPr/>
+      </dsp:nvSpPr>
+      <dsp:spPr>
+        <a:xfrm>
+          <a:off x="18095" y="1801411"/>
+          <a:ext cx="2249683" cy="719898"/>
+        </a:xfrm>
+        <a:prstGeom prst="rect">
+          <a:avLst/>
+        </a:prstGeom>
+        <a:noFill/>
+        <a:ln w="12700" cap="flat" cmpd="sng" algn="ctr">
+          <a:noFill/>
+          <a:prstDash val="solid"/>
+          <a:miter lim="800000"/>
+        </a:ln>
+        <a:effectLst/>
+        <a:sp3d/>
+      </dsp:spPr>
+      <dsp:style>
+        <a:lnRef idx="2">
+          <a:scrgbClr r="0" g="0" b="0"/>
+        </a:lnRef>
+        <a:fillRef idx="1">
+          <a:scrgbClr r="0" g="0" b="0"/>
+        </a:fillRef>
+        <a:effectRef idx="0">
+          <a:scrgbClr r="0" g="0" b="0"/>
+        </a:effectRef>
+        <a:fontRef idx="minor"/>
+      </dsp:style>
+      <dsp:txBody>
+        <a:bodyPr spcFirstLastPara="0" vert="horz" wrap="square" lIns="15240" tIns="15240" rIns="15240" bIns="15240" numCol="1" spcCol="1270" anchor="ctr" anchorCtr="0">
+          <a:noAutofit/>
+        </a:bodyPr>
+        <a:lstStyle/>
+        <a:p>
+          <a:pPr marL="0" lvl="0" indent="0" algn="ctr" defTabSz="1066800">
+            <a:lnSpc>
+              <a:spcPct val="90000"/>
+            </a:lnSpc>
+            <a:spcBef>
+              <a:spcPct val="0"/>
+            </a:spcBef>
+            <a:spcAft>
+              <a:spcPct val="35000"/>
+            </a:spcAft>
+            <a:buNone/>
+          </a:pPr>
+          <a:r>
+            <a:rPr lang="de-CH" sz="2400" kern="1200" dirty="0" err="1"/>
+            <a:t>Logistic</a:t>
+          </a:r>
+          <a:r>
+            <a:rPr lang="de-CH" sz="2400" kern="1200" dirty="0"/>
+            <a:t> Regression</a:t>
+          </a:r>
+        </a:p>
+      </dsp:txBody>
+      <dsp:txXfrm>
+        <a:off x="18095" y="1801411"/>
+        <a:ext cx="2249683" cy="719898"/>
+      </dsp:txXfrm>
+    </dsp:sp>
+    <dsp:sp modelId="{D77B7E4B-6C7C-4E40-8256-9A4C5AFB489E}">
+      <dsp:nvSpPr>
+        <dsp:cNvPr id="0" name=""/>
+        <dsp:cNvSpPr/>
+      </dsp:nvSpPr>
+      <dsp:spPr>
+        <a:xfrm>
+          <a:off x="3302632" y="1598939"/>
+          <a:ext cx="1124841" cy="1124841"/>
+        </a:xfrm>
+        <a:prstGeom prst="arc">
+          <a:avLst>
+            <a:gd name="adj1" fmla="val 13200000"/>
+            <a:gd name="adj2" fmla="val 19200000"/>
+          </a:avLst>
+        </a:prstGeom>
+        <a:noFill/>
+        <a:ln w="12700" cap="flat" cmpd="sng" algn="ctr">
+          <a:solidFill>
+            <a:schemeClr val="accent1">
+              <a:shade val="60000"/>
+              <a:hueOff val="0"/>
+              <a:satOff val="0"/>
+              <a:lumOff val="0"/>
+              <a:alphaOff val="0"/>
+            </a:schemeClr>
+          </a:solidFill>
+          <a:prstDash val="solid"/>
+          <a:miter lim="800000"/>
+        </a:ln>
+        <a:effectLst/>
+      </dsp:spPr>
+      <dsp:style>
+        <a:lnRef idx="2">
+          <a:scrgbClr r="0" g="0" b="0"/>
+        </a:lnRef>
+        <a:fillRef idx="0">
+          <a:scrgbClr r="0" g="0" b="0"/>
+        </a:fillRef>
+        <a:effectRef idx="0">
+          <a:scrgbClr r="0" g="0" b="0"/>
+        </a:effectRef>
+        <a:fontRef idx="minor"/>
+      </dsp:style>
+    </dsp:sp>
+    <dsp:sp modelId="{F6AC0818-E7D4-4078-8D26-70DD4DC01274}">
+      <dsp:nvSpPr>
+        <dsp:cNvPr id="0" name=""/>
+        <dsp:cNvSpPr/>
+      </dsp:nvSpPr>
+      <dsp:spPr>
+        <a:xfrm>
+          <a:off x="3302632" y="1598939"/>
+          <a:ext cx="1124841" cy="1124841"/>
+        </a:xfrm>
+        <a:prstGeom prst="arc">
+          <a:avLst>
+            <a:gd name="adj1" fmla="val 2400000"/>
+            <a:gd name="adj2" fmla="val 8400000"/>
+          </a:avLst>
+        </a:prstGeom>
+        <a:noFill/>
+        <a:ln w="12700" cap="flat" cmpd="sng" algn="ctr">
+          <a:solidFill>
+            <a:schemeClr val="accent1">
+              <a:shade val="60000"/>
+              <a:hueOff val="0"/>
+              <a:satOff val="0"/>
+              <a:lumOff val="0"/>
+              <a:alphaOff val="0"/>
+            </a:schemeClr>
+          </a:solidFill>
+          <a:prstDash val="solid"/>
+          <a:miter lim="800000"/>
+        </a:ln>
+        <a:effectLst/>
+      </dsp:spPr>
+      <dsp:style>
+        <a:lnRef idx="2">
+          <a:scrgbClr r="0" g="0" b="0"/>
+        </a:lnRef>
+        <a:fillRef idx="0">
+          <a:scrgbClr r="0" g="0" b="0"/>
+        </a:fillRef>
+        <a:effectRef idx="0">
+          <a:scrgbClr r="0" g="0" b="0"/>
+        </a:effectRef>
+        <a:fontRef idx="minor"/>
+      </dsp:style>
+    </dsp:sp>
+    <dsp:sp modelId="{D3625FBB-95B3-487E-9A1E-BE68D5990220}">
+      <dsp:nvSpPr>
+        <dsp:cNvPr id="0" name=""/>
+        <dsp:cNvSpPr/>
+      </dsp:nvSpPr>
+      <dsp:spPr>
+        <a:xfrm>
+          <a:off x="2740211" y="1801411"/>
+          <a:ext cx="2249683" cy="719898"/>
+        </a:xfrm>
+        <a:prstGeom prst="rect">
+          <a:avLst/>
+        </a:prstGeom>
+        <a:noFill/>
+        <a:ln w="12700" cap="flat" cmpd="sng" algn="ctr">
+          <a:noFill/>
+          <a:prstDash val="solid"/>
+          <a:miter lim="800000"/>
+        </a:ln>
+        <a:effectLst/>
+        <a:sp3d/>
+      </dsp:spPr>
+      <dsp:style>
+        <a:lnRef idx="2">
+          <a:scrgbClr r="0" g="0" b="0"/>
+        </a:lnRef>
+        <a:fillRef idx="1">
+          <a:scrgbClr r="0" g="0" b="0"/>
+        </a:fillRef>
+        <a:effectRef idx="0">
+          <a:scrgbClr r="0" g="0" b="0"/>
+        </a:effectRef>
+        <a:fontRef idx="minor"/>
+      </dsp:style>
+      <dsp:txBody>
+        <a:bodyPr spcFirstLastPara="0" vert="horz" wrap="square" lIns="15240" tIns="15240" rIns="15240" bIns="15240" numCol="1" spcCol="1270" anchor="ctr" anchorCtr="0">
+          <a:noAutofit/>
+        </a:bodyPr>
+        <a:lstStyle/>
+        <a:p>
+          <a:pPr marL="0" lvl="0" indent="0" algn="ctr" defTabSz="1066800">
+            <a:lnSpc>
+              <a:spcPct val="90000"/>
+            </a:lnSpc>
+            <a:spcBef>
+              <a:spcPct val="0"/>
+            </a:spcBef>
+            <a:spcAft>
+              <a:spcPct val="35000"/>
+            </a:spcAft>
+            <a:buNone/>
+          </a:pPr>
+          <a:r>
+            <a:rPr lang="de-CH" sz="2400" kern="1200" dirty="0" err="1"/>
+            <a:t>Trees</a:t>
+          </a:r>
+          <a:r>
+            <a:rPr lang="de-CH" sz="2400" kern="1200" dirty="0"/>
+            <a:t> &amp; Random Forest</a:t>
+          </a:r>
+        </a:p>
+      </dsp:txBody>
+      <dsp:txXfrm>
+        <a:off x="2740211" y="1801411"/>
+        <a:ext cx="2249683" cy="719898"/>
+      </dsp:txXfrm>
+    </dsp:sp>
+  </dsp:spTree>
+</dsp:drawing>
+</file>
+
+<file path=ppt/diagrams/layout1.xml><?xml version="1.0" encoding="utf-8"?>
+<dgm:layoutDef xmlns:dgm="http://schemas.openxmlformats.org/drawingml/2006/diagram" xmlns:a="http://schemas.openxmlformats.org/drawingml/2006/main" uniqueId="urn:microsoft.com/office/officeart/2008/layout/HalfCircleOrganizationChart">
+  <dgm:title val=""/>
+  <dgm:desc val=""/>
+  <dgm:catLst>
+    <dgm:cat type="hierarchy" pri="1500"/>
+  </dgm:catLst>
+  <dgm:sampData>
+    <dgm:dataModel>
+      <dgm:ptLst>
+        <dgm:pt modelId="0" type="doc"/>
+        <dgm:pt modelId="1">
+          <dgm:prSet phldr="1"/>
+        </dgm:pt>
+        <dgm:pt modelId="11" type="asst">
+          <dgm:prSet phldr="1"/>
+        </dgm:pt>
+        <dgm:pt modelId="12">
+          <dgm:prSet phldr="1"/>
+        </dgm:pt>
+        <dgm:pt modelId="13">
+          <dgm:prSet phldr="1"/>
+        </dgm:pt>
+        <dgm:pt modelId="14">
+          <dgm:prSet phldr="1"/>
+        </dgm:pt>
+      </dgm:ptLst>
+      <dgm:cxnLst>
+        <dgm:cxn modelId="2" srcId="0" destId="1" srcOrd="0" destOrd="0"/>
+        <dgm:cxn modelId="15" srcId="1" destId="11" srcOrd="0" destOrd="0"/>
+        <dgm:cxn modelId="16" srcId="1" destId="12" srcOrd="1" destOrd="0"/>
+        <dgm:cxn modelId="17" srcId="1" destId="13" srcOrd="2" destOrd="0"/>
+        <dgm:cxn modelId="18" srcId="1" destId="14" srcOrd="2" destOrd="0"/>
+      </dgm:cxnLst>
+      <dgm:bg/>
+      <dgm:whole/>
+    </dgm:dataModel>
+  </dgm:sampData>
+  <dgm:styleData>
+    <dgm:dataModel>
+      <dgm:ptLst>
+        <dgm:pt modelId="0" type="doc"/>
+        <dgm:pt modelId="1">
+          <dgm:prSet phldr="1"/>
+        </dgm:pt>
+        <dgm:pt modelId="11">
+          <dgm:prSet phldr="1"/>
+        </dgm:pt>
+        <dgm:pt modelId="12">
+          <dgm:prSet phldr="1"/>
+        </dgm:pt>
+      </dgm:ptLst>
+      <dgm:cxnLst>
+        <dgm:cxn modelId="2" srcId="0" destId="1" srcOrd="0" destOrd="0"/>
+        <dgm:cxn modelId="3" srcId="1" destId="11" srcOrd="0" destOrd="0"/>
+        <dgm:cxn modelId="4" srcId="1" destId="12" srcOrd="1" destOrd="0"/>
+      </dgm:cxnLst>
+      <dgm:bg/>
+      <dgm:whole/>
+    </dgm:dataModel>
+  </dgm:styleData>
+  <dgm:clrData>
+    <dgm:dataModel>
+      <dgm:ptLst>
+        <dgm:pt modelId="0" type="doc"/>
+        <dgm:pt modelId="1">
+          <dgm:prSet phldr="1"/>
+        </dgm:pt>
+        <dgm:pt modelId="11" type="asst">
+          <dgm:prSet phldr="1"/>
+        </dgm:pt>
+        <dgm:pt modelId="12">
+          <dgm:prSet phldr="1"/>
+        </dgm:pt>
+        <dgm:pt modelId="13">
+          <dgm:prSet phldr="1"/>
+        </dgm:pt>
+        <dgm:pt modelId="14">
+          <dgm:prSet phldr="1"/>
+        </dgm:pt>
+      </dgm:ptLst>
+      <dgm:cxnLst>
+        <dgm:cxn modelId="2" srcId="0" destId="1" srcOrd="0" destOrd="0"/>
+        <dgm:cxn modelId="15" srcId="1" destId="11" srcOrd="0" destOrd="0"/>
+        <dgm:cxn modelId="16" srcId="1" destId="12" srcOrd="1" destOrd="0"/>
+        <dgm:cxn modelId="17" srcId="1" destId="13" srcOrd="2" destOrd="0"/>
+        <dgm:cxn modelId="18" srcId="1" destId="14" srcOrd="2" destOrd="0"/>
+      </dgm:cxnLst>
+      <dgm:bg/>
+      <dgm:whole/>
+    </dgm:dataModel>
+  </dgm:clrData>
+  <dgm:layoutNode name="Name0">
+    <dgm:varLst>
+      <dgm:orgChart val="1"/>
+      <dgm:chPref val="1"/>
+      <dgm:dir/>
+      <dgm:animOne val="branch"/>
+      <dgm:animLvl val="lvl"/>
+      <dgm:resizeHandles/>
+    </dgm:varLst>
+    <dgm:choose name="Name1">
+      <dgm:if name="Name2" func="var" arg="dir" op="equ" val="norm">
+        <dgm:alg type="hierChild">
+          <dgm:param type="linDir" val="fromL"/>
+        </dgm:alg>
+      </dgm:if>
+      <dgm:else name="Name3">
+        <dgm:alg type="hierChild">
+          <dgm:param type="linDir" val="fromR"/>
+        </dgm:alg>
+      </dgm:else>
+    </dgm:choose>
+    <dgm:shape xmlns:r="http://schemas.openxmlformats.org/officeDocument/2006/relationships" r:blip="">
+      <dgm:adjLst/>
+    </dgm:shape>
+    <dgm:presOf/>
+    <dgm:constrLst>
+      <dgm:constr type="w" for="des" forName="rootComposite1" refType="w" fact="10"/>
+      <dgm:constr type="h" for="des" forName="rootComposite1" refType="w" refFor="des" refForName="rootComposite1" fact="0.5"/>
+      <dgm:constr type="w" for="des" forName="rootComposite2" refType="w" fact="10"/>
+      <dgm:constr type="h" for="des" forName="rootComposite2" refType="w" refFor="des" refForName="rootComposite1" fact="0.5"/>
+      <dgm:constr type="w" for="des" forName="rootComposite3" refType="w" fact="10"/>
+      <dgm:constr type="h" for="des" forName="rootComposite3" refType="w" refFor="des" refForName="rootComposite1" fact="0.5"/>
+      <dgm:constr type="primFontSz" for="des" ptType="node" op="equ"/>
+      <dgm:constr type="sp" for="des" op="equ"/>
+      <dgm:constr type="sp" for="des" forName="hierRoot1" refType="w" refFor="des" refForName="rootComposite1" fact="0.21"/>
+      <dgm:constr type="sp" for="des" forName="hierRoot2" refType="sp" refFor="des" refForName="hierRoot1"/>
+      <dgm:constr type="sp" for="des" forName="hierRoot3" refType="sp" refFor="des" refForName="hierRoot1"/>
+      <dgm:constr type="sibSp" refType="w" refFor="des" refForName="rootComposite1" fact="0.21"/>
+      <dgm:constr type="sibSp" for="des" forName="hierChild2" refType="sibSp"/>
+      <dgm:constr type="sibSp" for="des" forName="hierChild3" refType="sibSp"/>
+      <dgm:constr type="sibSp" for="des" forName="hierChild4" refType="sibSp"/>
+      <dgm:constr type="sibSp" for="des" forName="hierChild5" refType="sibSp"/>
+      <dgm:constr type="sibSp" for="des" forName="hierChild6" refType="sibSp"/>
+      <dgm:constr type="sibSp" for="des" forName="hierChild7" refType="sibSp"/>
+      <dgm:constr type="secSibSp" refType="w" refFor="des" refForName="rootComposite1" fact="0.21"/>
+      <dgm:constr type="secSibSp" for="des" forName="hierChild2" refType="secSibSp"/>
+      <dgm:constr type="secSibSp" for="des" forName="hierChild3" refType="secSibSp"/>
+      <dgm:constr type="secSibSp" for="des" forName="hierChild4" refType="secSibSp"/>
+      <dgm:constr type="secSibSp" for="des" forName="hierChild5" refType="secSibSp"/>
+      <dgm:constr type="secSibSp" for="des" forName="hierChild6" refType="secSibSp"/>
+      <dgm:constr type="secSibSp" for="des" forName="hierChild7" refType="secSibSp"/>
+    </dgm:constrLst>
+    <dgm:forEach name="Name4" axis="ch">
+      <dgm:forEach name="Name5" axis="self" ptType="node">
+        <dgm:layoutNode name="hierRoot1">
+          <dgm:varLst>
+            <dgm:hierBranch val="init"/>
+          </dgm:varLst>
+          <dgm:choose name="Name6">
+            <dgm:if name="Name7" func="var" arg="hierBranch" op="equ" val="l">
+              <dgm:alg type="hierRoot">
+                <dgm:param type="hierAlign" val="tR"/>
+              </dgm:alg>
+              <dgm:constrLst>
+                <dgm:constr type="alignOff" val="0.65"/>
+              </dgm:constrLst>
+            </dgm:if>
+            <dgm:if name="Name8" func="var" arg="hierBranch" op="equ" val="r">
+              <dgm:alg type="hierRoot">
+                <dgm:param type="hierAlign" val="tL"/>
+              </dgm:alg>
+              <dgm:constrLst>
+                <dgm:constr type="alignOff" val="0.65"/>
+              </dgm:constrLst>
+            </dgm:if>
+            <dgm:if name="Name9" func="var" arg="hierBranch" op="equ" val="hang">
+              <dgm:alg type="hierRoot"/>
+              <dgm:constrLst>
+                <dgm:constr type="alignOff" val="0.65"/>
+              </dgm:constrLst>
+            </dgm:if>
+            <dgm:else name="Name10">
+              <dgm:alg type="hierRoot"/>
+              <dgm:constrLst>
+                <dgm:constr type="alignOff"/>
+                <dgm:constr type="bendDist" for="des" ptType="parTrans" refType="sp" fact="0.5"/>
+              </dgm:constrLst>
+            </dgm:else>
+          </dgm:choose>
+          <dgm:shape xmlns:r="http://schemas.openxmlformats.org/officeDocument/2006/relationships" r:blip="">
+            <dgm:adjLst/>
+          </dgm:shape>
+          <dgm:presOf/>
+          <dgm:layoutNode name="rootComposite1">
+            <dgm:alg type="composite"/>
+            <dgm:shape xmlns:r="http://schemas.openxmlformats.org/officeDocument/2006/relationships" r:blip="">
+              <dgm:adjLst/>
+            </dgm:shape>
+            <dgm:presOf axis="self" ptType="node" cnt="1"/>
+            <dgm:choose name="Name11">
+              <dgm:if name="Name12" func="var" arg="hierBranch" op="equ" val="init">
+                <dgm:constrLst>
+                  <dgm:constr type="l" for="ch" forName="rootText1"/>
+                  <dgm:constr type="t" for="ch" forName="rootText1" refType="h" fact="0.18"/>
+                  <dgm:constr type="w" for="ch" forName="rootText1" refType="w"/>
+                  <dgm:constr type="h" for="ch" forName="rootText1" refType="h" fact="0.64"/>
+                  <dgm:constr type="l" for="ch" forName="topArc1" refType="w" fact="0.25"/>
+                  <dgm:constr type="t" for="ch" forName="topArc1"/>
+                  <dgm:constr type="w" for="ch" forName="topArc1" refType="h" refFor="ch" refForName="topArc1"/>
+                  <dgm:constr type="h" for="ch" forName="topArc1" refType="h"/>
+                  <dgm:constr type="l" for="ch" forName="bottomArc1" refType="w" fact="0.25"/>
+                  <dgm:constr type="t" for="ch" forName="bottomArc1"/>
+                  <dgm:constr type="w" for="ch" forName="bottomArc1" refType="h" refFor="ch" refForName="bottomArc1"/>
+                  <dgm:constr type="h" for="ch" forName="bottomArc1" refType="h"/>
+                  <dgm:constr type="ctrX" for="ch" forName="topConnNode1" refType="w" fact="0.5"/>
+                  <dgm:constr type="t" for="ch" forName="topConnNode1"/>
+                  <dgm:constr type="w" for="ch" forName="topConnNode1" refType="h" fact="0.76"/>
+                  <dgm:constr type="b" for="ch" forName="topConnNode1" refType="t" refFor="ch" refForName="rootText1"/>
+                </dgm:constrLst>
+              </dgm:if>
+              <dgm:if name="Name13" func="var" arg="hierBranch" op="equ" val="l">
+                <dgm:constrLst>
+                  <dgm:constr type="l" for="ch" forName="rootText1"/>
+                  <dgm:constr type="t" for="ch" forName="rootText1" refType="h" fact="0.18"/>
+                  <dgm:constr type="w" for="ch" forName="rootText1" refType="w"/>
+                  <dgm:constr type="h" for="ch" forName="rootText1" refType="h" fact="0.64"/>
+                  <dgm:constr type="l" for="ch" forName="topArc1" refType="w" fact="0.25"/>
+                  <dgm:constr type="t" for="ch" forName="topArc1"/>
+                  <dgm:constr type="w" for="ch" forName="topArc1" refType="h" refFor="ch" refForName="topArc1"/>
+                  <dgm:constr type="h" for="ch" forName="topArc1" refType="h"/>
+                  <dgm:constr type="l" for="ch" forName="bottomArc1" refType="w" fact="0.25"/>
+                  <dgm:constr type="t" for="ch" forName="bottomArc1"/>
+                  <dgm:constr type="w" for="ch" forName="bottomArc1" refType="h" refFor="ch" refForName="bottomArc1"/>
+                  <dgm:constr type="h" for="ch" forName="bottomArc1" refType="h"/>
+                  <dgm:constr type="ctrX" for="ch" forName="topConnNode1" refType="w" fact="0.5"/>
+                  <dgm:constr type="t" for="ch" forName="topConnNode1"/>
+                  <dgm:constr type="w" for="ch" forName="topConnNode1" refType="h" fact="0.76"/>
+                  <dgm:constr type="b" for="ch" forName="topConnNode1" refType="t" refFor="ch" refForName="rootText1"/>
+                </dgm:constrLst>
+              </dgm:if>
+              <dgm:if name="Name14" func="var" arg="hierBranch" op="equ" val="r">
+                <dgm:constrLst>
+                  <dgm:constr type="l" for="ch" forName="rootText1"/>
+                  <dgm:constr type="t" for="ch" forName="rootText1" refType="h" fact="0.18"/>
+                  <dgm:constr type="w" for="ch" forName="rootText1" refType="w"/>
+                  <dgm:constr type="h" for="ch" forName="rootText1" refType="h" fact="0.64"/>
+                  <dgm:constr type="l" for="ch" forName="topArc1" refType="w" fact="0.25"/>
+                  <dgm:constr type="t" for="ch" forName="topArc1"/>
+                  <dgm:constr type="w" for="ch" forName="topArc1" refType="h" refFor="ch" refForName="topArc1"/>
+                  <dgm:constr type="h" for="ch" forName="topArc1" refType="h"/>
+                  <dgm:constr type="l" for="ch" forName="bottomArc1" refType="w" fact="0.25"/>
+                  <dgm:constr type="t" for="ch" forName="bottomArc1"/>
+                  <dgm:constr type="w" for="ch" forName="bottomArc1" refType="h" refFor="ch" refForName="bottomArc1"/>
+                  <dgm:constr type="h" for="ch" forName="bottomArc1" refType="h"/>
+                  <dgm:constr type="ctrX" for="ch" forName="topConnNode1" refType="w" fact="0.5"/>
+                  <dgm:constr type="t" for="ch" forName="topConnNode1"/>
+                  <dgm:constr type="w" for="ch" forName="topConnNode1" refType="h" fact="0.76"/>
+                  <dgm:constr type="b" for="ch" forName="topConnNode1" refType="t" refFor="ch" refForName="rootText1"/>
+                </dgm:constrLst>
+              </dgm:if>
+              <dgm:else name="Name15">
+                <dgm:constrLst>
+                  <dgm:constr type="l" for="ch" forName="rootText1"/>
+                  <dgm:constr type="t" for="ch" forName="rootText1" refType="h" fact="0.18"/>
+                  <dgm:constr type="w" for="ch" forName="rootText1" refType="w"/>
+                  <dgm:constr type="h" for="ch" forName="rootText1" refType="h" fact="0.64"/>
+                  <dgm:constr type="l" for="ch" forName="topArc1" refType="w" fact="0.25"/>
+                  <dgm:constr type="t" for="ch" forName="topArc1"/>
+                  <dgm:constr type="w" for="ch" forName="topArc1" refType="h" refFor="ch" refForName="topArc1"/>
+                  <dgm:constr type="h" for="ch" forName="topArc1" refType="h"/>
+                  <dgm:constr type="l" for="ch" forName="bottomArc1" refType="w" fact="0.25"/>
+                  <dgm:constr type="t" for="ch" forName="bottomArc1"/>
+                  <dgm:constr type="w" for="ch" forName="bottomArc1" refType="h" refFor="ch" refForName="bottomArc1"/>
+                  <dgm:constr type="h" for="ch" forName="bottomArc1" refType="h"/>
+                  <dgm:constr type="ctrX" for="ch" forName="topConnNode1" refType="w" fact="0.5"/>
+                  <dgm:constr type="t" for="ch" forName="topConnNode1"/>
+                  <dgm:constr type="w" for="ch" forName="topConnNode1" refType="h" fact="0.76"/>
+                  <dgm:constr type="b" for="ch" forName="topConnNode1" refType="t" refFor="ch" refForName="rootText1"/>
+                </dgm:constrLst>
+              </dgm:else>
+            </dgm:choose>
+            <dgm:layoutNode name="rootText1" styleLbl="alignAcc1">
+              <dgm:varLst>
+                <dgm:chPref val="3"/>
+              </dgm:varLst>
+              <dgm:alg type="tx"/>
+              <dgm:shape xmlns:r="http://schemas.openxmlformats.org/officeDocument/2006/relationships" type="rect" r:blip="" hideGeom="1">
+                <dgm:adjLst/>
+              </dgm:shape>
+              <dgm:presOf axis="self" ptType="node" cnt="1"/>
+              <dgm:constrLst>
+                <dgm:constr type="primFontSz" val="65"/>
+                <dgm:constr type="lMarg" refType="primFontSz" fact="0.05"/>
+                <dgm:constr type="rMarg" refType="primFontSz" fact="0.05"/>
+                <dgm:constr type="tMarg" refType="primFontSz" fact="0.05"/>
+                <dgm:constr type="bMarg" refType="primFontSz" fact="0.05"/>
+              </dgm:constrLst>
+              <dgm:ruleLst>
+                <dgm:rule type="primFontSz" val="5" fact="NaN" max="NaN"/>
+              </dgm:ruleLst>
+            </dgm:layoutNode>
+            <dgm:layoutNode name="topArc1" styleLbl="parChTrans1D1" moveWith="rootText1">
+              <dgm:alg type="sp"/>
+              <dgm:shape xmlns:r="http://schemas.openxmlformats.org/officeDocument/2006/relationships" type="arc" r:blip="" zOrderOff="-2">
+                <dgm:adjLst>
+                  <dgm:adj idx="1" val="-140"/>
+                  <dgm:adj idx="2" val="-40"/>
+                </dgm:adjLst>
+              </dgm:shape>
+              <dgm:presOf/>
+            </dgm:layoutNode>
+            <dgm:layoutNode name="bottomArc1" styleLbl="parChTrans1D1" moveWith="rootText1">
+              <dgm:alg type="sp"/>
+              <dgm:shape xmlns:r="http://schemas.openxmlformats.org/officeDocument/2006/relationships" type="arc" r:blip="" zOrderOff="-2">
+                <dgm:adjLst>
+                  <dgm:adj idx="1" val="40"/>
+                  <dgm:adj idx="2" val="140"/>
+                </dgm:adjLst>
+              </dgm:shape>
+              <dgm:presOf/>
+            </dgm:layoutNode>
+            <dgm:layoutNode name="topConnNode1" moveWith="rootText1">
+              <dgm:alg type="sp"/>
+              <dgm:shape xmlns:r="http://schemas.openxmlformats.org/officeDocument/2006/relationships" type="rect" r:blip="" hideGeom="1">
+                <dgm:adjLst/>
+              </dgm:shape>
+              <dgm:presOf axis="self" ptType="node" cnt="1"/>
+            </dgm:layoutNode>
+          </dgm:layoutNode>
+          <dgm:layoutNode name="hierChild2">
+            <dgm:choose name="Name16">
+              <dgm:if name="Name17" func="var" arg="hierBranch" op="equ" val="l">
+                <dgm:alg type="hierChild">
+                  <dgm:param type="chAlign" val="r"/>
+                  <dgm:param type="linDir" val="fromT"/>
+                </dgm:alg>
+              </dgm:if>
+              <dgm:if name="Name18" func="var" arg="hierBranch" op="equ" val="r">
+                <dgm:alg type="hierChild">
+                  <dgm:param type="chAlign" val="l"/>
+                  <dgm:param type="linDir" val="fromT"/>
+                </dgm:alg>
+              </dgm:if>
+              <dgm:if name="Name19" func="var" arg="hierBranch" op="equ" val="hang">
+                <dgm:choose name="Name20">
+                  <dgm:if name="Name21" func="var" arg="dir" op="equ" val="norm">
+                    <dgm:alg type="hierChild">
+                      <dgm:param type="chAlign" val="l"/>
+                      <dgm:param type="linDir" val="fromL"/>
+                      <dgm:param type="secChAlign" val="t"/>
+                      <dgm:param type="secLinDir" val="fromT"/>
+                    </dgm:alg>
+                  </dgm:if>
+                  <dgm:else name="Name22">
+                    <dgm:alg type="hierChild">
+                      <dgm:param type="chAlign" val="l"/>
+                      <dgm:param type="linDir" val="fromR"/>
+                      <dgm:param type="secChAlign" val="t"/>
+                      <dgm:param type="secLinDir" val="fromT"/>
+                    </dgm:alg>
+                  </dgm:else>
+                </dgm:choose>
+              </dgm:if>
+              <dgm:else name="Name23">
+                <dgm:choose name="Name24">
+                  <dgm:if name="Name25" func="var" arg="dir" op="equ" val="norm">
+                    <dgm:alg type="hierChild"/>
+                  </dgm:if>
+                  <dgm:else name="Name26">
+                    <dgm:alg type="hierChild">
+                      <dgm:param type="linDir" val="fromR"/>
+                    </dgm:alg>
+                  </dgm:else>
+                </dgm:choose>
+              </dgm:else>
+            </dgm:choose>
+            <dgm:shape xmlns:r="http://schemas.openxmlformats.org/officeDocument/2006/relationships" r:blip="">
+              <dgm:adjLst/>
+            </dgm:shape>
+            <dgm:presOf/>
+            <dgm:forEach name="rep2a" axis="ch" ptType="nonAsst">
+              <dgm:forEach name="Name27" axis="precedSib" ptType="parTrans" st="-1" cnt="1">
+                <dgm:layoutNode name="Name28">
+                  <dgm:choose name="Name29">
+                    <dgm:if name="Name30" func="var" arg="hierBranch" op="equ" val="std">
+                      <dgm:choose name="Name31">
+                        <dgm:if name="Name32" axis="self" func="depth" op="lte" val="2">
+                          <dgm:alg type="conn">
+                            <dgm:param type="connRout" val="bend"/>
+                            <dgm:param type="dim" val="1D"/>
+                            <dgm:param type="endSty" val="noArr"/>
+                            <dgm:param type="begPts" val="bCtr"/>
+                            <dgm:param type="endPts" val="tCtr"/>
+                            <dgm:param type="bendPt" val="end"/>
+                            <dgm:param type="srcNode" val="bottomArc1"/>
+                            <dgm:param type="dstNode" val="topArc2"/>
+                          </dgm:alg>
+                        </dgm:if>
+                        <dgm:if name="Name33" axis="par" ptType="asst" func="cnt" op="equ" val="1">
+                          <dgm:alg type="conn">
+                            <dgm:param type="connRout" val="bend"/>
+                            <dgm:param type="dim" val="1D"/>
+                            <dgm:param type="endSty" val="noArr"/>
+                            <dgm:param type="begPts" val="bCtr"/>
+                            <dgm:param type="endPts" val="tCtr"/>
+                            <dgm:param type="bendPt" val="end"/>
+                            <dgm:param type="srcNode" val="bottomArc3"/>
+                            <dgm:param type="dstNode" val="topArc2"/>
+                          </dgm:alg>
+                        </dgm:if>
+                        <dgm:else name="Name34">
+                          <dgm:alg type="conn">
+                            <dgm:param type="connRout" val="bend"/>
+                            <dgm:param type="dim" val="1D"/>
+                            <dgm:param type="endSty" val="noArr"/>
+                            <dgm:param type="begPts" val="bCtr"/>
+                            <dgm:param type="endPts" val="tCtr"/>
+                            <dgm:param type="bendPt" val="end"/>
+                            <dgm:param type="srcNode" val="bottomArc2"/>
+                            <dgm:param type="dstNode" val="topArc2"/>
+                          </dgm:alg>
+                        </dgm:else>
+                      </dgm:choose>
+                    </dgm:if>
+                    <dgm:if name="Name35" func="var" arg="hierBranch" op="equ" val="init">
+                      <dgm:choose name="Name36">
+                        <dgm:if name="Name37" axis="self" func="depth" op="lte" val="2">
+                          <dgm:choose name="Name38">
+                            <dgm:if name="Name39" axis="self" func="depth" op="lte" val="2">
+                              <dgm:alg type="conn">
+                                <dgm:param type="connRout" val="bend"/>
+                                <dgm:param type="dim" val="1D"/>
+                                <dgm:param type="endSty" val="noArr"/>
+                                <dgm:param type="begPts" val="bCtr"/>
+                                <dgm:param type="endPts" val="tCtr"/>
+                                <dgm:param type="bendPt" val="end"/>
+                                <dgm:param type="srcNode" val="bottomArc1"/>
+                                <dgm:param type="dstNode" val="topArc2"/>
+                              </dgm:alg>
+                            </dgm:if>
+                            <dgm:if name="Name40" axis="par" ptType="asst" func="cnt" op="equ" val="1">
+                              <dgm:alg type="conn">
+                                <dgm:param type="connRout" val="bend"/>
+                                <dgm:param type="dim" val="1D"/>
+                                <dgm:param type="endSty" val="noArr"/>
+                                <dgm:param type="begPts" val="bCtr"/>
+                                <dgm:param type="endPts" val="tCtr"/>
+                                <dgm:param type="bendPt" val="end"/>
+                                <dgm:param type="srcNode" val="bottomArc3"/>
+                                <dgm:param type="dstNode" val="topArc2"/>
+                              </dgm:alg>
+                            </dgm:if>
+                            <dgm:else name="Name41">
+                              <dgm:alg type="conn">
+                                <dgm:param type="connRout" val="bend"/>
+                                <dgm:param type="dim" val="1D"/>
+                                <dgm:param type="endSty" val="noArr"/>
+                                <dgm:param type="begPts" val="bCtr"/>
+                                <dgm:param type="endPts" val="tCtr"/>
+                                <dgm:param type="bendPt" val="end"/>
+                                <dgm:param type="srcNode" val="bottomArc2"/>
+                                <dgm:param type="dstNode" val="topArc2"/>
+                              </dgm:alg>
+                            </dgm:else>
+                          </dgm:choose>
+                        </dgm:if>
+                        <dgm:else name="Name42">
+                          <dgm:choose name="Name43">
+                            <dgm:if name="Name44" axis="par des" func="maxDepth" op="lte" val="1">
+                              <dgm:choose name="Name45">
+                                <dgm:if name="Name46" axis="self" func="depth" op="lte" val="2">
+                                  <dgm:alg type="conn">
+                                    <dgm:param type="connRout" val="bend"/>
+                                    <dgm:param type="dim" val="1D"/>
+                                    <dgm:param type="endSty" val="noArr"/>
+                                    <dgm:param type="begPts" val="bCtr"/>
+                                    <dgm:param type="endPts" val="bL bR"/>
+                                    <dgm:param type="srcNode" val="bottomArc1"/>
+                                    <dgm:param type="dstNode" val="topConnNode2"/>
+                                  </dgm:alg>
+                                </dgm:if>
+                                <dgm:if name="Name47" axis="par" ptType="asst" func="cnt" op="equ" val="1">
+                                  <dgm:alg type="conn">
+                                    <dgm:param type="connRout" val="bend"/>
+                                    <dgm:param type="dim" val="1D"/>
+                                    <dgm:param type="endSty" val="noArr"/>
+                                    <dgm:param type="begPts" val="bCtr"/>
+                                    <dgm:param type="endPts" val="bL bR"/>
+                                    <dgm:param type="srcNode" val="bottomArc3"/>
+                                    <dgm:param type="dstNode" val="topConnNode2"/>
+                                  </dgm:alg>
+                                </dgm:if>
+                                <dgm:else name="Name48">
+                                  <dgm:alg type="conn">
+                                    <dgm:param type="connRout" val="bend"/>
+                                    <dgm:param type="dim" val="1D"/>
+                                    <dgm:param type="endSty" val="noArr"/>
+                                    <dgm:param type="begPts" val="bCtr"/>
+                                    <dgm:param type="endPts" val="bL bR"/>
+                                    <dgm:param type="srcNode" val="bottomArc2"/>
+                                    <dgm:param type="dstNode" val="topConnNode2"/>
+                                  </dgm:alg>
+                                </dgm:else>
+                              </dgm:choose>
+                            </dgm:if>
+                            <dgm:else name="Name49">
+                              <dgm:choose name="Name50">
+                                <dgm:if name="Name51" axis="self" func="depth" op="lte" val="2">
+                                  <dgm:alg type="conn">
+                                    <dgm:param type="connRout" val="bend"/>
+                                    <dgm:param type="dim" val="1D"/>
+                                    <dgm:param type="endSty" val="noArr"/>
+                                    <dgm:param type="begPts" val="bCtr"/>
+                                    <dgm:param type="endPts" val="tCtr"/>
+                                    <dgm:param type="bendPt" val="end"/>
+                                    <dgm:param type="srcNode" val="bottomArc1"/>
+                                    <dgm:param type="dstNode" val="topArc2"/>
+                                  </dgm:alg>
+                                </dgm:if>
+                                <dgm:if name="Name52" axis="par" ptType="asst" func="cnt" op="equ" val="1">
+                                  <dgm:alg type="conn">
+                                    <dgm:param type="connRout" val="bend"/>
+                                    <dgm:param type="dim" val="1D"/>
+                                    <dgm:param type="endSty" val="noArr"/>
+                                    <dgm:param type="begPts" val="bCtr"/>
+                                    <dgm:param type="endPts" val="tCtr"/>
+                                    <dgm:param type="bendPt" val="end"/>
+                                    <dgm:param type="srcNode" val="bottomArc3"/>
+                                    <dgm:param type="dstNode" val="topArc2"/>
+                                  </dgm:alg>
+                                </dgm:if>
+                                <dgm:else name="Name53">
+                                  <dgm:alg type="conn">
+                                    <dgm:param type="connRout" val="bend"/>
+                                    <dgm:param type="dim" val="1D"/>
+                                    <dgm:param type="endSty" val="noArr"/>
+                                    <dgm:param type="begPts" val="bCtr"/>
+                                    <dgm:param type="endPts" val="tCtr"/>
+                                    <dgm:param type="bendPt" val="end"/>
+                                    <dgm:param type="srcNode" val="bottomArc2"/>
+                                    <dgm:param type="dstNode" val="topArc2"/>
+                                  </dgm:alg>
+                                </dgm:else>
+                              </dgm:choose>
+                            </dgm:else>
+                          </dgm:choose>
+                        </dgm:else>
+                      </dgm:choose>
+                    </dgm:if>
+                    <dgm:else name="Name54">
+                      <dgm:choose name="Name55">
+                        <dgm:if name="Name56" axis="self" func="depth" op="lte" val="2">
+                          <dgm:alg type="conn">
+                            <dgm:param type="connRout" val="bend"/>
+                            <dgm:param type="dim" val="1D"/>
+                            <dgm:param type="endSty" val="noArr"/>
+                            <dgm:param type="begPts" val="bCtr"/>
+                            <dgm:param type="endPts" val="bL bR"/>
+                            <dgm:param type="srcNode" val="bottomArc1"/>
+                            <dgm:param type="dstNode" val="topConnNode2"/>
+                          </dgm:alg>
+                        </dgm:if>
+                        <dgm:if name="Name57" axis="par" ptType="asst" func="cnt" op="equ" val="1">
+                          <dgm:alg type="conn">
+                            <dgm:param type="connRout" val="bend"/>
+                            <dgm:param type="dim" val="1D"/>
+                            <dgm:param type="endSty" val="noArr"/>
+                            <dgm:param type="begPts" val="bCtr"/>
+                            <dgm:param type="endPts" val="bL bR"/>
+                            <dgm:param type="srcNode" val="bottomArc3"/>
+                            <dgm:param type="dstNode" val="topConnNode2"/>
+                          </dgm:alg>
+                        </dgm:if>
+                        <dgm:else name="Name58">
+                          <dgm:alg type="conn">
+                            <dgm:param type="connRout" val="bend"/>
+                            <dgm:param type="dim" val="1D"/>
+                            <dgm:param type="endSty" val="noArr"/>
+                            <dgm:param type="begPts" val="bCtr"/>
+                            <dgm:param type="endPts" val="bL bR"/>
+                            <dgm:param type="srcNode" val="bottomArc2"/>
+                            <dgm:param type="dstNode" val="topConnNode2"/>
+                          </dgm:alg>
+                        </dgm:else>
+                      </dgm:choose>
+                    </dgm:else>
+                  </dgm:choose>
+                  <dgm:shape xmlns:r="http://schemas.openxmlformats.org/officeDocument/2006/relationships" type="conn" r:blip="" zOrderOff="-99999">
+                    <dgm:adjLst/>
+                  </dgm:shape>
+                  <dgm:presOf axis="self"/>
+                  <dgm:constrLst>
+                    <dgm:constr type="begPad"/>
+                    <dgm:constr type="endPad"/>
+                  </dgm:constrLst>
+                </dgm:layoutNode>
+              </dgm:forEach>
+              <dgm:layoutNode name="hierRoot2">
+                <dgm:varLst>
+                  <dgm:hierBranch val="init"/>
+                </dgm:varLst>
+                <dgm:choose name="Name59">
+                  <dgm:if name="Name60" func="var" arg="hierBranch" op="equ" val="l">
+                    <dgm:alg type="hierRoot">
+                      <dgm:param type="hierAlign" val="tR"/>
+                    </dgm:alg>
+                    <dgm:shape xmlns:r="http://schemas.openxmlformats.org/officeDocument/2006/relationships" r:blip="">
+                      <dgm:adjLst/>
+                    </dgm:shape>
+                    <dgm:presOf/>
+                    <dgm:constrLst>
+                      <dgm:constr type="alignOff" val="0.65"/>
+                    </dgm:constrLst>
+                  </dgm:if>
+                  <dgm:if name="Name61" func="var" arg="hierBranch" op="equ" val="r">
+                    <dgm:alg type="hierRoot">
+                      <dgm:param type="hierAlign" val="tL"/>
+                    </dgm:alg>
+                    <dgm:shape xmlns:r="http://schemas.openxmlformats.org/officeDocument/2006/relationships" r:blip="">
+                      <dgm:adjLst/>
+                    </dgm:shape>
+                    <dgm:presOf/>
+                    <dgm:constrLst>
+                      <dgm:constr type="alignOff" val="0.65"/>
+                    </dgm:constrLst>
+                  </dgm:if>
+                  <dgm:if name="Name62" func="var" arg="hierBranch" op="equ" val="std">
+                    <dgm:alg type="hierRoot"/>
+                    <dgm:shape xmlns:r="http://schemas.openxmlformats.org/officeDocument/2006/relationships" r:blip="">
+                      <dgm:adjLst/>
+                    </dgm:shape>
+                    <dgm:presOf/>
+                    <dgm:constrLst>
+                      <dgm:constr type="alignOff"/>
+                      <dgm:constr type="bendDist" for="des" ptType="parTrans" refType="sp" fact="0.5"/>
+                    </dgm:constrLst>
+                  </dgm:if>
+                  <dgm:if name="Name63" func="var" arg="hierBranch" op="equ" val="init">
+                    <dgm:choose name="Name64">
+                      <dgm:if name="Name65" axis="des" func="maxDepth" op="lte" val="1">
+                        <dgm:alg type="hierRoot">
+                          <dgm:param type="hierAlign" val="tL"/>
+                        </dgm:alg>
+                        <dgm:shape xmlns:r="http://schemas.openxmlformats.org/officeDocument/2006/relationships" r:blip="">
+                          <dgm:adjLst/>
+                        </dgm:shape>
+                        <dgm:presOf/>
+                        <dgm:constrLst>
+                          <dgm:constr type="alignOff" val="0.65"/>
+                        </dgm:constrLst>
+                      </dgm:if>
+                      <dgm:else name="Name66">
+                        <dgm:alg type="hierRoot"/>
+                        <dgm:shape xmlns:r="http://schemas.openxmlformats.org/officeDocument/2006/relationships" r:blip="">
+                          <dgm:adjLst/>
+                        </dgm:shape>
+                        <dgm:presOf/>
+                        <dgm:constrLst>
+                          <dgm:constr type="alignOff"/>
+                          <dgm:constr type="bendDist" for="des" ptType="parTrans" refType="sp" fact="0.5"/>
+                        </dgm:constrLst>
+                      </dgm:else>
+                    </dgm:choose>
+                  </dgm:if>
+                  <dgm:else name="Name67">
+                    <dgm:alg type="hierRoot"/>
+                    <dgm:shape xmlns:r="http://schemas.openxmlformats.org/officeDocument/2006/relationships" r:blip="">
+                      <dgm:adjLst/>
+                    </dgm:shape>
+                    <dgm:presOf/>
+                    <dgm:constrLst>
+                      <dgm:constr type="alignOff" val="0.65"/>
+                    </dgm:constrLst>
+                  </dgm:else>
+                </dgm:choose>
+                <dgm:layoutNode name="rootComposite2">
+                  <dgm:alg type="composite"/>
+                  <dgm:shape xmlns:r="http://schemas.openxmlformats.org/officeDocument/2006/relationships" r:blip="">
+                    <dgm:adjLst/>
+                  </dgm:shape>
+                  <dgm:presOf axis="self" ptType="node" cnt="1"/>
+                  <dgm:choose name="Name68">
+                    <dgm:if name="Name69" func="var" arg="hierBranch" op="equ" val="init">
+                      <dgm:constrLst>
+                        <dgm:constr type="l" for="ch" forName="rootText2"/>
+                        <dgm:constr type="t" for="ch" forName="rootText2" refType="h" fact="0.18"/>
+                        <dgm:constr type="w" for="ch" forName="rootText2" refType="w"/>
+                        <dgm:constr type="h" for="ch" forName="rootText2" refType="h" fact="0.64"/>
+                        <dgm:constr type="l" for="ch" forName="topArc2" refType="w" fact="0.25"/>
+                        <dgm:constr type="t" for="ch" forName="topArc2"/>
+                        <dgm:constr type="w" for="ch" forName="topArc2" refType="h" refFor="ch" refForName="topArc2"/>
+                        <dgm:constr type="h" for="ch" forName="topArc2" refType="h"/>
+                        <dgm:constr type="l" for="ch" forName="bottomArc2" refType="w" fact="0.25"/>
+                        <dgm:constr type="t" for="ch" forName="bottomArc2"/>
+                        <dgm:constr type="w" for="ch" forName="bottomArc2" refType="h" refFor="ch" refForName="bottomArc2"/>
+                        <dgm:constr type="h" for="ch" forName="bottomArc2" refType="h"/>
+                        <dgm:constr type="ctrX" for="ch" forName="topConnNode2" refType="w" fact="0.5"/>
+                        <dgm:constr type="t" for="ch" forName="topConnNode2"/>
+                        <dgm:constr type="w" for="ch" forName="topConnNode2" refType="h" fact="0.76"/>
+                        <dgm:constr type="b" for="ch" forName="topConnNode2" refType="t" refFor="ch" refForName="rootText2"/>
+                      </dgm:constrLst>
+                    </dgm:if>
+                    <dgm:if name="Name70" func="var" arg="hierBranch" op="equ" val="l">
+                      <dgm:constrLst>
+                        <dgm:constr type="l" for="ch" forName="rootText2"/>
+                        <dgm:constr type="t" for="ch" forName="rootText2" refType="h" fact="0.18"/>
+                        <dgm:constr type="w" for="ch" forName="rootText2" refType="w"/>
+                        <dgm:constr type="h" for="ch" forName="rootText2" refType="h" fact="0.64"/>
+                        <dgm:constr type="l" for="ch" forName="topArc2" refType="w" fact="0.25"/>
+                        <dgm:constr type="t" for="ch" forName="topArc2"/>
+                        <dgm:constr type="w" for="ch" forName="topArc2" refType="h" refFor="ch" refForName="topArc2"/>
+                        <dgm:constr type="h" for="ch" forName="topArc2" refType="h"/>
+                        <dgm:constr type="l" for="ch" forName="bottomArc2" refType="w" fact="0.25"/>
+                        <dgm:constr type="t" for="ch" forName="bottomArc2"/>
+                        <dgm:constr type="w" for="ch" forName="bottomArc2" refType="h" refFor="ch" refForName="bottomArc2"/>
+                        <dgm:constr type="h" for="ch" forName="bottomArc2" refType="h"/>
+                        <dgm:constr type="ctrX" for="ch" forName="topConnNode2" refType="w" fact="0.5"/>
+                        <dgm:constr type="t" for="ch" forName="topConnNode2"/>
+                        <dgm:constr type="w" for="ch" forName="topConnNode2" refType="h" fact="0.76"/>
+                        <dgm:constr type="b" for="ch" forName="topConnNode2" refType="t" refFor="ch" refForName="rootText2"/>
+                      </dgm:constrLst>
+                    </dgm:if>
+                    <dgm:if name="Name71" func="var" arg="hierBranch" op="equ" val="r">
+                      <dgm:constrLst>
+                        <dgm:constr type="l" for="ch" forName="rootText2"/>
+                        <dgm:constr type="t" for="ch" forName="rootText2" refType="h" fact="0.18"/>
+                        <dgm:constr type="w" for="ch" forName="rootText2" refType="w"/>
+                        <dgm:constr type="h" for="ch" forName="rootText2" refType="h" fact="0.64"/>
+                        <dgm:constr type="l" for="ch" forName="topArc2" refType="w" fact="0.25"/>
+                        <dgm:constr type="t" for="ch" forName="topArc2"/>
+                        <dgm:constr type="w" for="ch" forName="topArc2" refType="h" refFor="ch" refForName="topArc2"/>
+                        <dgm:constr type="h" for="ch" forName="topArc2" refType="h"/>
+                        <dgm:constr type="l" for="ch" forName="bottomArc2" refType="w" fact="0.25"/>
+                        <dgm:constr type="t" for="ch" forName="bottomArc2"/>
+                        <dgm:constr type="w" for="ch" forName="bottomArc2" refType="h" refFor="ch" refForName="bottomArc2"/>
+                        <dgm:constr type="h" for="ch" forName="bottomArc2" refType="h"/>
+                        <dgm:constr type="ctrX" for="ch" forName="topConnNode2" refType="w" fact="0.5"/>
+                        <dgm:constr type="t" for="ch" forName="topConnNode2"/>
+                        <dgm:constr type="w" for="ch" forName="topConnNode2" refType="h" fact="0.76"/>
+                        <dgm:constr type="b" for="ch" forName="topConnNode2" refType="t" refFor="ch" refForName="rootText2"/>
+                      </dgm:constrLst>
+                    </dgm:if>
+                    <dgm:else name="Name72">
+                      <dgm:constrLst>
+                        <dgm:constr type="l" for="ch" forName="rootText2"/>
+                        <dgm:constr type="t" for="ch" forName="rootText2" refType="h" fact="0.18"/>
+                        <dgm:constr type="w" for="ch" forName="rootText2" refType="w"/>
+                        <dgm:constr type="h" for="ch" forName="rootText2" refType="h" fact="0.64"/>
+                        <dgm:constr type="l" for="ch" forName="topArc2" refType="w" fact="0.25"/>
+                        <dgm:constr type="t" for="ch" forName="topArc2"/>
+                        <dgm:constr type="w" for="ch" forName="topArc2" refType="h" refFor="ch" refForName="topArc2"/>
+                        <dgm:constr type="h" for="ch" forName="topArc2" refType="h"/>
+                        <dgm:constr type="l" for="ch" forName="bottomArc2" refType="w" fact="0.25"/>
+                        <dgm:constr type="t" for="ch" forName="bottomArc2"/>
+                        <dgm:constr type="w" for="ch" forName="bottomArc2" refType="h" refFor="ch" refForName="bottomArc2"/>
+                        <dgm:constr type="h" for="ch" forName="bottomArc2" refType="h"/>
+                        <dgm:constr type="ctrX" for="ch" forName="topConnNode2" refType="w" fact="0.5"/>
+                        <dgm:constr type="t" for="ch" forName="topConnNode2"/>
+                        <dgm:constr type="w" for="ch" forName="topConnNode2" refType="h" fact="0.76"/>
+                        <dgm:constr type="b" for="ch" forName="topConnNode2" refType="t" refFor="ch" refForName="rootText2"/>
+                      </dgm:constrLst>
+                    </dgm:else>
+                  </dgm:choose>
+                  <dgm:layoutNode name="rootText2" styleLbl="alignAcc1">
+                    <dgm:varLst>
+                      <dgm:chPref val="3"/>
+                    </dgm:varLst>
+                    <dgm:alg type="tx"/>
+                    <dgm:shape xmlns:r="http://schemas.openxmlformats.org/officeDocument/2006/relationships" type="rect" r:blip="" hideGeom="1">
+                      <dgm:adjLst/>
+                    </dgm:shape>
+                    <dgm:presOf axis="self" ptType="node" cnt="1"/>
+                    <dgm:constrLst>
+                      <dgm:constr type="primFontSz" val="65"/>
+                      <dgm:constr type="lMarg" refType="primFontSz" fact="0.05"/>
+                      <dgm:constr type="rMarg" refType="primFontSz" fact="0.05"/>
+                      <dgm:constr type="tMarg" refType="primFontSz" fact="0.05"/>
+                      <dgm:constr type="bMarg" refType="primFontSz" fact="0.05"/>
+                    </dgm:constrLst>
+                    <dgm:ruleLst>
+                      <dgm:rule type="primFontSz" val="5" fact="NaN" max="NaN"/>
+                    </dgm:ruleLst>
+                  </dgm:layoutNode>
+                  <dgm:layoutNode name="topArc2" styleLbl="parChTrans1D1" moveWith="rootText2">
+                    <dgm:alg type="sp"/>
+                    <dgm:shape xmlns:r="http://schemas.openxmlformats.org/officeDocument/2006/relationships" type="arc" r:blip="" zOrderOff="-2">
+                      <dgm:adjLst>
+                        <dgm:adj idx="1" val="-140"/>
+                        <dgm:adj idx="2" val="-40"/>
+                      </dgm:adjLst>
+                    </dgm:shape>
+                    <dgm:presOf/>
+                  </dgm:layoutNode>
+                  <dgm:layoutNode name="bottomArc2" styleLbl="parChTrans1D1" moveWith="rootText2">
+                    <dgm:alg type="sp"/>
+                    <dgm:shape xmlns:r="http://schemas.openxmlformats.org/officeDocument/2006/relationships" type="arc" r:blip="" zOrderOff="-2">
+                      <dgm:adjLst>
+                        <dgm:adj idx="1" val="40"/>
+                        <dgm:adj idx="2" val="140"/>
+                      </dgm:adjLst>
+                    </dgm:shape>
+                    <dgm:presOf/>
+                  </dgm:layoutNode>
+                  <dgm:layoutNode name="topConnNode2" moveWith="rootText2">
+                    <dgm:alg type="sp"/>
+                    <dgm:shape xmlns:r="http://schemas.openxmlformats.org/officeDocument/2006/relationships" type="rect" r:blip="" hideGeom="1">
+                      <dgm:adjLst/>
+                    </dgm:shape>
+                    <dgm:presOf axis="self" ptType="node" cnt="1"/>
+                  </dgm:layoutNode>
+                </dgm:layoutNode>
+                <dgm:layoutNode name="hierChild4">
+                  <dgm:choose name="Name73">
+                    <dgm:if name="Name74" func="var" arg="hierBranch" op="equ" val="l">
+                      <dgm:alg type="hierChild">
+                        <dgm:param type="chAlign" val="r"/>
+                        <dgm:param type="linDir" val="fromT"/>
+                      </dgm:alg>
+                    </dgm:if>
+                    <dgm:if name="Name75" func="var" arg="hierBranch" op="equ" val="r">
+                      <dgm:alg type="hierChild">
+                        <dgm:param type="chAlign" val="l"/>
+                        <dgm:param type="linDir" val="fromT"/>
+                      </dgm:alg>
+                    </dgm:if>
+                    <dgm:if name="Name76" func="var" arg="hierBranch" op="equ" val="hang">
+                      <dgm:choose name="Name77">
+                        <dgm:if name="Name78" func="var" arg="dir" op="equ" val="norm">
+                          <dgm:alg type="hierChild">
+                            <dgm:param type="chAlign" val="l"/>
+                            <dgm:param type="linDir" val="fromL"/>
+                            <dgm:param type="secChAlign" val="t"/>
+                            <dgm:param type="secLinDir" val="fromT"/>
+                          </dgm:alg>
+                        </dgm:if>
+                        <dgm:else name="Name79">
+                          <dgm:alg type="hierChild">
+                            <dgm:param type="chAlign" val="l"/>
+                            <dgm:param type="linDir" val="fromR"/>
+                            <dgm:param type="secChAlign" val="t"/>
+                            <dgm:param type="secLinDir" val="fromT"/>
+                          </dgm:alg>
+                        </dgm:else>
+                      </dgm:choose>
+                    </dgm:if>
+                    <dgm:if name="Name80" func="var" arg="hierBranch" op="equ" val="std">
+                      <dgm:choose name="Name81">
+                        <dgm:if name="Name82" func="var" arg="dir" op="equ" val="norm">
+                          <dgm:alg type="hierChild"/>
+                        </dgm:if>
+                        <dgm:else name="Name83">
+                          <dgm:alg type="hierChild">
+                            <dgm:param type="linDir" val="fromR"/>
+                          </dgm:alg>
+                        </dgm:else>
+                      </dgm:choose>
+                    </dgm:if>
+                    <dgm:if name="Name84" func="var" arg="hierBranch" op="equ" val="init">
+                      <dgm:choose name="Name85">
+                        <dgm:if name="Name86" axis="des" func="maxDepth" op="lte" val="1">
+                          <dgm:alg type="hierChild">
+                            <dgm:param type="chAlign" val="l"/>
+                            <dgm:param type="linDir" val="fromT"/>
+                          </dgm:alg>
+                        </dgm:if>
+                        <dgm:else name="Name87">
+                          <dgm:choose name="Name88">
+                            <dgm:if name="Name89" func="var" arg="dir" op="equ" val="norm">
+                              <dgm:alg type="hierChild"/>
+                            </dgm:if>
+                            <dgm:else name="Name90">
+                              <dgm:alg type="hierChild">
+                                <dgm:param type="linDir" val="fromR"/>
+                              </dgm:alg>
+                            </dgm:else>
+                          </dgm:choose>
+                        </dgm:else>
+                      </dgm:choose>
+                    </dgm:if>
+                    <dgm:else name="Name91"/>
+                  </dgm:choose>
+                  <dgm:shape xmlns:r="http://schemas.openxmlformats.org/officeDocument/2006/relationships" r:blip="">
+                    <dgm:adjLst/>
+                  </dgm:shape>
+                  <dgm:presOf/>
+                  <dgm:forEach name="Name92" ref="rep2a"/>
+                </dgm:layoutNode>
+                <dgm:layoutNode name="hierChild5">
+                  <dgm:choose name="Name93">
+                    <dgm:if name="Name94" func="var" arg="dir" op="equ" val="norm">
+                      <dgm:alg type="hierChild">
+                        <dgm:param type="chAlign" val="l"/>
+                        <dgm:param type="linDir" val="fromL"/>
+                        <dgm:param type="secChAlign" val="t"/>
+                        <dgm:param type="secLinDir" val="fromT"/>
+                      </dgm:alg>
+                    </dgm:if>
+                    <dgm:else name="Name95">
+                      <dgm:alg type="hierChild">
+                        <dgm:param type="chAlign" val="l"/>
+                        <dgm:param type="linDir" val="fromR"/>
+                        <dgm:param type="secChAlign" val="t"/>
+                        <dgm:param type="secLinDir" val="fromT"/>
+                      </dgm:alg>
+                    </dgm:else>
+                  </dgm:choose>
+                  <dgm:shape xmlns:r="http://schemas.openxmlformats.org/officeDocument/2006/relationships" r:blip="">
+                    <dgm:adjLst/>
+                  </dgm:shape>
+                  <dgm:presOf/>
+                  <dgm:forEach name="Name96" ref="rep2b"/>
+                </dgm:layoutNode>
+              </dgm:layoutNode>
+            </dgm:forEach>
+          </dgm:layoutNode>
+          <dgm:layoutNode name="hierChild3">
+            <dgm:choose name="Name97">
+              <dgm:if name="Name98" func="var" arg="dir" op="equ" val="norm">
+                <dgm:alg type="hierChild">
+                  <dgm:param type="chAlign" val="l"/>
+                  <dgm:param type="linDir" val="fromL"/>
+                  <dgm:param type="secChAlign" val="t"/>
+                  <dgm:param type="secLinDir" val="fromT"/>
+                </dgm:alg>
+              </dgm:if>
+              <dgm:else name="Name99">
+                <dgm:alg type="hierChild">
+                  <dgm:param type="chAlign" val="l"/>
+                  <dgm:param type="linDir" val="fromR"/>
+                  <dgm:param type="secChAlign" val="t"/>
+                  <dgm:param type="secLinDir" val="fromT"/>
+                </dgm:alg>
+              </dgm:else>
+            </dgm:choose>
+            <dgm:shape xmlns:r="http://schemas.openxmlformats.org/officeDocument/2006/relationships" r:blip="">
+              <dgm:adjLst/>
+            </dgm:shape>
+            <dgm:presOf/>
+            <dgm:forEach name="rep2b" axis="ch" ptType="asst">
+              <dgm:forEach name="Name100" axis="precedSib" ptType="parTrans" st="-1" cnt="1">
+                <dgm:layoutNode name="Name101">
+                  <dgm:choose name="Name102">
+                    <dgm:if name="Name103" axis="self" func="depth" op="lte" val="2">
+                      <dgm:alg type="conn">
+                        <dgm:param type="connRout" val="bend"/>
+                        <dgm:param type="dim" val="1D"/>
+                        <dgm:param type="endSty" val="noArr"/>
+                        <dgm:param type="begPts" val="bCtr"/>
+                        <dgm:param type="endPts" val="bL bR"/>
+                        <dgm:param type="srcNode" val="bottomArc1"/>
+                        <dgm:param type="dstNode" val="topConnNode3"/>
+                      </dgm:alg>
+                    </dgm:if>
+                    <dgm:if name="Name104" axis="par" ptType="asst" func="cnt" op="equ" val="1">
+                      <dgm:alg type="conn">
+                        <dgm:param type="connRout" val="bend"/>
+                        <dgm:param type="dim" val="1D"/>
+                        <dgm:param type="endSty" val="noArr"/>
+                        <dgm:param type="begPts" val="bCtr"/>
+                        <dgm:param type="endPts" val="bL bR"/>
+                        <dgm:param type="srcNode" val="bottomArc3"/>
+                        <dgm:param type="dstNode" val="topConnNode3"/>
+                      </dgm:alg>
+                    </dgm:if>
+                    <dgm:else name="Name105">
+                      <dgm:alg type="conn">
+                        <dgm:param type="connRout" val="bend"/>
+                        <dgm:param type="dim" val="1D"/>
+                        <dgm:param type="endSty" val="noArr"/>
+                        <dgm:param type="begPts" val="bCtr"/>
+                        <dgm:param type="endPts" val="bL bR"/>
+                        <dgm:param type="srcNode" val="bottomArc2"/>
+                        <dgm:param type="dstNode" val="topConnNode3"/>
+                      </dgm:alg>
+                    </dgm:else>
+                  </dgm:choose>
+                  <dgm:shape xmlns:r="http://schemas.openxmlformats.org/officeDocument/2006/relationships" type="conn" r:blip="" zOrderOff="-99999">
+                    <dgm:adjLst/>
+                  </dgm:shape>
+                  <dgm:presOf axis="self"/>
+                  <dgm:constrLst>
+                    <dgm:constr type="begPad"/>
+                    <dgm:constr type="endPad"/>
+                  </dgm:constrLst>
+                </dgm:layoutNode>
+              </dgm:forEach>
+              <dgm:layoutNode name="hierRoot3">
+                <dgm:varLst>
+                  <dgm:hierBranch val="init"/>
+                </dgm:varLst>
+                <dgm:choose name="Name106">
+                  <dgm:if name="Name107" func="var" arg="hierBranch" op="equ" val="l">
+                    <dgm:alg type="hierRoot">
+                      <dgm:param type="hierAlign" val="tR"/>
+                    </dgm:alg>
+                    <dgm:shape xmlns:r="http://schemas.openxmlformats.org/officeDocument/2006/relationships" r:blip="">
+                      <dgm:adjLst/>
+                    </dgm:shape>
+                    <dgm:presOf/>
+                    <dgm:constrLst>
+                      <dgm:constr type="alignOff" val="0.65"/>
+                    </dgm:constrLst>
+                  </dgm:if>
+                  <dgm:if name="Name108" func="var" arg="hierBranch" op="equ" val="r">
+                    <dgm:alg type="hierRoot">
+                      <dgm:param type="hierAlign" val="tL"/>
+                    </dgm:alg>
+                    <dgm:shape xmlns:r="http://schemas.openxmlformats.org/officeDocument/2006/relationships" r:blip="">
+                      <dgm:adjLst/>
+                    </dgm:shape>
+                    <dgm:presOf/>
+                    <dgm:constrLst>
+                      <dgm:constr type="alignOff" val="0.65"/>
+                    </dgm:constrLst>
+                  </dgm:if>
+                  <dgm:if name="Name109" func="var" arg="hierBranch" op="equ" val="hang">
+                    <dgm:alg type="hierRoot"/>
+                    <dgm:shape xmlns:r="http://schemas.openxmlformats.org/officeDocument/2006/relationships" r:blip="">
+                      <dgm:adjLst/>
+                    </dgm:shape>
+                    <dgm:presOf/>
+                    <dgm:constrLst>
+                      <dgm:constr type="alignOff" val="0.65"/>
+                    </dgm:constrLst>
+                  </dgm:if>
+                  <dgm:if name="Name110" func="var" arg="hierBranch" op="equ" val="std">
+                    <dgm:alg type="hierRoot"/>
+                    <dgm:shape xmlns:r="http://schemas.openxmlformats.org/officeDocument/2006/relationships" r:blip="">
+                      <dgm:adjLst/>
+                    </dgm:shape>
+                    <dgm:presOf/>
+                    <dgm:constrLst>
+                      <dgm:constr type="alignOff"/>
+                      <dgm:constr type="bendDist" for="des" ptType="parTrans" refType="sp" fact="0.5"/>
+                    </dgm:constrLst>
+                  </dgm:if>
+                  <dgm:if name="Name111" func="var" arg="hierBranch" op="equ" val="init">
+                    <dgm:choose name="Name112">
+                      <dgm:if name="Name113" axis="des" func="maxDepth" op="lte" val="1">
+                        <dgm:alg type="hierRoot">
+                          <dgm:param type="hierAlign" val="tL"/>
+                        </dgm:alg>
+                        <dgm:shape xmlns:r="http://schemas.openxmlformats.org/officeDocument/2006/relationships" r:blip="">
+                          <dgm:adjLst/>
+                        </dgm:shape>
+                        <dgm:presOf/>
+                        <dgm:constrLst>
+                          <dgm:constr type="alignOff" val="0.65"/>
+                        </dgm:constrLst>
+                      </dgm:if>
+                      <dgm:else name="Name114">
+                        <dgm:alg type="hierRoot"/>
+                        <dgm:shape xmlns:r="http://schemas.openxmlformats.org/officeDocument/2006/relationships" r:blip="">
+                          <dgm:adjLst/>
+                        </dgm:shape>
+                        <dgm:presOf/>
+                        <dgm:constrLst>
+                          <dgm:constr type="alignOff"/>
+                          <dgm:constr type="bendDist" for="des" ptType="parTrans" refType="sp" fact="0.5"/>
+                        </dgm:constrLst>
+                      </dgm:else>
+                    </dgm:choose>
+                  </dgm:if>
+                  <dgm:else name="Name115"/>
+                </dgm:choose>
+                <dgm:layoutNode name="rootComposite3">
+                  <dgm:alg type="composite"/>
+                  <dgm:shape xmlns:r="http://schemas.openxmlformats.org/officeDocument/2006/relationships" r:blip="">
+                    <dgm:adjLst/>
+                  </dgm:shape>
+                  <dgm:presOf axis="self" ptType="node" cnt="1"/>
+                  <dgm:choose name="Name116">
+                    <dgm:if name="Name117" func="var" arg="hierBranch" op="equ" val="init">
+                      <dgm:constrLst>
+                        <dgm:constr type="l" for="ch" forName="rootText3"/>
+                        <dgm:constr type="t" for="ch" forName="rootText3" refType="h" fact="0.18"/>
+                        <dgm:constr type="w" for="ch" forName="rootText3" refType="w"/>
+                        <dgm:constr type="h" for="ch" forName="rootText3" refType="h" fact="0.64"/>
+                        <dgm:constr type="l" for="ch" forName="topArc3" refType="w" fact="0.25"/>
+                        <dgm:constr type="t" for="ch" forName="topArc3"/>
+                        <dgm:constr type="w" for="ch" forName="topArc3" refType="h" refFor="ch" refForName="topArc3"/>
+                        <dgm:constr type="h" for="ch" forName="topArc3" refType="h"/>
+                        <dgm:constr type="l" for="ch" forName="bottomArc3" refType="w" fact="0.25"/>
+                        <dgm:constr type="t" for="ch" forName="bottomArc3"/>
+                        <dgm:constr type="w" for="ch" forName="bottomArc3" refType="h" refFor="ch" refForName="bottomArc3"/>
+                        <dgm:constr type="h" for="ch" forName="bottomArc3" refType="h"/>
+                        <dgm:constr type="ctrX" for="ch" forName="topConnNode3" refType="w" fact="0.5"/>
+                        <dgm:constr type="t" for="ch" forName="topConnNode3"/>
+                        <dgm:constr type="w" for="ch" forName="topConnNode3" refType="h" fact="0.76"/>
+                        <dgm:constr type="b" for="ch" forName="topConnNode3" refType="t" refFor="ch" refForName="rootText3"/>
+                      </dgm:constrLst>
+                    </dgm:if>
+                    <dgm:if name="Name118" func="var" arg="hierBranch" op="equ" val="l">
+                      <dgm:constrLst>
+                        <dgm:constr type="l" for="ch" forName="rootText3"/>
+                        <dgm:constr type="t" for="ch" forName="rootText3" refType="h" fact="0.18"/>
+                        <dgm:constr type="w" for="ch" forName="rootText3" refType="w"/>
+                        <dgm:constr type="h" for="ch" forName="rootText3" refType="h" fact="0.64"/>
+                        <dgm:constr type="l" for="ch" forName="topArc3" refType="w" fact="0.25"/>
+                        <dgm:constr type="t" for="ch" forName="topArc3"/>
+                        <dgm:constr type="w" for="ch" forName="topArc3" refType="h" refFor="ch" refForName="topArc3"/>
+                        <dgm:constr type="h" for="ch" forName="topArc3" refType="h"/>
+                        <dgm:constr type="l" for="ch" forName="bottomArc3" refType="w" fact="0.25"/>
+                        <dgm:constr type="t" for="ch" forName="bottomArc3"/>
+                        <dgm:constr type="w" for="ch" forName="bottomArc3" refType="h" refFor="ch" refForName="bottomArc3"/>
+                        <dgm:constr type="h" for="ch" forName="bottomArc3" refType="h"/>
+                        <dgm:constr type="ctrX" for="ch" forName="topConnNode3" refType="w" fact="0.5"/>
+                        <dgm:constr type="t" for="ch" forName="topConnNode3"/>
+                        <dgm:constr type="w" for="ch" forName="topConnNode3" refType="h" fact="0.76"/>
+                        <dgm:constr type="b" for="ch" forName="topConnNode3" refType="t" refFor="ch" refForName="rootText3"/>
+                      </dgm:constrLst>
+                    </dgm:if>
+                    <dgm:if name="Name119" func="var" arg="hierBranch" op="equ" val="r">
+                      <dgm:constrLst>
+                        <dgm:constr type="l" for="ch" forName="rootText3"/>
+                        <dgm:constr type="t" for="ch" forName="rootText3" refType="h" fact="0.18"/>
+                        <dgm:constr type="w" for="ch" forName="rootText3" refType="w"/>
+                        <dgm:constr type="h" for="ch" forName="rootText3" refType="h" fact="0.64"/>
+                        <dgm:constr type="l" for="ch" forName="topArc3" refType="w" fact="0.25"/>
+                        <dgm:constr type="t" for="ch" forName="topArc3"/>
+                        <dgm:constr type="w" for="ch" forName="topArc3" refType="h" refFor="ch" refForName="topArc3"/>
+                        <dgm:constr type="h" for="ch" forName="topArc3" refType="h"/>
+                        <dgm:constr type="l" for="ch" forName="bottomArc3" refType="w" fact="0.25"/>
+                        <dgm:constr type="t" for="ch" forName="bottomArc3"/>
+                        <dgm:constr type="w" for="ch" forName="bottomArc3" refType="h" refFor="ch" refForName="bottomArc3"/>
+                        <dgm:constr type="h" for="ch" forName="bottomArc3" refType="h"/>
+                        <dgm:constr type="ctrX" for="ch" forName="topConnNode3" refType="w" fact="0.5"/>
+                        <dgm:constr type="t" for="ch" forName="topConnNode3"/>
+                        <dgm:constr type="w" for="ch" forName="topConnNode3" refType="h" fact="0.76"/>
+                        <dgm:constr type="b" for="ch" forName="topConnNode3" refType="t" refFor="ch" refForName="rootText3"/>
+                      </dgm:constrLst>
+                    </dgm:if>
+                    <dgm:else name="Name120">
+                      <dgm:constrLst>
+                        <dgm:constr type="l" for="ch" forName="rootText3"/>
+                        <dgm:constr type="t" for="ch" forName="rootText3" refType="h" fact="0.18"/>
+                        <dgm:constr type="w" for="ch" forName="rootText3" refType="w"/>
+                        <dgm:constr type="h" for="ch" forName="rootText3" refType="h" fact="0.64"/>
+                        <dgm:constr type="l" for="ch" forName="topArc3" refType="w" fact="0.25"/>
+                        <dgm:constr type="t" for="ch" forName="topArc3"/>
+                        <dgm:constr type="w" for="ch" forName="topArc3" refType="h" refFor="ch" refForName="topArc3"/>
+                        <dgm:constr type="h" for="ch" forName="topArc3" refType="h"/>
+                        <dgm:constr type="l" for="ch" forName="bottomArc3" refType="w" fact="0.25"/>
+                        <dgm:constr type="t" for="ch" forName="bottomArc3"/>
+                        <dgm:constr type="w" for="ch" forName="bottomArc3" refType="h" refFor="ch" refForName="bottomArc3"/>
+                        <dgm:constr type="h" for="ch" forName="bottomArc3" refType="h"/>
+                        <dgm:constr type="ctrX" for="ch" forName="topConnNode3" refType="w" fact="0.5"/>
+                        <dgm:constr type="t" for="ch" forName="topConnNode3"/>
+                        <dgm:constr type="w" for="ch" forName="topConnNode3" refType="h" fact="0.76"/>
+                        <dgm:constr type="b" for="ch" forName="topConnNode3" refType="t" refFor="ch" refForName="rootText3"/>
+                      </dgm:constrLst>
+                    </dgm:else>
+                  </dgm:choose>
+                  <dgm:layoutNode name="rootText3" styleLbl="alignAcc1">
+                    <dgm:varLst>
+                      <dgm:chPref val="3"/>
+                    </dgm:varLst>
+                    <dgm:alg type="tx"/>
+                    <dgm:shape xmlns:r="http://schemas.openxmlformats.org/officeDocument/2006/relationships" type="rect" r:blip="" hideGeom="1">
+                      <dgm:adjLst/>
+                    </dgm:shape>
+                    <dgm:presOf axis="self" ptType="node" cnt="1"/>
+                    <dgm:constrLst>
+                      <dgm:constr type="primFontSz" val="65"/>
+                      <dgm:constr type="lMarg" refType="primFontSz" fact="0.05"/>
+                      <dgm:constr type="rMarg" refType="primFontSz" fact="0.05"/>
+                      <dgm:constr type="tMarg" refType="primFontSz" fact="0.05"/>
+                      <dgm:constr type="bMarg" refType="primFontSz" fact="0.05"/>
+                    </dgm:constrLst>
+                    <dgm:ruleLst>
+                      <dgm:rule type="primFontSz" val="5" fact="NaN" max="NaN"/>
+                    </dgm:ruleLst>
+                  </dgm:layoutNode>
+                  <dgm:layoutNode name="topArc3" styleLbl="parChTrans1D1" moveWith="rootText3">
+                    <dgm:alg type="sp"/>
+                    <dgm:shape xmlns:r="http://schemas.openxmlformats.org/officeDocument/2006/relationships" type="arc" r:blip="" zOrderOff="-2">
+                      <dgm:adjLst>
+                        <dgm:adj idx="1" val="-140"/>
+                        <dgm:adj idx="2" val="-40"/>
+                      </dgm:adjLst>
+                    </dgm:shape>
+                    <dgm:presOf/>
+                  </dgm:layoutNode>
+                  <dgm:layoutNode name="bottomArc3" styleLbl="parChTrans1D1" moveWith="rootText3">
+                    <dgm:alg type="sp"/>
+                    <dgm:shape xmlns:r="http://schemas.openxmlformats.org/officeDocument/2006/relationships" type="arc" r:blip="" zOrderOff="-2">
+                      <dgm:adjLst>
+                        <dgm:adj idx="1" val="40"/>
+                        <dgm:adj idx="2" val="140"/>
+                      </dgm:adjLst>
+                    </dgm:shape>
+                    <dgm:presOf/>
+                  </dgm:layoutNode>
+                  <dgm:layoutNode name="topConnNode3" moveWith="rootText3">
+                    <dgm:alg type="sp"/>
+                    <dgm:shape xmlns:r="http://schemas.openxmlformats.org/officeDocument/2006/relationships" type="rect" r:blip="" hideGeom="1">
+                      <dgm:adjLst/>
+                    </dgm:shape>
+                    <dgm:presOf axis="self" ptType="node" cnt="1"/>
+                  </dgm:layoutNode>
+                </dgm:layoutNode>
+                <dgm:layoutNode name="hierChild6">
+                  <dgm:choose name="Name121">
+                    <dgm:if name="Name122" func="var" arg="hierBranch" op="equ" val="l">
+                      <dgm:alg type="hierChild">
+                        <dgm:param type="chAlign" val="r"/>
+                        <dgm:param type="linDir" val="fromT"/>
+                      </dgm:alg>
+                    </dgm:if>
+                    <dgm:if name="Name123" func="var" arg="hierBranch" op="equ" val="r">
+                      <dgm:alg type="hierChild">
+                        <dgm:param type="chAlign" val="l"/>
+                        <dgm:param type="linDir" val="fromT"/>
+                      </dgm:alg>
+                    </dgm:if>
+                    <dgm:if name="Name124" func="var" arg="hierBranch" op="equ" val="hang">
+                      <dgm:choose name="Name125">
+                        <dgm:if name="Name126" func="var" arg="dir" op="equ" val="norm">
+                          <dgm:alg type="hierChild">
+                            <dgm:param type="chAlign" val="l"/>
+                            <dgm:param type="linDir" val="fromL"/>
+                            <dgm:param type="secChAlign" val="t"/>
+                            <dgm:param type="secLinDir" val="fromT"/>
+                          </dgm:alg>
+                        </dgm:if>
+                        <dgm:else name="Name127">
+                          <dgm:alg type="hierChild">
+                            <dgm:param type="chAlign" val="l"/>
+                            <dgm:param type="linDir" val="fromR"/>
+                            <dgm:param type="secChAlign" val="t"/>
+                            <dgm:param type="secLinDir" val="fromT"/>
+                          </dgm:alg>
+                        </dgm:else>
+                      </dgm:choose>
+                    </dgm:if>
+                    <dgm:if name="Name128" func="var" arg="hierBranch" op="equ" val="std">
+                      <dgm:choose name="Name129">
+                        <dgm:if name="Name130" func="var" arg="dir" op="equ" val="norm">
+                          <dgm:alg type="hierChild"/>
+                        </dgm:if>
+                        <dgm:else name="Name131">
+                          <dgm:alg type="hierChild">
+                            <dgm:param type="linDir" val="fromR"/>
+                          </dgm:alg>
+                        </dgm:else>
+                      </dgm:choose>
+                    </dgm:if>
+                    <dgm:if name="Name132" func="var" arg="hierBranch" op="equ" val="init">
+                      <dgm:choose name="Name133">
+                        <dgm:if name="Name134" axis="des" func="maxDepth" op="lte" val="1">
+                          <dgm:alg type="hierChild">
+                            <dgm:param type="chAlign" val="l"/>
+                            <dgm:param type="linDir" val="fromT"/>
+                          </dgm:alg>
+                        </dgm:if>
+                        <dgm:else name="Name135">
+                          <dgm:alg type="hierChild"/>
+                        </dgm:else>
+                      </dgm:choose>
+                    </dgm:if>
+                    <dgm:else name="Name136"/>
+                  </dgm:choose>
+                  <dgm:shape xmlns:r="http://schemas.openxmlformats.org/officeDocument/2006/relationships" r:blip="">
+                    <dgm:adjLst/>
+                  </dgm:shape>
+                  <dgm:presOf/>
+                  <dgm:forEach name="Name137" ref="rep2a"/>
+                </dgm:layoutNode>
+                <dgm:layoutNode name="hierChild7">
+                  <dgm:choose name="Name138">
+                    <dgm:if name="Name139" func="var" arg="dir" op="equ" val="norm">
+                      <dgm:alg type="hierChild">
+                        <dgm:param type="chAlign" val="l"/>
+                        <dgm:param type="linDir" val="fromL"/>
+                        <dgm:param type="secChAlign" val="t"/>
+                        <dgm:param type="secLinDir" val="fromT"/>
+                      </dgm:alg>
+                    </dgm:if>
+                    <dgm:else name="Name140">
+                      <dgm:alg type="hierChild">
+                        <dgm:param type="chAlign" val="l"/>
+                        <dgm:param type="linDir" val="fromR"/>
+                        <dgm:param type="secChAlign" val="t"/>
+                        <dgm:param type="secLinDir" val="fromT"/>
+                      </dgm:alg>
+                    </dgm:else>
+                  </dgm:choose>
+                  <dgm:shape xmlns:r="http://schemas.openxmlformats.org/officeDocument/2006/relationships" r:blip="">
+                    <dgm:adjLst/>
+                  </dgm:shape>
+                  <dgm:presOf/>
+                  <dgm:forEach name="Name141" ref="rep2b"/>
+                </dgm:layoutNode>
+              </dgm:layoutNode>
+            </dgm:forEach>
+          </dgm:layoutNode>
+        </dgm:layoutNode>
+      </dgm:forEach>
+    </dgm:forEach>
+  </dgm:layoutNode>
+</dgm:layoutDef>
+</file>
+
+<file path=ppt/diagrams/quickStyle1.xml><?xml version="1.0" encoding="utf-8"?>
+<dgm:styleDef xmlns:dgm="http://schemas.openxmlformats.org/drawingml/2006/diagram" xmlns:a="http://schemas.openxmlformats.org/drawingml/2006/main" uniqueId="urn:microsoft.com/office/officeart/2005/8/quickstyle/simple1">
+  <dgm:title val=""/>
+  <dgm:desc val=""/>
+  <dgm:catLst>
+    <dgm:cat type="simple" pri="10100"/>
+  </dgm:catLst>
+  <dgm:scene3d>
+    <a:camera prst="orthographicFront"/>
+    <a:lightRig rig="threePt" dir="t"/>
+  </dgm:scene3d>
+  <dgm:styleLbl name="node0">
+    <dgm:scene3d>
+      <a:camera prst="orthographicFront"/>
+      <a:lightRig rig="threePt" dir="t"/>
+    </dgm:scene3d>
+    <dgm:sp3d/>
+    <dgm:txPr/>
+    <dgm:style>
+      <a:lnRef idx="2">
+        <a:scrgbClr r="0" g="0" b="0"/>
+      </a:lnRef>
+      <a:fillRef idx="1">
+        <a:scrgbClr r="0" g="0" b="0"/>
+      </a:fillRef>
+      <a:effectRef idx="0">
+        <a:scrgbClr r="0" g="0" b="0"/>
+      </a:effectRef>
+      <a:fontRef idx="minor">
+        <a:schemeClr val="lt1"/>
+      </a:fontRef>
+    </dgm:style>
+  </dgm:styleLbl>
+  <dgm:styleLbl name="lnNode1">
+    <dgm:scene3d>
+      <a:camera prst="orthographicFront"/>
+      <a:lightRig rig="threePt" dir="t"/>
+    </dgm:scene3d>
+    <dgm:sp3d/>
+    <dgm:txPr/>
+    <dgm:style>
+      <a:lnRef idx="2">
+        <a:scrgbClr r="0" g="0" b="0"/>
+      </a:lnRef>
+      <a:fillRef idx="1">
+        <a:scrgbClr r="0" g="0" b="0"/>
+      </a:fillRef>
+      <a:effectRef idx="0">
+        <a:scrgbClr r="0" g="0" b="0"/>
+      </a:effectRef>
+      <a:fontRef idx="minor">
+        <a:schemeClr val="lt1"/>
+      </a:fontRef>
+    </dgm:style>
+  </dgm:styleLbl>
+  <dgm:styleLbl name="vennNode1">
+    <dgm:scene3d>
+      <a:camera prst="orthographicFront"/>
+      <a:lightRig rig="threePt" dir="t"/>
+    </dgm:scene3d>
+    <dgm:sp3d/>
+    <dgm:txPr/>
+    <dgm:style>
+      <a:lnRef idx="2">
+        <a:scrgbClr r="0" g="0" b="0"/>
+      </a:lnRef>
+      <a:fillRef idx="1">
+        <a:scrgbClr r="0" g="0" b="0"/>
+      </a:fillRef>
+      <a:effectRef idx="0">
+        <a:scrgbClr r="0" g="0" b="0"/>
+      </a:effectRef>
+      <a:fontRef idx="minor">
+        <a:schemeClr val="tx1"/>
+      </a:fontRef>
+    </dgm:style>
+  </dgm:styleLbl>
+  <dgm:styleLbl name="alignNode1">
+    <dgm:scene3d>
+      <a:camera prst="orthographicFront"/>
+      <a:lightRig rig="threePt" dir="t"/>
+    </dgm:scene3d>
+    <dgm:sp3d/>
+    <dgm:txPr/>
+    <dgm:style>
+      <a:lnRef idx="2">
+        <a:scrgbClr r="0" g="0" b="0"/>
+      </a:lnRef>
+      <a:fillRef idx="1">
+        <a:scrgbClr r="0" g="0" b="0"/>
+      </a:fillRef>
+      <a:effectRef idx="0">
+        <a:scrgbClr r="0" g="0" b="0"/>
+      </a:effectRef>
+      <a:fontRef idx="minor">
+        <a:schemeClr val="lt1"/>
+      </a:fontRef>
+    </dgm:style>
+  </dgm:styleLbl>
+  <dgm:styleLbl name="node1">
+    <dgm:scene3d>
+      <a:camera prst="orthographicFront"/>
+      <a:lightRig rig="threePt" dir="t"/>
+    </dgm:scene3d>
+    <dgm:sp3d/>
+    <dgm:txPr/>
+    <dgm:style>
+      <a:lnRef idx="2">
+        <a:scrgbClr r="0" g="0" b="0"/>
+      </a:lnRef>
+      <a:fillRef idx="1">
+        <a:scrgbClr r="0" g="0" b="0"/>
+      </a:fillRef>
+      <a:effectRef idx="0">
+        <a:scrgbClr r="0" g="0" b="0"/>
+      </a:effectRef>
+      <a:fontRef idx="minor">
+        <a:schemeClr val="lt1"/>
+      </a:fontRef>
+    </dgm:style>
+  </dgm:styleLbl>
+  <dgm:styleLbl name="node2">
+    <dgm:scene3d>
+      <a:camera prst="orthographicFront"/>
+      <a:lightRig rig="threePt" dir="t"/>
+    </dgm:scene3d>
+    <dgm:sp3d/>
+    <dgm:txPr/>
+    <dgm:style>
+      <a:lnRef idx="2">
+        <a:scrgbClr r="0" g="0" b="0"/>
+      </a:lnRef>
+      <a:fillRef idx="1">
+        <a:scrgbClr r="0" g="0" b="0"/>
+      </a:fillRef>
+      <a:effectRef idx="0">
+        <a:scrgbClr r="0" g="0" b="0"/>
+      </a:effectRef>
+      <a:fontRef idx="minor">
+        <a:schemeClr val="lt1"/>
+      </a:fontRef>
+    </dgm:style>
+  </dgm:styleLbl>
+  <dgm:styleLbl name="node3">
+    <dgm:scene3d>
+      <a:camera prst="orthographicFront"/>
+      <a:lightRig rig="threePt" dir="t"/>
+    </dgm:scene3d>
+    <dgm:sp3d/>
+    <dgm:txPr/>
+    <dgm:style>
+      <a:lnRef idx="2">
+        <a:scrgbClr r="0" g="0" b="0"/>
+      </a:lnRef>
+      <a:fillRef idx="1">
+        <a:scrgbClr r="0" g="0" b="0"/>
+      </a:fillRef>
+      <a:effectRef idx="0">
+        <a:scrgbClr r="0" g="0" b="0"/>
+      </a:effectRef>
+      <a:fontRef idx="minor">
+        <a:schemeClr val="lt1"/>
+      </a:fontRef>
+    </dgm:style>
+  </dgm:styleLbl>
+  <dgm:styleLbl name="node4">
+    <dgm:scene3d>
+      <a:camera prst="orthographicFront"/>
+      <a:lightRig rig="threePt" dir="t"/>
+    </dgm:scene3d>
+    <dgm:sp3d/>
+    <dgm:txPr/>
+    <dgm:style>
+      <a:lnRef idx="2">
+        <a:scrgbClr r="0" g="0" b="0"/>
+      </a:lnRef>
+      <a:fillRef idx="1">
+        <a:scrgbClr r="0" g="0" b="0"/>
+      </a:fillRef>
+      <a:effectRef idx="0">
+        <a:scrgbClr r="0" g="0" b="0"/>
+      </a:effectRef>
+      <a:fontRef idx="minor">
+        <a:schemeClr val="lt1"/>
+      </a:fontRef>
+    </dgm:style>
+  </dgm:styleLbl>
+  <dgm:styleLbl name="fgImgPlace1">
+    <dgm:scene3d>
+      <a:camera prst="orthographicFront"/>
+      <a:lightRig rig="threePt" dir="t"/>
+    </dgm:scene3d>
+    <dgm:sp3d/>
+    <dgm:txPr/>
+    <dgm:style>
+      <a:lnRef idx="2">
+        <a:scrgbClr r="0" g="0" b="0"/>
+      </a:lnRef>
+      <a:fillRef idx="1">
+        <a:scrgbClr r="0" g="0" b="0"/>
+      </a:fillRef>
+      <a:effectRef idx="0">
+        <a:scrgbClr r="0" g="0" b="0"/>
+      </a:effectRef>
+      <a:fontRef idx="minor"/>
+    </dgm:style>
+  </dgm:styleLbl>
+  <dgm:styleLbl name="alignImgPlace1">
+    <dgm:scene3d>
+      <a:camera prst="orthographicFront"/>
+      <a:lightRig rig="threePt" dir="t"/>
+    </dgm:scene3d>
+    <dgm:sp3d/>
+    <dgm:txPr/>
+    <dgm:style>
+      <a:lnRef idx="2">
+        <a:scrgbClr r="0" g="0" b="0"/>
+      </a:lnRef>
+      <a:fillRef idx="1">
+        <a:scrgbClr r="0" g="0" b="0"/>
+      </a:fillRef>
+      <a:effectRef idx="0">
+        <a:scrgbClr r="0" g="0" b="0"/>
+      </a:effectRef>
+      <a:fontRef idx="minor"/>
+    </dgm:style>
+  </dgm:styleLbl>
+  <dgm:styleLbl name="bgImgPlace1">
+    <dgm:scene3d>
+      <a:camera prst="orthographicFront"/>
+      <a:lightRig rig="threePt" dir="t"/>
+    </dgm:scene3d>
+    <dgm:sp3d/>
+    <dgm:txPr/>
+    <dgm:style>
+      <a:lnRef idx="2">
+        <a:scrgbClr r="0" g="0" b="0"/>
+      </a:lnRef>
+      <a:fillRef idx="1">
+        <a:scrgbClr r="0" g="0" b="0"/>
+      </a:fillRef>
+      <a:effectRef idx="0">
+        <a:scrgbClr r="0" g="0" b="0"/>
+      </a:effectRef>
+      <a:fontRef idx="minor"/>
+    </dgm:style>
+  </dgm:styleLbl>
+  <dgm:styleLbl name="sibTrans2D1">
+    <dgm:scene3d>
+      <a:camera prst="orthographicFront"/>
+      <a:lightRig rig="threePt" dir="t"/>
+    </dgm:scene3d>
+    <dgm:sp3d/>
+    <dgm:txPr/>
+    <dgm:style>
+      <a:lnRef idx="0">
+        <a:scrgbClr r="0" g="0" b="0"/>
+      </a:lnRef>
+      <a:fillRef idx="1">
+        <a:scrgbClr r="0" g="0" b="0"/>
+      </a:fillRef>
+      <a:effectRef idx="0">
+        <a:scrgbClr r="0" g="0" b="0"/>
+      </a:effectRef>
+      <a:fontRef idx="minor">
+        <a:schemeClr val="lt1"/>
+      </a:fontRef>
+    </dgm:style>
+  </dgm:styleLbl>
+  <dgm:styleLbl name="fgSibTrans2D1">
+    <dgm:scene3d>
+      <a:camera prst="orthographicFront"/>
+      <a:lightRig rig="threePt" dir="t"/>
+    </dgm:scene3d>
+    <dgm:sp3d/>
+    <dgm:txPr/>
+    <dgm:style>
+      <a:lnRef idx="0">
+        <a:scrgbClr r="0" g="0" b="0"/>
+      </a:lnRef>
+      <a:fillRef idx="1">
+        <a:scrgbClr r="0" g="0" b="0"/>
+      </a:fillRef>
+      <a:effectRef idx="0">
+        <a:scrgbClr r="0" g="0" b="0"/>
+      </a:effectRef>
+      <a:fontRef idx="minor">
+        <a:schemeClr val="lt1"/>
+      </a:fontRef>
+    </dgm:style>
+  </dgm:styleLbl>
+  <dgm:styleLbl name="bgSibTrans2D1">
+    <dgm:scene3d>
+      <a:camera prst="orthographicFront"/>
+      <a:lightRig rig="threePt" dir="t"/>
+    </dgm:scene3d>
+    <dgm:sp3d/>
+    <dgm:txPr/>
+    <dgm:style>
+      <a:lnRef idx="0">
+        <a:scrgbClr r="0" g="0" b="0"/>
+      </a:lnRef>
+      <a:fillRef idx="1">
+        <a:scrgbClr r="0" g="0" b="0"/>
+      </a:fillRef>
+      <a:effectRef idx="0">
+        <a:scrgbClr r="0" g="0" b="0"/>
+      </a:effectRef>
+      <a:fontRef idx="minor">
+        <a:schemeClr val="lt1"/>
+      </a:fontRef>
+    </dgm:style>
+  </dgm:styleLbl>
+  <dgm:styleLbl name="sibTrans1D1">
+    <dgm:scene3d>
+      <a:camera prst="orthographicFront"/>
+      <a:lightRig rig="threePt" dir="t"/>
+    </dgm:scene3d>
+    <dgm:sp3d/>
+    <dgm:txPr/>
+    <dgm:style>
+      <a:lnRef idx="1">
+        <a:scrgbClr r="0" g="0" b="0"/>
+      </a:lnRef>
+      <a:fillRef idx="0">
+        <a:scrgbClr r="0" g="0" b="0"/>
+      </a:fillRef>
+      <a:effectRef idx="0">
+        <a:scrgbClr r="0" g="0" b="0"/>
+      </a:effectRef>
+      <a:fontRef idx="minor"/>
+    </dgm:style>
+  </dgm:styleLbl>
+  <dgm:styleLbl name="callout">
+    <dgm:scene3d>
+      <a:camera prst="orthographicFront"/>
+      <a:lightRig rig="threePt" dir="t"/>
+    </dgm:scene3d>
+    <dgm:sp3d/>
+    <dgm:txPr/>
+    <dgm:style>
+      <a:lnRef idx="2">
+        <a:scrgbClr r="0" g="0" b="0"/>
+      </a:lnRef>
+      <a:fillRef idx="1">
+        <a:scrgbClr r="0" g="0" b="0"/>
+      </a:fillRef>
+      <a:effectRef idx="0">
+        <a:scrgbClr r="0" g="0" b="0"/>
+      </a:effectRef>
+      <a:fontRef idx="minor"/>
+    </dgm:style>
+  </dgm:styleLbl>
+  <dgm:styleLbl name="asst0">
+    <dgm:scene3d>
+      <a:camera prst="orthographicFront"/>
+      <a:lightRig rig="threePt" dir="t"/>
+    </dgm:scene3d>
+    <dgm:sp3d/>
+    <dgm:txPr/>
+    <dgm:style>
+      <a:lnRef idx="2">
+        <a:scrgbClr r="0" g="0" b="0"/>
+      </a:lnRef>
+      <a:fillRef idx="1">
+        <a:scrgbClr r="0" g="0" b="0"/>
+      </a:fillRef>
+      <a:effectRef idx="0">
+        <a:scrgbClr r="0" g="0" b="0"/>
+      </a:effectRef>
+      <a:fontRef idx="minor">
+        <a:schemeClr val="lt1"/>
+      </a:fontRef>
+    </dgm:style>
+  </dgm:styleLbl>
+  <dgm:styleLbl name="asst1">
+    <dgm:scene3d>
+      <a:camera prst="orthographicFront"/>
+      <a:lightRig rig="threePt" dir="t"/>
+    </dgm:scene3d>
+    <dgm:sp3d/>
+    <dgm:txPr/>
+    <dgm:style>
+      <a:lnRef idx="2">
+        <a:scrgbClr r="0" g="0" b="0"/>
+      </a:lnRef>
+      <a:fillRef idx="1">
+        <a:scrgbClr r="0" g="0" b="0"/>
+      </a:fillRef>
+      <a:effectRef idx="0">
+        <a:scrgbClr r="0" g="0" b="0"/>
+      </a:effectRef>
+      <a:fontRef idx="minor">
+        <a:schemeClr val="lt1"/>
+      </a:fontRef>
+    </dgm:style>
+  </dgm:styleLbl>
+  <dgm:styleLbl name="asst2">
+    <dgm:scene3d>
+      <a:camera prst="orthographicFront"/>
+      <a:lightRig rig="threePt" dir="t"/>
+    </dgm:scene3d>
+    <dgm:sp3d/>
+    <dgm:txPr/>
+    <dgm:style>
+      <a:lnRef idx="2">
+        <a:scrgbClr r="0" g="0" b="0"/>
+      </a:lnRef>
+      <a:fillRef idx="1">
+        <a:scrgbClr r="0" g="0" b="0"/>
+      </a:fillRef>
+      <a:effectRef idx="0">
+        <a:scrgbClr r="0" g="0" b="0"/>
+      </a:effectRef>
+      <a:fontRef idx="minor">
+        <a:schemeClr val="lt1"/>
+      </a:fontRef>
+    </dgm:style>
+  </dgm:styleLbl>
+  <dgm:styleLbl name="asst3">
+    <dgm:scene3d>
+      <a:camera prst="orthographicFront"/>
+      <a:lightRig rig="threePt" dir="t"/>
+    </dgm:scene3d>
+    <dgm:sp3d/>
+    <dgm:txPr/>
+    <dgm:style>
+      <a:lnRef idx="2">
+        <a:scrgbClr r="0" g="0" b="0"/>
+      </a:lnRef>
+      <a:fillRef idx="1">
+        <a:scrgbClr r="0" g="0" b="0"/>
+      </a:fillRef>
+      <a:effectRef idx="0">
+        <a:scrgbClr r="0" g="0" b="0"/>
+      </a:effectRef>
+      <a:fontRef idx="minor">
+        <a:schemeClr val="lt1"/>
+      </a:fontRef>
+    </dgm:style>
+  </dgm:styleLbl>
+  <dgm:styleLbl name="asst4">
+    <dgm:scene3d>
+      <a:camera prst="orthographicFront"/>
+      <a:lightRig rig="threePt" dir="t"/>
+    </dgm:scene3d>
+    <dgm:sp3d/>
+    <dgm:txPr/>
+    <dgm:style>
+      <a:lnRef idx="2">
+        <a:scrgbClr r="0" g="0" b="0"/>
+      </a:lnRef>
+      <a:fillRef idx="1">
+        <a:scrgbClr r="0" g="0" b="0"/>
+      </a:fillRef>
+      <a:effectRef idx="0">
+        <a:scrgbClr r="0" g="0" b="0"/>
+      </a:effectRef>
+      <a:fontRef idx="minor">
+        <a:schemeClr val="lt1"/>
+      </a:fontRef>
+    </dgm:style>
+  </dgm:styleLbl>
+  <dgm:styleLbl name="parChTrans2D1">
+    <dgm:scene3d>
+      <a:camera prst="orthographicFront"/>
+      <a:lightRig rig="threePt" dir="t"/>
+    </dgm:scene3d>
+    <dgm:sp3d/>
+    <dgm:txPr/>
+    <dgm:style>
+      <a:lnRef idx="2">
+        <a:scrgbClr r="0" g="0" b="0"/>
+      </a:lnRef>
+      <a:fillRef idx="1">
+        <a:scrgbClr r="0" g="0" b="0"/>
+      </a:fillRef>
+      <a:effectRef idx="0">
+        <a:scrgbClr r="0" g="0" b="0"/>
+      </a:effectRef>
+      <a:fontRef idx="minor">
+        <a:schemeClr val="lt1"/>
+      </a:fontRef>
+    </dgm:style>
+  </dgm:styleLbl>
+  <dgm:styleLbl name="parChTrans2D2">
+    <dgm:scene3d>
+      <a:camera prst="orthographicFront"/>
+      <a:lightRig rig="threePt" dir="t"/>
+    </dgm:scene3d>
+    <dgm:sp3d/>
+    <dgm:txPr/>
+    <dgm:style>
+      <a:lnRef idx="2">
+        <a:scrgbClr r="0" g="0" b="0"/>
+      </a:lnRef>
+      <a:fillRef idx="1">
+        <a:scrgbClr r="0" g="0" b="0"/>
+      </a:fillRef>
+      <a:effectRef idx="0">
+        <a:scrgbClr r="0" g="0" b="0"/>
+      </a:effectRef>
+      <a:fontRef idx="minor">
+        <a:schemeClr val="lt1"/>
+      </a:fontRef>
+    </dgm:style>
+  </dgm:styleLbl>
+  <dgm:styleLbl name="parChTrans2D3">
+    <dgm:scene3d>
+      <a:camera prst="orthographicFront"/>
+      <a:lightRig rig="threePt" dir="t"/>
+    </dgm:scene3d>
+    <dgm:sp3d/>
+    <dgm:txPr/>
+    <dgm:style>
+      <a:lnRef idx="2">
+        <a:scrgbClr r="0" g="0" b="0"/>
+      </a:lnRef>
+      <a:fillRef idx="1">
+        <a:scrgbClr r="0" g="0" b="0"/>
+      </a:fillRef>
+      <a:effectRef idx="0">
+        <a:scrgbClr r="0" g="0" b="0"/>
+      </a:effectRef>
+      <a:fontRef idx="minor">
+        <a:schemeClr val="lt1"/>
+      </a:fontRef>
+    </dgm:style>
+  </dgm:styleLbl>
+  <dgm:styleLbl name="parChTrans2D4">
+    <dgm:scene3d>
+      <a:camera prst="orthographicFront"/>
+      <a:lightRig rig="threePt" dir="t"/>
+    </dgm:scene3d>
+    <dgm:sp3d/>
+    <dgm:txPr/>
+    <dgm:style>
+      <a:lnRef idx="2">
+        <a:scrgbClr r="0" g="0" b="0"/>
+      </a:lnRef>
+      <a:fillRef idx="1">
+        <a:scrgbClr r="0" g="0" b="0"/>
+      </a:fillRef>
+      <a:effectRef idx="0">
+        <a:scrgbClr r="0" g="0" b="0"/>
+      </a:effectRef>
+      <a:fontRef idx="minor">
+        <a:schemeClr val="lt1"/>
+      </a:fontRef>
+    </dgm:style>
+  </dgm:styleLbl>
+  <dgm:styleLbl name="parChTrans1D1">
+    <dgm:scene3d>
+      <a:camera prst="orthographicFront"/>
+      <a:lightRig rig="threePt" dir="t"/>
+    </dgm:scene3d>
+    <dgm:sp3d/>
+    <dgm:txPr/>
+    <dgm:style>
+      <a:lnRef idx="2">
+        <a:scrgbClr r="0" g="0" b="0"/>
+      </a:lnRef>
+      <a:fillRef idx="0">
+        <a:scrgbClr r="0" g="0" b="0"/>
+      </a:fillRef>
+      <a:effectRef idx="0">
+        <a:scrgbClr r="0" g="0" b="0"/>
+      </a:effectRef>
+      <a:fontRef idx="minor"/>
+    </dgm:style>
+  </dgm:styleLbl>
+  <dgm:styleLbl name="parChTrans1D2">
+    <dgm:scene3d>
+      <a:camera prst="orthographicFront"/>
+      <a:lightRig rig="threePt" dir="t"/>
+    </dgm:scene3d>
+    <dgm:sp3d/>
+    <dgm:txPr/>
+    <dgm:style>
+      <a:lnRef idx="2">
+        <a:scrgbClr r="0" g="0" b="0"/>
+      </a:lnRef>
+      <a:fillRef idx="0">
+        <a:scrgbClr r="0" g="0" b="0"/>
+      </a:fillRef>
+      <a:effectRef idx="0">
+        <a:scrgbClr r="0" g="0" b="0"/>
+      </a:effectRef>
+      <a:fontRef idx="minor"/>
+    </dgm:style>
+  </dgm:styleLbl>
+  <dgm:styleLbl name="parChTrans1D3">
+    <dgm:scene3d>
+      <a:camera prst="orthographicFront"/>
+      <a:lightRig rig="threePt" dir="t"/>
+    </dgm:scene3d>
+    <dgm:sp3d/>
+    <dgm:txPr/>
+    <dgm:style>
+      <a:lnRef idx="2">
+        <a:scrgbClr r="0" g="0" b="0"/>
+      </a:lnRef>
+      <a:fillRef idx="0">
+        <a:scrgbClr r="0" g="0" b="0"/>
+      </a:fillRef>
+      <a:effectRef idx="0">
+        <a:scrgbClr r="0" g="0" b="0"/>
+      </a:effectRef>
+      <a:fontRef idx="minor"/>
+    </dgm:style>
+  </dgm:styleLbl>
+  <dgm:styleLbl name="parChTrans1D4">
+    <dgm:scene3d>
+      <a:camera prst="orthographicFront"/>
+      <a:lightRig rig="threePt" dir="t"/>
+    </dgm:scene3d>
+    <dgm:sp3d/>
+    <dgm:txPr/>
+    <dgm:style>
+      <a:lnRef idx="2">
+        <a:scrgbClr r="0" g="0" b="0"/>
+      </a:lnRef>
+      <a:fillRef idx="0">
+        <a:scrgbClr r="0" g="0" b="0"/>
+      </a:fillRef>
+      <a:effectRef idx="0">
+        <a:scrgbClr r="0" g="0" b="0"/>
+      </a:effectRef>
+      <a:fontRef idx="minor"/>
+    </dgm:style>
+  </dgm:styleLbl>
+  <dgm:styleLbl name="fgAcc1">
+    <dgm:scene3d>
+      <a:camera prst="orthographicFront"/>
+      <a:lightRig rig="threePt" dir="t"/>
+    </dgm:scene3d>
+    <dgm:sp3d/>
+    <dgm:txPr/>
+    <dgm:style>
+      <a:lnRef idx="2">
+        <a:scrgbClr r="0" g="0" b="0"/>
+      </a:lnRef>
+      <a:fillRef idx="1">
+        <a:scrgbClr r="0" g="0" b="0"/>
+      </a:fillRef>
+      <a:effectRef idx="0">
+        <a:scrgbClr r="0" g="0" b="0"/>
+      </a:effectRef>
+      <a:fontRef idx="minor"/>
+    </dgm:style>
+  </dgm:styleLbl>
+  <dgm:styleLbl name="conFgAcc1">
+    <dgm:scene3d>
+      <a:camera prst="orthographicFront"/>
+      <a:lightRig rig="threePt" dir="t"/>
+    </dgm:scene3d>
+    <dgm:sp3d/>
+    <dgm:txPr/>
+    <dgm:style>
+      <a:lnRef idx="2">
+        <a:scrgbClr r="0" g="0" b="0"/>
+      </a:lnRef>
+      <a:fillRef idx="1">
+        <a:scrgbClr r="0" g="0" b="0"/>
+      </a:fillRef>
+      <a:effectRef idx="0">
+        <a:scrgbClr r="0" g="0" b="0"/>
+      </a:effectRef>
+      <a:fontRef idx="minor"/>
+    </dgm:style>
+  </dgm:styleLbl>
+  <dgm:styleLbl name="alignAcc1">
+    <dgm:scene3d>
+      <a:camera prst="orthographicFront"/>
+      <a:lightRig rig="threePt" dir="t"/>
+    </dgm:scene3d>
+    <dgm:sp3d/>
+    <dgm:txPr/>
+    <dgm:style>
+      <a:lnRef idx="2">
+        <a:scrgbClr r="0" g="0" b="0"/>
+      </a:lnRef>
+      <a:fillRef idx="1">
+        <a:scrgbClr r="0" g="0" b="0"/>
+      </a:fillRef>
+      <a:effectRef idx="0">
+        <a:scrgbClr r="0" g="0" b="0"/>
+      </a:effectRef>
+      <a:fontRef idx="minor"/>
+    </dgm:style>
+  </dgm:styleLbl>
+  <dgm:styleLbl name="trAlignAcc1">
+    <dgm:scene3d>
+      <a:camera prst="orthographicFront"/>
+      <a:lightRig rig="threePt" dir="t"/>
+    </dgm:scene3d>
+    <dgm:sp3d/>
+    <dgm:txPr/>
+    <dgm:style>
+      <a:lnRef idx="1">
+        <a:scrgbClr r="0" g="0" b="0"/>
+      </a:lnRef>
+      <a:fillRef idx="1">
+        <a:scrgbClr r="0" g="0" b="0"/>
+      </a:fillRef>
+      <a:effectRef idx="0">
+        <a:scrgbClr r="0" g="0" b="0"/>
+      </a:effectRef>
+      <a:fontRef idx="minor"/>
+    </dgm:style>
+  </dgm:styleLbl>
+  <dgm:styleLbl name="bgAcc1">
+    <dgm:scene3d>
+      <a:camera prst="orthographicFront"/>
+      <a:lightRig rig="threePt" dir="t"/>
+    </dgm:scene3d>
+    <dgm:sp3d/>
+    <dgm:txPr/>
+    <dgm:style>
+      <a:lnRef idx="2">
+        <a:scrgbClr r="0" g="0" b="0"/>
+      </a:lnRef>
+      <a:fillRef idx="1">
+        <a:scrgbClr r="0" g="0" b="0"/>
+      </a:fillRef>
+      <a:effectRef idx="0">
+        <a:scrgbClr r="0" g="0" b="0"/>
+      </a:effectRef>
+      <a:fontRef idx="minor"/>
+    </dgm:style>
+  </dgm:styleLbl>
+  <dgm:styleLbl name="solidFgAcc1">
+    <dgm:scene3d>
+      <a:camera prst="orthographicFront"/>
+      <a:lightRig rig="threePt" dir="t"/>
+    </dgm:scene3d>
+    <dgm:sp3d/>
+    <dgm:txPr/>
+    <dgm:style>
+      <a:lnRef idx="2">
+        <a:scrgbClr r="0" g="0" b="0"/>
+      </a:lnRef>
+      <a:fillRef idx="1">
+        <a:scrgbClr r="0" g="0" b="0"/>
+      </a:fillRef>
+      <a:effectRef idx="0">
+        <a:scrgbClr r="0" g="0" b="0"/>
+      </a:effectRef>
+      <a:fontRef idx="minor"/>
+    </dgm:style>
+  </dgm:styleLbl>
+  <dgm:styleLbl name="solidAlignAcc1">
+    <dgm:scene3d>
+      <a:camera prst="orthographicFront"/>
+      <a:lightRig rig="threePt" dir="t"/>
+    </dgm:scene3d>
+    <dgm:sp3d/>
+    <dgm:txPr/>
+    <dgm:style>
+      <a:lnRef idx="2">
+        <a:scrgbClr r="0" g="0" b="0"/>
+      </a:lnRef>
+      <a:fillRef idx="1">
+        <a:scrgbClr r="0" g="0" b="0"/>
+      </a:fillRef>
+      <a:effectRef idx="0">
+        <a:scrgbClr r="0" g="0" b="0"/>
+      </a:effectRef>
+      <a:fontRef idx="minor"/>
+    </dgm:style>
+  </dgm:styleLbl>
+  <dgm:styleLbl name="solidBgAcc1">
+    <dgm:scene3d>
+      <a:camera prst="orthographicFront"/>
+      <a:lightRig rig="threePt" dir="t"/>
+    </dgm:scene3d>
+    <dgm:sp3d/>
+    <dgm:txPr/>
+    <dgm:style>
+      <a:lnRef idx="2">
+        <a:scrgbClr r="0" g="0" b="0"/>
+      </a:lnRef>
+      <a:fillRef idx="1">
+        <a:scrgbClr r="0" g="0" b="0"/>
+      </a:fillRef>
+      <a:effectRef idx="0">
+        <a:scrgbClr r="0" g="0" b="0"/>
+      </a:effectRef>
+      <a:fontRef idx="minor"/>
+    </dgm:style>
+  </dgm:styleLbl>
+  <dgm:styleLbl name="fgAccFollowNode1">
+    <dgm:scene3d>
+      <a:camera prst="orthographicFront"/>
+      <a:lightRig rig="threePt" dir="t"/>
+    </dgm:scene3d>
+    <dgm:sp3d/>
+    <dgm:txPr/>
+    <dgm:style>
+      <a:lnRef idx="2">
+        <a:scrgbClr r="0" g="0" b="0"/>
+      </a:lnRef>
+      <a:fillRef idx="1">
+        <a:scrgbClr r="0" g="0" b="0"/>
+      </a:fillRef>
+      <a:effectRef idx="0">
+        <a:scrgbClr r="0" g="0" b="0"/>
+      </a:effectRef>
+      <a:fontRef idx="minor"/>
+    </dgm:style>
+  </dgm:styleLbl>
+  <dgm:styleLbl name="alignAccFollowNode1">
+    <dgm:scene3d>
+      <a:camera prst="orthographicFront"/>
+      <a:lightRig rig="threePt" dir="t"/>
+    </dgm:scene3d>
+    <dgm:sp3d/>
+    <dgm:txPr/>
+    <dgm:style>
+      <a:lnRef idx="2">
+        <a:scrgbClr r="0" g="0" b="0"/>
+      </a:lnRef>
+      <a:fillRef idx="1">
+        <a:scrgbClr r="0" g="0" b="0"/>
+      </a:fillRef>
+      <a:effectRef idx="0">
+        <a:scrgbClr r="0" g="0" b="0"/>
+      </a:effectRef>
+      <a:fontRef idx="minor"/>
+    </dgm:style>
+  </dgm:styleLbl>
+  <dgm:styleLbl name="bgAccFollowNode1">
+    <dgm:scene3d>
+      <a:camera prst="orthographicFront"/>
+      <a:lightRig rig="threePt" dir="t"/>
+    </dgm:scene3d>
+    <dgm:sp3d/>
+    <dgm:txPr/>
+    <dgm:style>
+      <a:lnRef idx="2">
+        <a:scrgbClr r="0" g="0" b="0"/>
+      </a:lnRef>
+      <a:fillRef idx="1">
+        <a:scrgbClr r="0" g="0" b="0"/>
+      </a:fillRef>
+      <a:effectRef idx="0">
+        <a:scrgbClr r="0" g="0" b="0"/>
+      </a:effectRef>
+      <a:fontRef idx="minor"/>
+    </dgm:style>
+  </dgm:styleLbl>
+  <dgm:styleLbl name="fgAcc0">
+    <dgm:scene3d>
+      <a:camera prst="orthographicFront"/>
+      <a:lightRig rig="threePt" dir="t"/>
+    </dgm:scene3d>
+    <dgm:sp3d/>
+    <dgm:txPr/>
+    <dgm:style>
+      <a:lnRef idx="2">
+        <a:scrgbClr r="0" g="0" b="0"/>
+      </a:lnRef>
+      <a:fillRef idx="1">
+        <a:scrgbClr r="0" g="0" b="0"/>
+      </a:fillRef>
+      <a:effectRef idx="0">
+        <a:scrgbClr r="0" g="0" b="0"/>
+      </a:effectRef>
+      <a:fontRef idx="minor"/>
+    </dgm:style>
+  </dgm:styleLbl>
+  <dgm:styleLbl name="fgAcc2">
+    <dgm:scene3d>
+      <a:camera prst="orthographicFront"/>
+      <a:lightRig rig="threePt" dir="t"/>
+    </dgm:scene3d>
+    <dgm:sp3d/>
+    <dgm:txPr/>
+    <dgm:style>
+      <a:lnRef idx="2">
+        <a:scrgbClr r="0" g="0" b="0"/>
+      </a:lnRef>
+      <a:fillRef idx="1">
+        <a:scrgbClr r="0" g="0" b="0"/>
+      </a:fillRef>
+      <a:effectRef idx="0">
+        <a:scrgbClr r="0" g="0" b="0"/>
+      </a:effectRef>
+      <a:fontRef idx="minor"/>
+    </dgm:style>
+  </dgm:styleLbl>
+  <dgm:styleLbl name="fgAcc3">
+    <dgm:scene3d>
+      <a:camera prst="orthographicFront"/>
+      <a:lightRig rig="threePt" dir="t"/>
+    </dgm:scene3d>
+    <dgm:sp3d/>
+    <dgm:txPr/>
+    <dgm:style>
+      <a:lnRef idx="2">
+        <a:scrgbClr r="0" g="0" b="0"/>
+      </a:lnRef>
+      <a:fillRef idx="1">
+        <a:scrgbClr r="0" g="0" b="0"/>
+      </a:fillRef>
+      <a:effectRef idx="0">
+        <a:scrgbClr r="0" g="0" b="0"/>
+      </a:effectRef>
+      <a:fontRef idx="minor"/>
+    </dgm:style>
+  </dgm:styleLbl>
+  <dgm:styleLbl name="fgAcc4">
+    <dgm:scene3d>
+      <a:camera prst="orthographicFront"/>
+      <a:lightRig rig="threePt" dir="t"/>
+    </dgm:scene3d>
+    <dgm:sp3d/>
+    <dgm:txPr/>
+    <dgm:style>
+      <a:lnRef idx="2">
+        <a:scrgbClr r="0" g="0" b="0"/>
+      </a:lnRef>
+      <a:fillRef idx="1">
+        <a:scrgbClr r="0" g="0" b="0"/>
+      </a:fillRef>
+      <a:effectRef idx="0">
+        <a:scrgbClr r="0" g="0" b="0"/>
+      </a:effectRef>
+      <a:fontRef idx="minor"/>
+    </dgm:style>
+  </dgm:styleLbl>
+  <dgm:styleLbl name="bgShp">
+    <dgm:scene3d>
+      <a:camera prst="orthographicFront"/>
+      <a:lightRig rig="threePt" dir="t"/>
+    </dgm:scene3d>
+    <dgm:sp3d/>
+    <dgm:txPr/>
+    <dgm:style>
+      <a:lnRef idx="0">
+        <a:scrgbClr r="0" g="0" b="0"/>
+      </a:lnRef>
+      <a:fillRef idx="1">
+        <a:scrgbClr r="0" g="0" b="0"/>
+      </a:fillRef>
+      <a:effectRef idx="0">
+        <a:scrgbClr r="0" g="0" b="0"/>
+      </a:effectRef>
+      <a:fontRef idx="minor"/>
+    </dgm:style>
+  </dgm:styleLbl>
+  <dgm:styleLbl name="dkBgShp">
+    <dgm:scene3d>
+      <a:camera prst="orthographicFront"/>
+      <a:lightRig rig="threePt" dir="t"/>
+    </dgm:scene3d>
+    <dgm:sp3d/>
+    <dgm:txPr/>
+    <dgm:style>
+      <a:lnRef idx="0">
+        <a:scrgbClr r="0" g="0" b="0"/>
+      </a:lnRef>
+      <a:fillRef idx="1">
+        <a:scrgbClr r="0" g="0" b="0"/>
+      </a:fillRef>
+      <a:effectRef idx="0">
+        <a:scrgbClr r="0" g="0" b="0"/>
+      </a:effectRef>
+      <a:fontRef idx="minor"/>
+    </dgm:style>
+  </dgm:styleLbl>
+  <dgm:styleLbl name="trBgShp">
+    <dgm:scene3d>
+      <a:camera prst="orthographicFront"/>
+      <a:lightRig rig="threePt" dir="t"/>
+    </dgm:scene3d>
+    <dgm:sp3d/>
+    <dgm:txPr/>
+    <dgm:style>
+      <a:lnRef idx="0">
+        <a:scrgbClr r="0" g="0" b="0"/>
+      </a:lnRef>
+      <a:fillRef idx="1">
+        <a:scrgbClr r="0" g="0" b="0"/>
+      </a:fillRef>
+      <a:effectRef idx="0">
+        <a:scrgbClr r="0" g="0" b="0"/>
+      </a:effectRef>
+      <a:fontRef idx="minor"/>
+    </dgm:style>
+  </dgm:styleLbl>
+  <dgm:styleLbl name="fgShp">
+    <dgm:scene3d>
+      <a:camera prst="orthographicFront"/>
+      <a:lightRig rig="threePt" dir="t"/>
+    </dgm:scene3d>
+    <dgm:sp3d/>
+    <dgm:txPr/>
+    <dgm:style>
+      <a:lnRef idx="2">
+        <a:scrgbClr r="0" g="0" b="0"/>
+      </a:lnRef>
+      <a:fillRef idx="1">
+        <a:scrgbClr r="0" g="0" b="0"/>
+      </a:fillRef>
+      <a:effectRef idx="0">
+        <a:scrgbClr r="0" g="0" b="0"/>
+      </a:effectRef>
+      <a:fontRef idx="minor"/>
+    </dgm:style>
+  </dgm:styleLbl>
+  <dgm:styleLbl name="revTx">
+    <dgm:scene3d>
+      <a:camera prst="orthographicFront"/>
+      <a:lightRig rig="threePt" dir="t"/>
+    </dgm:scene3d>
+    <dgm:sp3d/>
+    <dgm:txPr/>
+    <dgm:style>
+      <a:lnRef idx="0">
+        <a:scrgbClr r="0" g="0" b="0"/>
+      </a:lnRef>
+      <a:fillRef idx="0">
+        <a:scrgbClr r="0" g="0" b="0"/>
+      </a:fillRef>
+      <a:effectRef idx="0">
+        <a:scrgbClr r="0" g="0" b="0"/>
+      </a:effectRef>
+      <a:fontRef idx="minor"/>
+    </dgm:style>
+  </dgm:styleLbl>
+</dgm:styleDef>
 </file>
 
 <file path=ppt/slideLayouts/slideLayout1.xml><?xml version="1.0" encoding="utf-8"?>
@@ -3562,7 +7725,7 @@
           <a:bodyPr/>
           <a:lstStyle/>
           <a:p>
-            <a:endParaRPr lang="de-CH"/>
+            <a:endParaRPr lang="de-CH" dirty="0"/>
           </a:p>
         </p:txBody>
       </p:sp>
@@ -4140,13 +8303,8 @@
           <a:p>
             <a:r>
               <a:rPr lang="de-CH" dirty="0"/>
-              <a:t>Problem </a:t>
-            </a:r>
-            <a:r>
-              <a:rPr lang="de-CH" dirty="0" err="1"/>
-              <a:t>description</a:t>
-            </a:r>
-            <a:endParaRPr lang="de-CH" dirty="0"/>
+              <a:t>Research Question</a:t>
+            </a:r>
           </a:p>
         </p:txBody>
       </p:sp>
@@ -4498,13 +8656,8 @@
           <a:p>
             <a:r>
               <a:rPr lang="de-CH" dirty="0"/>
-              <a:t>Data </a:t>
-            </a:r>
-            <a:r>
-              <a:rPr lang="de-CH" dirty="0" err="1"/>
-              <a:t>description</a:t>
-            </a:r>
-            <a:endParaRPr lang="de-CH" dirty="0"/>
+              <a:t>Data</a:t>
+            </a:r>
           </a:p>
         </p:txBody>
       </p:sp>
@@ -4524,7 +8677,7 @@
             <p:ph idx="1"/>
             <p:extLst>
               <p:ext uri="{D42A27DB-BD31-4B8C-83A1-F6EECF244321}">
-                <p14:modId xmlns:p14="http://schemas.microsoft.com/office/powerpoint/2010/main" val="3752949721"/>
+                <p14:modId xmlns:p14="http://schemas.microsoft.com/office/powerpoint/2010/main" val="2811996742"/>
               </p:ext>
             </p:extLst>
           </p:nvPr>
@@ -4563,21 +8716,8 @@
                     <a:p>
                       <a:r>
                         <a:rPr lang="de-CH" dirty="0"/>
-                        <a:t>Name in </a:t>
+                        <a:t>Variable</a:t>
                       </a:r>
-                      <a:r>
-                        <a:rPr lang="de-CH" dirty="0" err="1"/>
-                        <a:t>data</a:t>
-                      </a:r>
-                      <a:r>
-                        <a:rPr lang="de-CH" dirty="0"/>
-                        <a:t> </a:t>
-                      </a:r>
-                      <a:r>
-                        <a:rPr lang="de-CH" dirty="0" err="1"/>
-                        <a:t>set</a:t>
-                      </a:r>
-                      <a:endParaRPr lang="de-CH" dirty="0"/>
                     </a:p>
                   </a:txBody>
                   <a:tcPr/>
@@ -5113,7 +9253,15 @@
             </a:pPr>
             <a:r>
               <a:rPr lang="de-CH" dirty="0"/>
-              <a:t>CSV</a:t>
+              <a:t>Data </a:t>
+            </a:r>
+            <a:r>
+              <a:rPr lang="de-CH" dirty="0" err="1"/>
+              <a:t>format</a:t>
+            </a:r>
+            <a:r>
+              <a:rPr lang="de-CH" dirty="0"/>
+              <a:t>: CSV</a:t>
             </a:r>
           </a:p>
           <a:p>
@@ -5123,13 +9271,24 @@
             </a:pPr>
             <a:r>
               <a:rPr lang="de-CH" dirty="0"/>
-              <a:t>2287 </a:t>
+              <a:t>Total </a:t>
             </a:r>
             <a:r>
               <a:rPr lang="de-CH" dirty="0" err="1"/>
               <a:t>observations</a:t>
             </a:r>
-            <a:endParaRPr lang="de-CH" dirty="0"/>
+            <a:r>
+              <a:rPr lang="de-CH" dirty="0"/>
+              <a:t>: 2287 (706 </a:t>
+            </a:r>
+            <a:r>
+              <a:rPr lang="de-CH" dirty="0" err="1"/>
+              <a:t>nestling</a:t>
+            </a:r>
+            <a:r>
+              <a:rPr lang="de-CH" dirty="0"/>
+              <a:t>)</a:t>
+            </a:r>
           </a:p>
           <a:p>
             <a:pPr marL="285750" indent="-285750">
@@ -5137,32 +9296,8 @@
               <a:buChar char="-"/>
             </a:pPr>
             <a:r>
-              <a:rPr lang="de-CH" dirty="0" err="1"/>
-              <a:t>There</a:t>
-            </a:r>
-            <a:r>
-              <a:rPr lang="de-CH" dirty="0"/>
-              <a:t> a </a:t>
-            </a:r>
-            <a:r>
-              <a:rPr lang="de-CH" dirty="0" err="1"/>
-              <a:t>lot</a:t>
-            </a:r>
-            <a:r>
-              <a:rPr lang="de-CH" dirty="0"/>
-              <a:t> </a:t>
-            </a:r>
-            <a:r>
-              <a:rPr lang="de-CH" dirty="0" err="1"/>
-              <a:t>of</a:t>
-            </a:r>
-            <a:r>
-              <a:rPr lang="de-CH" dirty="0"/>
-              <a:t> </a:t>
-            </a:r>
-            <a:r>
               <a:rPr lang="de-CH" b="1" dirty="0"/>
-              <a:t>NAs</a:t>
+              <a:t>Many NAs</a:t>
             </a:r>
             <a:r>
               <a:rPr lang="de-CH" dirty="0"/>
@@ -5248,11 +9383,11 @@
           <a:p>
             <a:r>
               <a:rPr lang="de-CH" dirty="0"/>
-              <a:t>Add </a:t>
+              <a:t>Adult </a:t>
             </a:r>
             <a:r>
               <a:rPr lang="de-CH" dirty="0" err="1"/>
-              <a:t>some</a:t>
+              <a:t>bird</a:t>
             </a:r>
             <a:r>
               <a:rPr lang="de-CH" dirty="0"/>
@@ -5260,115 +9395,755 @@
             </a:r>
             <a:r>
               <a:rPr lang="de-CH" dirty="0" err="1"/>
-              <a:t>plots</a:t>
+              <a:t>data</a:t>
             </a:r>
             <a:endParaRPr lang="de-CH" dirty="0"/>
           </a:p>
         </p:txBody>
       </p:sp>
-      <p:sp>
-        <p:nvSpPr>
-          <p:cNvPr id="3" name="Inhaltsplatzhalter 2">
+      <p:graphicFrame>
+        <p:nvGraphicFramePr>
+          <p:cNvPr id="6" name="Tabelle 4">
             <a:extLst>
               <a:ext uri="{FF2B5EF4-FFF2-40B4-BE49-F238E27FC236}">
-                <a16:creationId xmlns:a16="http://schemas.microsoft.com/office/drawing/2014/main" id="{03F279F1-52D7-96D9-23AA-9F719AA73A99}"/>
+                <a16:creationId xmlns:a16="http://schemas.microsoft.com/office/drawing/2014/main" id="{324AFEAB-9EC1-9013-6AB3-73D6F9D2DD38}"/>
               </a:ext>
             </a:extLst>
           </p:cNvPr>
-          <p:cNvSpPr>
-            <a:spLocks noGrp="1"/>
-          </p:cNvSpPr>
+          <p:cNvGraphicFramePr>
+            <a:graphicFrameLocks noGrp="1"/>
+          </p:cNvGraphicFramePr>
           <p:nvPr>
             <p:ph idx="1"/>
+            <p:extLst>
+              <p:ext uri="{D42A27DB-BD31-4B8C-83A1-F6EECF244321}">
+                <p14:modId xmlns:p14="http://schemas.microsoft.com/office/powerpoint/2010/main" val="3228109012"/>
+              </p:ext>
+            </p:extLst>
           </p:nvPr>
-        </p:nvSpPr>
-        <p:spPr/>
-        <p:txBody>
-          <a:bodyPr>
-            <a:normAutofit/>
-          </a:bodyPr>
-          <a:lstStyle/>
-          <a:p>
-            <a:r>
-              <a:rPr lang="de-CH" sz="4000" b="1" dirty="0" err="1">
-                <a:solidFill>
-                  <a:srgbClr val="FF0000"/>
-                </a:solidFill>
-              </a:rPr>
-              <a:t>Please</a:t>
-            </a:r>
-            <a:r>
-              <a:rPr lang="de-CH" sz="4000" b="1" dirty="0">
-                <a:solidFill>
-                  <a:srgbClr val="FF0000"/>
-                </a:solidFill>
-              </a:rPr>
-              <a:t> </a:t>
-            </a:r>
-            <a:r>
-              <a:rPr lang="de-CH" sz="4000" b="1" dirty="0" err="1">
-                <a:solidFill>
-                  <a:srgbClr val="FF0000"/>
-                </a:solidFill>
-              </a:rPr>
-              <a:t>add</a:t>
-            </a:r>
-            <a:r>
-              <a:rPr lang="de-CH" sz="4000" b="1" dirty="0">
-                <a:solidFill>
-                  <a:srgbClr val="FF0000"/>
-                </a:solidFill>
-              </a:rPr>
-              <a:t> </a:t>
-            </a:r>
-            <a:r>
-              <a:rPr lang="de-CH" sz="4000" b="1" dirty="0" err="1">
-                <a:solidFill>
-                  <a:srgbClr val="FF0000"/>
-                </a:solidFill>
-              </a:rPr>
-              <a:t>here</a:t>
-            </a:r>
-            <a:r>
-              <a:rPr lang="de-CH" sz="4000" b="1" dirty="0">
-                <a:solidFill>
-                  <a:srgbClr val="FF0000"/>
-                </a:solidFill>
-              </a:rPr>
-              <a:t> </a:t>
-            </a:r>
-            <a:r>
-              <a:rPr lang="de-CH" sz="4000" b="1" dirty="0" err="1">
-                <a:solidFill>
-                  <a:srgbClr val="FF0000"/>
-                </a:solidFill>
-              </a:rPr>
-              <a:t>fancy</a:t>
-            </a:r>
-            <a:r>
-              <a:rPr lang="de-CH" sz="4000" b="1" dirty="0">
-                <a:solidFill>
-                  <a:srgbClr val="FF0000"/>
-                </a:solidFill>
-              </a:rPr>
-              <a:t> R </a:t>
-            </a:r>
-            <a:r>
-              <a:rPr lang="de-CH" sz="4000" b="1" dirty="0" err="1">
-                <a:solidFill>
-                  <a:srgbClr val="FF0000"/>
-                </a:solidFill>
-              </a:rPr>
-              <a:t>plots</a:t>
-            </a:r>
-            <a:endParaRPr lang="de-CH" sz="4000" b="1" dirty="0">
-              <a:solidFill>
-                <a:srgbClr val="FF0000"/>
-              </a:solidFill>
-            </a:endParaRPr>
-          </a:p>
-        </p:txBody>
-      </p:sp>
+        </p:nvGraphicFramePr>
+        <p:xfrm>
+          <a:off x="7537142" y="2216304"/>
+          <a:ext cx="3719742" cy="3522980"/>
+        </p:xfrm>
+        <a:graphic>
+          <a:graphicData uri="http://schemas.openxmlformats.org/drawingml/2006/table">
+            <a:tbl>
+              <a:tblPr firstRow="1" bandRow="1">
+                <a:tableStyleId>{5C22544A-7EE6-4342-B048-85BDC9FD1C3A}</a:tableStyleId>
+              </a:tblPr>
+              <a:tblGrid>
+                <a:gridCol w="1239914">
+                  <a:extLst>
+                    <a:ext uri="{9D8B030D-6E8A-4147-A177-3AD203B41FA5}">
+                      <a16:colId xmlns:a16="http://schemas.microsoft.com/office/drawing/2014/main" val="885233067"/>
+                    </a:ext>
+                  </a:extLst>
+                </a:gridCol>
+                <a:gridCol w="1239914">
+                  <a:extLst>
+                    <a:ext uri="{9D8B030D-6E8A-4147-A177-3AD203B41FA5}">
+                      <a16:colId xmlns:a16="http://schemas.microsoft.com/office/drawing/2014/main" val="1037956576"/>
+                    </a:ext>
+                  </a:extLst>
+                </a:gridCol>
+                <a:gridCol w="1239914">
+                  <a:extLst>
+                    <a:ext uri="{9D8B030D-6E8A-4147-A177-3AD203B41FA5}">
+                      <a16:colId xmlns:a16="http://schemas.microsoft.com/office/drawing/2014/main" val="1551648355"/>
+                    </a:ext>
+                  </a:extLst>
+                </a:gridCol>
+              </a:tblGrid>
+              <a:tr h="370840">
+                <a:tc>
+                  <a:txBody>
+                    <a:bodyPr/>
+                    <a:lstStyle/>
+                    <a:p>
+                      <a:r>
+                        <a:rPr lang="de-CH" sz="1800" dirty="0"/>
+                        <a:t>Variable</a:t>
+                      </a:r>
+                    </a:p>
+                  </a:txBody>
+                  <a:tcPr/>
+                </a:tc>
+                <a:tc>
+                  <a:txBody>
+                    <a:bodyPr/>
+                    <a:lstStyle/>
+                    <a:p>
+                      <a:r>
+                        <a:rPr lang="de-CH" sz="1800" dirty="0" err="1"/>
+                        <a:t>NaN</a:t>
+                      </a:r>
+                      <a:endParaRPr lang="de-CH" sz="1800" dirty="0"/>
+                    </a:p>
+                  </a:txBody>
+                  <a:tcPr/>
+                </a:tc>
+                <a:tc>
+                  <a:txBody>
+                    <a:bodyPr/>
+                    <a:lstStyle/>
+                    <a:p>
+                      <a:r>
+                        <a:rPr lang="de-CH" sz="1800" dirty="0"/>
+                        <a:t>% </a:t>
+                      </a:r>
+                      <a:r>
+                        <a:rPr lang="de-CH" sz="1800" dirty="0" err="1"/>
+                        <a:t>of</a:t>
+                      </a:r>
+                      <a:r>
+                        <a:rPr lang="de-CH" sz="1800" dirty="0"/>
+                        <a:t> total</a:t>
+                      </a:r>
+                    </a:p>
+                  </a:txBody>
+                  <a:tcPr/>
+                </a:tc>
+                <a:extLst>
+                  <a:ext uri="{0D108BD9-81ED-4DB2-BD59-A6C34878D82A}">
+                    <a16:rowId xmlns:a16="http://schemas.microsoft.com/office/drawing/2014/main" val="1227353883"/>
+                  </a:ext>
+                </a:extLst>
+              </a:tr>
+              <a:tr h="370840">
+                <a:tc>
+                  <a:txBody>
+                    <a:bodyPr/>
+                    <a:lstStyle/>
+                    <a:p>
+                      <a:pPr algn="l" fontAlgn="b"/>
+                      <a:r>
+                        <a:rPr lang="de-CH" sz="1800" b="0" i="0" u="none" strike="noStrike" dirty="0">
+                          <a:solidFill>
+                            <a:srgbClr val="000000"/>
+                          </a:solidFill>
+                          <a:effectLst/>
+                          <a:latin typeface="Calibri" panose="020F0502020204030204" pitchFamily="34" charset="0"/>
+                        </a:rPr>
+                        <a:t>Wing</a:t>
+                      </a:r>
+                    </a:p>
+                  </a:txBody>
+                  <a:tcPr marL="7620" marR="7620" marT="7620" marB="0" anchor="b"/>
+                </a:tc>
+                <a:tc>
+                  <a:txBody>
+                    <a:bodyPr/>
+                    <a:lstStyle/>
+                    <a:p>
+                      <a:pPr algn="r" fontAlgn="b"/>
+                      <a:r>
+                        <a:rPr lang="de-CH" sz="1800" b="0" i="0" u="none" strike="noStrike" dirty="0">
+                          <a:solidFill>
+                            <a:srgbClr val="000000"/>
+                          </a:solidFill>
+                          <a:effectLst/>
+                          <a:latin typeface="Calibri" panose="020F0502020204030204" pitchFamily="34" charset="0"/>
+                        </a:rPr>
+                        <a:t>135</a:t>
+                      </a:r>
+                    </a:p>
+                  </a:txBody>
+                  <a:tcPr marL="7620" marR="7620" marT="7620" marB="0" anchor="b"/>
+                </a:tc>
+                <a:tc>
+                  <a:txBody>
+                    <a:bodyPr/>
+                    <a:lstStyle/>
+                    <a:p>
+                      <a:pPr algn="r" fontAlgn="b"/>
+                      <a:r>
+                        <a:rPr lang="de-CH" sz="1800" b="0" i="0" u="none" strike="noStrike" dirty="0">
+                          <a:solidFill>
+                            <a:srgbClr val="000000"/>
+                          </a:solidFill>
+                          <a:effectLst/>
+                          <a:latin typeface="Calibri" panose="020F0502020204030204" pitchFamily="34" charset="0"/>
+                        </a:rPr>
+                        <a:t>6.5%</a:t>
+                      </a:r>
+                    </a:p>
+                  </a:txBody>
+                  <a:tcPr marL="7620" marR="7620" marT="7620" marB="0" anchor="b"/>
+                </a:tc>
+                <a:extLst>
+                  <a:ext uri="{0D108BD9-81ED-4DB2-BD59-A6C34878D82A}">
+                    <a16:rowId xmlns:a16="http://schemas.microsoft.com/office/drawing/2014/main" val="2128283112"/>
+                  </a:ext>
+                </a:extLst>
+              </a:tr>
+              <a:tr h="370840">
+                <a:tc>
+                  <a:txBody>
+                    <a:bodyPr/>
+                    <a:lstStyle/>
+                    <a:p>
+                      <a:pPr algn="l" fontAlgn="b"/>
+                      <a:r>
+                        <a:rPr lang="de-CH" sz="1800" b="0" i="0" u="none" strike="noStrike" dirty="0">
+                          <a:solidFill>
+                            <a:srgbClr val="000000"/>
+                          </a:solidFill>
+                          <a:effectLst/>
+                          <a:latin typeface="Calibri" panose="020F0502020204030204" pitchFamily="34" charset="0"/>
+                        </a:rPr>
+                        <a:t>Tarsus</a:t>
+                      </a:r>
+                    </a:p>
+                  </a:txBody>
+                  <a:tcPr marL="7620" marR="7620" marT="7620" marB="0" anchor="b"/>
+                </a:tc>
+                <a:tc>
+                  <a:txBody>
+                    <a:bodyPr/>
+                    <a:lstStyle/>
+                    <a:p>
+                      <a:pPr algn="r" fontAlgn="b"/>
+                      <a:r>
+                        <a:rPr lang="de-CH" sz="1800" b="0" i="0" u="none" strike="noStrike" dirty="0">
+                          <a:solidFill>
+                            <a:srgbClr val="000000"/>
+                          </a:solidFill>
+                          <a:effectLst/>
+                          <a:latin typeface="Calibri" panose="020F0502020204030204" pitchFamily="34" charset="0"/>
+                        </a:rPr>
+                        <a:t>349</a:t>
+                      </a:r>
+                    </a:p>
+                  </a:txBody>
+                  <a:tcPr marL="7620" marR="7620" marT="7620" marB="0" anchor="b"/>
+                </a:tc>
+                <a:tc>
+                  <a:txBody>
+                    <a:bodyPr/>
+                    <a:lstStyle/>
+                    <a:p>
+                      <a:pPr algn="r" fontAlgn="b"/>
+                      <a:r>
+                        <a:rPr lang="de-CH" sz="1800" b="0" i="0" u="none" strike="noStrike" dirty="0">
+                          <a:solidFill>
+                            <a:srgbClr val="000000"/>
+                          </a:solidFill>
+                          <a:effectLst/>
+                          <a:latin typeface="Calibri" panose="020F0502020204030204" pitchFamily="34" charset="0"/>
+                        </a:rPr>
+                        <a:t>22.4%</a:t>
+                      </a:r>
+                    </a:p>
+                  </a:txBody>
+                  <a:tcPr marL="7620" marR="7620" marT="7620" marB="0" anchor="b"/>
+                </a:tc>
+                <a:extLst>
+                  <a:ext uri="{0D108BD9-81ED-4DB2-BD59-A6C34878D82A}">
+                    <a16:rowId xmlns:a16="http://schemas.microsoft.com/office/drawing/2014/main" val="1982925597"/>
+                  </a:ext>
+                </a:extLst>
+              </a:tr>
+              <a:tr h="370840">
+                <a:tc>
+                  <a:txBody>
+                    <a:bodyPr/>
+                    <a:lstStyle/>
+                    <a:p>
+                      <a:pPr algn="l" fontAlgn="b"/>
+                      <a:r>
+                        <a:rPr lang="de-CH" sz="1800" b="0" i="0" u="none" strike="noStrike" dirty="0">
+                          <a:solidFill>
+                            <a:srgbClr val="000000"/>
+                          </a:solidFill>
+                          <a:effectLst/>
+                          <a:latin typeface="Calibri" panose="020F0502020204030204" pitchFamily="34" charset="0"/>
+                        </a:rPr>
+                        <a:t>Bill </a:t>
+                      </a:r>
+                      <a:r>
+                        <a:rPr lang="de-CH" sz="1800" b="0" i="0" u="none" strike="noStrike" dirty="0" err="1">
+                          <a:solidFill>
+                            <a:srgbClr val="000000"/>
+                          </a:solidFill>
+                          <a:effectLst/>
+                          <a:latin typeface="Calibri" panose="020F0502020204030204" pitchFamily="34" charset="0"/>
+                        </a:rPr>
+                        <a:t>length</a:t>
+                      </a:r>
+                      <a:endParaRPr lang="de-CH" sz="1800" b="0" i="0" u="none" strike="noStrike" dirty="0">
+                        <a:solidFill>
+                          <a:srgbClr val="000000"/>
+                        </a:solidFill>
+                        <a:effectLst/>
+                        <a:latin typeface="Calibri" panose="020F0502020204030204" pitchFamily="34" charset="0"/>
+                      </a:endParaRPr>
+                    </a:p>
+                  </a:txBody>
+                  <a:tcPr marL="7620" marR="7620" marT="7620" marB="0" anchor="b"/>
+                </a:tc>
+                <a:tc>
+                  <a:txBody>
+                    <a:bodyPr/>
+                    <a:lstStyle/>
+                    <a:p>
+                      <a:pPr algn="r" fontAlgn="b"/>
+                      <a:r>
+                        <a:rPr lang="de-CH" sz="1800" b="0" i="0" u="none" strike="noStrike" dirty="0">
+                          <a:solidFill>
+                            <a:srgbClr val="000000"/>
+                          </a:solidFill>
+                          <a:effectLst/>
+                          <a:latin typeface="Calibri" panose="020F0502020204030204" pitchFamily="34" charset="0"/>
+                        </a:rPr>
+                        <a:t>375</a:t>
+                      </a:r>
+                    </a:p>
+                  </a:txBody>
+                  <a:tcPr marL="7620" marR="7620" marT="7620" marB="0" anchor="b"/>
+                </a:tc>
+                <a:tc>
+                  <a:txBody>
+                    <a:bodyPr/>
+                    <a:lstStyle/>
+                    <a:p>
+                      <a:pPr algn="r" fontAlgn="b"/>
+                      <a:r>
+                        <a:rPr lang="de-CH" sz="1800" b="0" i="0" u="none" strike="noStrike" dirty="0">
+                          <a:solidFill>
+                            <a:srgbClr val="000000"/>
+                          </a:solidFill>
+                          <a:effectLst/>
+                          <a:latin typeface="Calibri" panose="020F0502020204030204" pitchFamily="34" charset="0"/>
+                        </a:rPr>
+                        <a:t>24.0%</a:t>
+                      </a:r>
+                    </a:p>
+                  </a:txBody>
+                  <a:tcPr marL="7620" marR="7620" marT="7620" marB="0" anchor="b"/>
+                </a:tc>
+                <a:extLst>
+                  <a:ext uri="{0D108BD9-81ED-4DB2-BD59-A6C34878D82A}">
+                    <a16:rowId xmlns:a16="http://schemas.microsoft.com/office/drawing/2014/main" val="1987390653"/>
+                  </a:ext>
+                </a:extLst>
+              </a:tr>
+              <a:tr h="370840">
+                <a:tc>
+                  <a:txBody>
+                    <a:bodyPr/>
+                    <a:lstStyle/>
+                    <a:p>
+                      <a:pPr algn="l" fontAlgn="b"/>
+                      <a:r>
+                        <a:rPr lang="de-CH" sz="1800" b="0" i="0" u="none" strike="noStrike" dirty="0" err="1">
+                          <a:solidFill>
+                            <a:srgbClr val="000000"/>
+                          </a:solidFill>
+                          <a:effectLst/>
+                          <a:latin typeface="Calibri" panose="020F0502020204030204" pitchFamily="34" charset="0"/>
+                        </a:rPr>
+                        <a:t>feather</a:t>
+                      </a:r>
+                      <a:r>
+                        <a:rPr lang="de-CH" sz="1800" b="0" i="0" u="none" strike="noStrike" dirty="0">
+                          <a:solidFill>
+                            <a:srgbClr val="000000"/>
+                          </a:solidFill>
+                          <a:effectLst/>
+                          <a:latin typeface="Calibri" panose="020F0502020204030204" pitchFamily="34" charset="0"/>
+                        </a:rPr>
+                        <a:t> </a:t>
+                      </a:r>
+                      <a:r>
+                        <a:rPr lang="de-CH" sz="1800" b="0" i="0" u="none" strike="noStrike" dirty="0" err="1">
+                          <a:solidFill>
+                            <a:srgbClr val="000000"/>
+                          </a:solidFill>
+                          <a:effectLst/>
+                          <a:latin typeface="Calibri" panose="020F0502020204030204" pitchFamily="34" charset="0"/>
+                        </a:rPr>
+                        <a:t>length</a:t>
+                      </a:r>
+                      <a:endParaRPr lang="de-CH" sz="1800" b="0" i="0" u="none" strike="noStrike" dirty="0">
+                        <a:solidFill>
+                          <a:srgbClr val="000000"/>
+                        </a:solidFill>
+                        <a:effectLst/>
+                        <a:latin typeface="Calibri" panose="020F0502020204030204" pitchFamily="34" charset="0"/>
+                      </a:endParaRPr>
+                    </a:p>
+                  </a:txBody>
+                  <a:tcPr marL="7620" marR="7620" marT="7620" marB="0" anchor="b"/>
+                </a:tc>
+                <a:tc>
+                  <a:txBody>
+                    <a:bodyPr/>
+                    <a:lstStyle/>
+                    <a:p>
+                      <a:pPr algn="r" fontAlgn="b"/>
+                      <a:r>
+                        <a:rPr lang="de-CH" sz="1800" b="0" i="0" u="none" strike="noStrike" dirty="0">
+                          <a:solidFill>
+                            <a:srgbClr val="000000"/>
+                          </a:solidFill>
+                          <a:effectLst/>
+                          <a:latin typeface="Calibri" panose="020F0502020204030204" pitchFamily="34" charset="0"/>
+                        </a:rPr>
+                        <a:t>267</a:t>
+                      </a:r>
+                    </a:p>
+                  </a:txBody>
+                  <a:tcPr marL="7620" marR="7620" marT="7620" marB="0" anchor="b"/>
+                </a:tc>
+                <a:tc>
+                  <a:txBody>
+                    <a:bodyPr/>
+                    <a:lstStyle/>
+                    <a:p>
+                      <a:pPr algn="r" fontAlgn="b"/>
+                      <a:r>
+                        <a:rPr lang="de-CH" sz="1800" b="0" i="0" u="none" strike="noStrike" dirty="0">
+                          <a:solidFill>
+                            <a:srgbClr val="000000"/>
+                          </a:solidFill>
+                          <a:effectLst/>
+                          <a:latin typeface="Calibri" panose="020F0502020204030204" pitchFamily="34" charset="0"/>
+                        </a:rPr>
+                        <a:t>17.1%</a:t>
+                      </a:r>
+                    </a:p>
+                  </a:txBody>
+                  <a:tcPr marL="7620" marR="7620" marT="7620" marB="0" anchor="b"/>
+                </a:tc>
+                <a:extLst>
+                  <a:ext uri="{0D108BD9-81ED-4DB2-BD59-A6C34878D82A}">
+                    <a16:rowId xmlns:a16="http://schemas.microsoft.com/office/drawing/2014/main" val="965423778"/>
+                  </a:ext>
+                </a:extLst>
+              </a:tr>
+              <a:tr h="370840">
+                <a:tc>
+                  <a:txBody>
+                    <a:bodyPr/>
+                    <a:lstStyle/>
+                    <a:p>
+                      <a:pPr algn="l" fontAlgn="b"/>
+                      <a:r>
+                        <a:rPr lang="de-CH" sz="1800" b="0" i="0" u="none" strike="noStrike">
+                          <a:solidFill>
+                            <a:srgbClr val="000000"/>
+                          </a:solidFill>
+                          <a:effectLst/>
+                          <a:latin typeface="Calibri" panose="020F0502020204030204" pitchFamily="34" charset="0"/>
+                        </a:rPr>
+                        <a:t>weight</a:t>
+                      </a:r>
+                    </a:p>
+                  </a:txBody>
+                  <a:tcPr marL="7620" marR="7620" marT="7620" marB="0" anchor="b"/>
+                </a:tc>
+                <a:tc>
+                  <a:txBody>
+                    <a:bodyPr/>
+                    <a:lstStyle/>
+                    <a:p>
+                      <a:pPr algn="r" fontAlgn="b"/>
+                      <a:r>
+                        <a:rPr lang="de-CH" sz="1800" b="0" i="0" u="none" strike="noStrike" dirty="0">
+                          <a:solidFill>
+                            <a:srgbClr val="000000"/>
+                          </a:solidFill>
+                          <a:effectLst/>
+                          <a:latin typeface="Calibri" panose="020F0502020204030204" pitchFamily="34" charset="0"/>
+                        </a:rPr>
+                        <a:t>92</a:t>
+                      </a:r>
+                    </a:p>
+                  </a:txBody>
+                  <a:tcPr marL="7620" marR="7620" marT="7620" marB="0" anchor="b"/>
+                </a:tc>
+                <a:tc>
+                  <a:txBody>
+                    <a:bodyPr/>
+                    <a:lstStyle/>
+                    <a:p>
+                      <a:pPr algn="r" fontAlgn="b"/>
+                      <a:r>
+                        <a:rPr lang="de-CH" sz="1800" b="0" i="0" u="none" strike="noStrike" dirty="0">
+                          <a:solidFill>
+                            <a:srgbClr val="000000"/>
+                          </a:solidFill>
+                          <a:effectLst/>
+                          <a:latin typeface="Calibri" panose="020F0502020204030204" pitchFamily="34" charset="0"/>
+                        </a:rPr>
+                        <a:t>5.9%</a:t>
+                      </a:r>
+                    </a:p>
+                  </a:txBody>
+                  <a:tcPr marL="7620" marR="7620" marT="7620" marB="0" anchor="b"/>
+                </a:tc>
+                <a:extLst>
+                  <a:ext uri="{0D108BD9-81ED-4DB2-BD59-A6C34878D82A}">
+                    <a16:rowId xmlns:a16="http://schemas.microsoft.com/office/drawing/2014/main" val="2803563870"/>
+                  </a:ext>
+                </a:extLst>
+              </a:tr>
+              <a:tr h="370840">
+                <a:tc>
+                  <a:txBody>
+                    <a:bodyPr/>
+                    <a:lstStyle/>
+                    <a:p>
+                      <a:pPr algn="l" fontAlgn="b"/>
+                      <a:r>
+                        <a:rPr lang="de-CH" sz="1800" b="0" i="0" u="none" strike="noStrike" dirty="0" err="1">
+                          <a:solidFill>
+                            <a:srgbClr val="000000"/>
+                          </a:solidFill>
+                          <a:effectLst/>
+                          <a:latin typeface="Calibri" panose="020F0502020204030204" pitchFamily="34" charset="0"/>
+                        </a:rPr>
+                        <a:t>Fat</a:t>
+                      </a:r>
+                      <a:endParaRPr lang="de-CH" sz="1800" b="0" i="0" u="none" strike="noStrike" dirty="0">
+                        <a:solidFill>
+                          <a:srgbClr val="000000"/>
+                        </a:solidFill>
+                        <a:effectLst/>
+                        <a:latin typeface="Calibri" panose="020F0502020204030204" pitchFamily="34" charset="0"/>
+                      </a:endParaRPr>
+                    </a:p>
+                  </a:txBody>
+                  <a:tcPr marL="7620" marR="7620" marT="7620" marB="0" anchor="b"/>
+                </a:tc>
+                <a:tc>
+                  <a:txBody>
+                    <a:bodyPr/>
+                    <a:lstStyle/>
+                    <a:p>
+                      <a:pPr algn="r" fontAlgn="b"/>
+                      <a:r>
+                        <a:rPr lang="de-CH" sz="1800" b="0" i="0" u="none" strike="noStrike" dirty="0">
+                          <a:solidFill>
+                            <a:srgbClr val="000000"/>
+                          </a:solidFill>
+                          <a:effectLst/>
+                          <a:latin typeface="Calibri" panose="020F0502020204030204" pitchFamily="34" charset="0"/>
+                        </a:rPr>
+                        <a:t>160</a:t>
+                      </a:r>
+                    </a:p>
+                  </a:txBody>
+                  <a:tcPr marL="7620" marR="7620" marT="7620" marB="0" anchor="b"/>
+                </a:tc>
+                <a:tc>
+                  <a:txBody>
+                    <a:bodyPr/>
+                    <a:lstStyle/>
+                    <a:p>
+                      <a:pPr algn="r" fontAlgn="b"/>
+                      <a:r>
+                        <a:rPr lang="de-CH" sz="1800" b="0" i="0" u="none" strike="noStrike" dirty="0">
+                          <a:solidFill>
+                            <a:srgbClr val="000000"/>
+                          </a:solidFill>
+                          <a:effectLst/>
+                          <a:latin typeface="Calibri" panose="020F0502020204030204" pitchFamily="34" charset="0"/>
+                        </a:rPr>
+                        <a:t>10.3%</a:t>
+                      </a:r>
+                    </a:p>
+                  </a:txBody>
+                  <a:tcPr marL="7620" marR="7620" marT="7620" marB="0" anchor="b"/>
+                </a:tc>
+                <a:extLst>
+                  <a:ext uri="{0D108BD9-81ED-4DB2-BD59-A6C34878D82A}">
+                    <a16:rowId xmlns:a16="http://schemas.microsoft.com/office/drawing/2014/main" val="3021827149"/>
+                  </a:ext>
+                </a:extLst>
+              </a:tr>
+              <a:tr h="370840">
+                <a:tc>
+                  <a:txBody>
+                    <a:bodyPr/>
+                    <a:lstStyle/>
+                    <a:p>
+                      <a:pPr algn="l" fontAlgn="b"/>
+                      <a:r>
+                        <a:rPr lang="de-CH" sz="1800" b="0" i="0" u="none" strike="noStrike">
+                          <a:solidFill>
+                            <a:srgbClr val="000000"/>
+                          </a:solidFill>
+                          <a:effectLst/>
+                          <a:latin typeface="Calibri" panose="020F0502020204030204" pitchFamily="34" charset="0"/>
+                        </a:rPr>
+                        <a:t>Muscle</a:t>
+                      </a:r>
+                    </a:p>
+                  </a:txBody>
+                  <a:tcPr marL="7620" marR="7620" marT="7620" marB="0" anchor="b"/>
+                </a:tc>
+                <a:tc>
+                  <a:txBody>
+                    <a:bodyPr/>
+                    <a:lstStyle/>
+                    <a:p>
+                      <a:pPr algn="r" fontAlgn="b"/>
+                      <a:r>
+                        <a:rPr lang="de-CH" sz="1800" b="0" i="0" u="none" strike="noStrike" dirty="0">
+                          <a:solidFill>
+                            <a:srgbClr val="000000"/>
+                          </a:solidFill>
+                          <a:effectLst/>
+                          <a:latin typeface="Calibri" panose="020F0502020204030204" pitchFamily="34" charset="0"/>
+                        </a:rPr>
+                        <a:t>158</a:t>
+                      </a:r>
+                    </a:p>
+                  </a:txBody>
+                  <a:tcPr marL="7620" marR="7620" marT="7620" marB="0" anchor="b"/>
+                </a:tc>
+                <a:tc>
+                  <a:txBody>
+                    <a:bodyPr/>
+                    <a:lstStyle/>
+                    <a:p>
+                      <a:pPr algn="r" fontAlgn="b"/>
+                      <a:r>
+                        <a:rPr lang="de-CH" sz="1800" b="0" i="0" u="none" strike="noStrike" dirty="0">
+                          <a:solidFill>
+                            <a:srgbClr val="000000"/>
+                          </a:solidFill>
+                          <a:effectLst/>
+                          <a:latin typeface="Calibri" panose="020F0502020204030204" pitchFamily="34" charset="0"/>
+                        </a:rPr>
+                        <a:t>10.12%</a:t>
+                      </a:r>
+                    </a:p>
+                  </a:txBody>
+                  <a:tcPr marL="7620" marR="7620" marT="7620" marB="0" anchor="b"/>
+                </a:tc>
+                <a:extLst>
+                  <a:ext uri="{0D108BD9-81ED-4DB2-BD59-A6C34878D82A}">
+                    <a16:rowId xmlns:a16="http://schemas.microsoft.com/office/drawing/2014/main" val="1608822915"/>
+                  </a:ext>
+                </a:extLst>
+              </a:tr>
+              <a:tr h="370840">
+                <a:tc>
+                  <a:txBody>
+                    <a:bodyPr/>
+                    <a:lstStyle/>
+                    <a:p>
+                      <a:pPr algn="l" fontAlgn="b"/>
+                      <a:r>
+                        <a:rPr lang="de-CH" sz="1800" b="0" i="0" u="none" strike="noStrike" dirty="0" err="1">
+                          <a:solidFill>
+                            <a:srgbClr val="000000"/>
+                          </a:solidFill>
+                          <a:effectLst/>
+                          <a:latin typeface="Calibri" panose="020F0502020204030204" pitchFamily="34" charset="0"/>
+                        </a:rPr>
+                        <a:t>sex_genetics</a:t>
+                      </a:r>
+                      <a:endParaRPr lang="de-CH" sz="1800" b="0" i="0" u="none" strike="noStrike" dirty="0">
+                        <a:solidFill>
+                          <a:srgbClr val="000000"/>
+                        </a:solidFill>
+                        <a:effectLst/>
+                        <a:latin typeface="Calibri" panose="020F0502020204030204" pitchFamily="34" charset="0"/>
+                      </a:endParaRPr>
+                    </a:p>
+                  </a:txBody>
+                  <a:tcPr marL="7620" marR="7620" marT="7620" marB="0" anchor="b"/>
+                </a:tc>
+                <a:tc>
+                  <a:txBody>
+                    <a:bodyPr/>
+                    <a:lstStyle/>
+                    <a:p>
+                      <a:pPr algn="r" fontAlgn="b"/>
+                      <a:r>
+                        <a:rPr lang="de-CH" sz="1800" b="0" i="0" u="none" strike="noStrike" dirty="0">
+                          <a:solidFill>
+                            <a:srgbClr val="000000"/>
+                          </a:solidFill>
+                          <a:effectLst/>
+                          <a:latin typeface="Calibri" panose="020F0502020204030204" pitchFamily="34" charset="0"/>
+                        </a:rPr>
+                        <a:t>298</a:t>
+                      </a:r>
+                    </a:p>
+                  </a:txBody>
+                  <a:tcPr marL="7620" marR="7620" marT="7620" marB="0" anchor="b"/>
+                </a:tc>
+                <a:tc>
+                  <a:txBody>
+                    <a:bodyPr/>
+                    <a:lstStyle/>
+                    <a:p>
+                      <a:pPr algn="r" fontAlgn="b"/>
+                      <a:r>
+                        <a:rPr lang="de-CH" sz="1800" b="0" i="0" u="none" strike="noStrike" dirty="0">
+                          <a:solidFill>
+                            <a:srgbClr val="000000"/>
+                          </a:solidFill>
+                          <a:effectLst/>
+                          <a:latin typeface="Calibri" panose="020F0502020204030204" pitchFamily="34" charset="0"/>
+                        </a:rPr>
+                        <a:t>19.1%</a:t>
+                      </a:r>
+                    </a:p>
+                  </a:txBody>
+                  <a:tcPr marL="7620" marR="7620" marT="7620" marB="0" anchor="b"/>
+                </a:tc>
+                <a:extLst>
+                  <a:ext uri="{0D108BD9-81ED-4DB2-BD59-A6C34878D82A}">
+                    <a16:rowId xmlns:a16="http://schemas.microsoft.com/office/drawing/2014/main" val="1661343871"/>
+                  </a:ext>
+                </a:extLst>
+              </a:tr>
+            </a:tbl>
+          </a:graphicData>
+        </a:graphic>
+      </p:graphicFrame>
+      <p:pic>
+        <p:nvPicPr>
+          <p:cNvPr id="4" name="Grafik 3">
+            <a:extLst>
+              <a:ext uri="{FF2B5EF4-FFF2-40B4-BE49-F238E27FC236}">
+                <a16:creationId xmlns:a16="http://schemas.microsoft.com/office/drawing/2014/main" id="{B1BFC0CE-B1BC-5A36-4B63-883B29AB1DD3}"/>
+              </a:ext>
+            </a:extLst>
+          </p:cNvPr>
+          <p:cNvPicPr>
+            <a:picLocks noChangeAspect="1"/>
+          </p:cNvPicPr>
+          <p:nvPr/>
+        </p:nvPicPr>
+        <p:blipFill>
+          <a:blip r:embed="rId2">
+            <a:extLst>
+              <a:ext uri="{28A0092B-C50C-407E-A947-70E740481C1C}">
+                <a14:useLocalDpi xmlns:a14="http://schemas.microsoft.com/office/drawing/2010/main" val="0"/>
+              </a:ext>
+            </a:extLst>
+          </a:blip>
+          <a:stretch>
+            <a:fillRect/>
+          </a:stretch>
+        </p:blipFill>
+        <p:spPr>
+          <a:xfrm>
+            <a:off x="935116" y="1456032"/>
+            <a:ext cx="6134956" cy="5277587"/>
+          </a:xfrm>
+          <a:prstGeom prst="rect">
+            <a:avLst/>
+          </a:prstGeom>
+        </p:spPr>
+      </p:pic>
     </p:spTree>
     <p:extLst>
       <p:ext uri="{BB962C8B-B14F-4D97-AF65-F5344CB8AC3E}">
@@ -5449,8 +10224,19 @@
           <a:lstStyle/>
           <a:p>
             <a:r>
+              <a:rPr lang="de-CH" dirty="0" err="1"/>
+              <a:t>Missing</a:t>
+            </a:r>
+            <a:r>
               <a:rPr lang="de-CH" dirty="0"/>
-              <a:t>Regression </a:t>
+              <a:t> Data</a:t>
+            </a:r>
+          </a:p>
+          <a:p>
+            <a:pPr lvl="1"/>
+            <a:r>
+              <a:rPr lang="de-CH" dirty="0"/>
+              <a:t> Regression </a:t>
             </a:r>
             <a:r>
               <a:rPr lang="de-CH" dirty="0" err="1"/>
@@ -5499,17 +10285,13 @@
             <a:endParaRPr lang="de-CH" dirty="0"/>
           </a:p>
           <a:p>
+            <a:pPr lvl="1"/>
+            <a:endParaRPr lang="de-CH" dirty="0"/>
+          </a:p>
+          <a:p>
             <a:r>
               <a:rPr lang="de-CH" dirty="0" err="1"/>
-              <a:t>Logistic</a:t>
-            </a:r>
-            <a:r>
-              <a:rPr lang="de-CH" dirty="0"/>
-              <a:t> Regression and </a:t>
-            </a:r>
-            <a:r>
-              <a:rPr lang="de-CH" dirty="0" err="1"/>
-              <a:t>tree</a:t>
+              <a:t>Supervised</a:t>
             </a:r>
             <a:r>
               <a:rPr lang="de-CH" dirty="0"/>
@@ -5517,7 +10299,7 @@
             </a:r>
             <a:r>
               <a:rPr lang="de-CH" dirty="0" err="1"/>
-              <a:t>based</a:t>
+              <a:t>learning</a:t>
             </a:r>
             <a:r>
               <a:rPr lang="de-CH" dirty="0"/>
@@ -5525,7 +10307,7 @@
             </a:r>
             <a:r>
               <a:rPr lang="de-CH" dirty="0" err="1"/>
-              <a:t>methods</a:t>
+              <a:t>method</a:t>
             </a:r>
             <a:r>
               <a:rPr lang="de-CH" dirty="0"/>
@@ -5533,22 +10315,38 @@
             </a:r>
             <a:r>
               <a:rPr lang="de-CH" dirty="0" err="1"/>
-              <a:t>for</a:t>
+              <a:t>to</a:t>
             </a:r>
             <a:r>
               <a:rPr lang="de-CH" dirty="0"/>
-              <a:t> adult </a:t>
+              <a:t> </a:t>
             </a:r>
             <a:r>
               <a:rPr lang="de-CH" dirty="0" err="1"/>
-              <a:t>classifier</a:t>
-            </a:r>
-            <a:endParaRPr lang="de-CH" dirty="0"/>
-          </a:p>
-          <a:p>
+              <a:t>determine</a:t>
+            </a:r>
             <a:r>
               <a:rPr lang="de-CH" dirty="0"/>
-              <a:t>The same </a:t>
+              <a:t>  Sex</a:t>
+            </a:r>
+          </a:p>
+          <a:p>
+            <a:pPr lvl="1"/>
+            <a:r>
+              <a:rPr lang="de-CH" dirty="0" err="1"/>
+              <a:t>Seperate</a:t>
+            </a:r>
+            <a:r>
+              <a:rPr lang="de-CH" dirty="0"/>
+              <a:t> </a:t>
+            </a:r>
+            <a:r>
+              <a:rPr lang="de-CH" dirty="0" err="1"/>
+              <a:t>models</a:t>
+            </a:r>
+            <a:r>
+              <a:rPr lang="de-CH" dirty="0"/>
+              <a:t> </a:t>
             </a:r>
             <a:r>
               <a:rPr lang="de-CH" dirty="0" err="1"/>
@@ -5556,15 +10354,7 @@
             </a:r>
             <a:r>
               <a:rPr lang="de-CH" dirty="0"/>
-              <a:t> </a:t>
-            </a:r>
-            <a:r>
-              <a:rPr lang="de-CH" dirty="0" err="1"/>
-              <a:t>the</a:t>
-            </a:r>
-            <a:r>
-              <a:rPr lang="de-CH" dirty="0"/>
-              <a:t> </a:t>
+              <a:t> adult and </a:t>
             </a:r>
             <a:r>
               <a:rPr lang="de-CH" dirty="0" err="1"/>
@@ -5580,6 +10370,34 @@
           </a:p>
         </p:txBody>
       </p:sp>
+      <p:graphicFrame>
+        <p:nvGraphicFramePr>
+          <p:cNvPr id="6" name="Diagramm 5">
+            <a:extLst>
+              <a:ext uri="{FF2B5EF4-FFF2-40B4-BE49-F238E27FC236}">
+                <a16:creationId xmlns:a16="http://schemas.microsoft.com/office/drawing/2014/main" id="{03326C3A-87C0-788D-12CE-DA93F9123F2E}"/>
+              </a:ext>
+            </a:extLst>
+          </p:cNvPr>
+          <p:cNvGraphicFramePr/>
+          <p:nvPr>
+            <p:extLst>
+              <p:ext uri="{D42A27DB-BD31-4B8C-83A1-F6EECF244321}">
+                <p14:modId xmlns:p14="http://schemas.microsoft.com/office/powerpoint/2010/main" val="2715518000"/>
+              </p:ext>
+            </p:extLst>
+          </p:nvPr>
+        </p:nvGraphicFramePr>
+        <p:xfrm>
+          <a:off x="6345810" y="3124938"/>
+          <a:ext cx="5007990" cy="2725446"/>
+        </p:xfrm>
+        <a:graphic>
+          <a:graphicData uri="http://schemas.openxmlformats.org/drawingml/2006/diagram">
+            <dgm:relIds xmlns:dgm="http://schemas.openxmlformats.org/drawingml/2006/diagram" xmlns:r="http://schemas.openxmlformats.org/officeDocument/2006/relationships" r:dm="rId2" r:lo="rId3" r:qs="rId4" r:cs="rId5"/>
+          </a:graphicData>
+        </a:graphic>
+      </p:graphicFrame>
     </p:spTree>
     <p:extLst>
       <p:ext uri="{BB962C8B-B14F-4D97-AF65-F5344CB8AC3E}">
